--- a/Lectures/1_Introduction to R.pptx
+++ b/Lectures/1_Introduction to R.pptx
@@ -5,33 +5,37 @@
     <p:sldMasterId id="2147483648" r:id="rId1"/>
   </p:sldMasterIdLst>
   <p:sldIdLst>
-    <p:sldId id="256" r:id="rId2"/>
+    <p:sldId id="292" r:id="rId2"/>
     <p:sldId id="257" r:id="rId3"/>
     <p:sldId id="271" r:id="rId4"/>
     <p:sldId id="259" r:id="rId5"/>
-    <p:sldId id="270" r:id="rId6"/>
-    <p:sldId id="272" r:id="rId7"/>
-    <p:sldId id="278" r:id="rId8"/>
-    <p:sldId id="258" r:id="rId9"/>
-    <p:sldId id="273" r:id="rId10"/>
-    <p:sldId id="276" r:id="rId11"/>
-    <p:sldId id="279" r:id="rId12"/>
-    <p:sldId id="280" r:id="rId13"/>
-    <p:sldId id="288" r:id="rId14"/>
-    <p:sldId id="281" r:id="rId15"/>
-    <p:sldId id="282" r:id="rId16"/>
-    <p:sldId id="283" r:id="rId17"/>
-    <p:sldId id="284" r:id="rId18"/>
-    <p:sldId id="285" r:id="rId19"/>
-    <p:sldId id="286" r:id="rId20"/>
-    <p:sldId id="287" r:id="rId21"/>
-    <p:sldId id="277" r:id="rId22"/>
-    <p:sldId id="275" r:id="rId23"/>
-    <p:sldId id="290" r:id="rId24"/>
-    <p:sldId id="260" r:id="rId25"/>
-    <p:sldId id="261" r:id="rId26"/>
-    <p:sldId id="262" r:id="rId27"/>
-    <p:sldId id="274" r:id="rId28"/>
+    <p:sldId id="272" r:id="rId6"/>
+    <p:sldId id="270" r:id="rId7"/>
+    <p:sldId id="293" r:id="rId8"/>
+    <p:sldId id="256" r:id="rId9"/>
+    <p:sldId id="278" r:id="rId10"/>
+    <p:sldId id="258" r:id="rId11"/>
+    <p:sldId id="273" r:id="rId12"/>
+    <p:sldId id="277" r:id="rId13"/>
+    <p:sldId id="262" r:id="rId14"/>
+    <p:sldId id="276" r:id="rId15"/>
+    <p:sldId id="279" r:id="rId16"/>
+    <p:sldId id="280" r:id="rId17"/>
+    <p:sldId id="288" r:id="rId18"/>
+    <p:sldId id="281" r:id="rId19"/>
+    <p:sldId id="282" r:id="rId20"/>
+    <p:sldId id="283" r:id="rId21"/>
+    <p:sldId id="284" r:id="rId22"/>
+    <p:sldId id="285" r:id="rId23"/>
+    <p:sldId id="286" r:id="rId24"/>
+    <p:sldId id="294" r:id="rId25"/>
+    <p:sldId id="287" r:id="rId26"/>
+    <p:sldId id="275" r:id="rId27"/>
+    <p:sldId id="290" r:id="rId28"/>
+    <p:sldId id="260" r:id="rId29"/>
+    <p:sldId id="261" r:id="rId30"/>
+    <p:sldId id="295" r:id="rId31"/>
+    <p:sldId id="274" r:id="rId32"/>
   </p:sldIdLst>
   <p:sldSz cx="9906000" cy="6858000" type="A4"/>
   <p:notesSz cx="6858000" cy="9144000"/>
@@ -296,7 +300,7 @@
           <a:p>
             <a:fld id="{0F8B6E1C-38DD-46E8-A430-598A6E87007F}" type="datetimeFigureOut">
               <a:rPr lang="en-US" smtClean="0"/>
-              <a:t>1/29/2020</a:t>
+              <a:t>1/30/2020</a:t>
             </a:fld>
             <a:endParaRPr lang="en-US"/>
           </a:p>
@@ -494,7 +498,7 @@
           <a:p>
             <a:fld id="{0F8B6E1C-38DD-46E8-A430-598A6E87007F}" type="datetimeFigureOut">
               <a:rPr lang="en-US" smtClean="0"/>
-              <a:t>1/29/2020</a:t>
+              <a:t>1/30/2020</a:t>
             </a:fld>
             <a:endParaRPr lang="en-US"/>
           </a:p>
@@ -702,7 +706,7 @@
           <a:p>
             <a:fld id="{0F8B6E1C-38DD-46E8-A430-598A6E87007F}" type="datetimeFigureOut">
               <a:rPr lang="en-US" smtClean="0"/>
-              <a:t>1/29/2020</a:t>
+              <a:t>1/30/2020</a:t>
             </a:fld>
             <a:endParaRPr lang="en-US"/>
           </a:p>
@@ -900,7 +904,7 @@
           <a:p>
             <a:fld id="{0F8B6E1C-38DD-46E8-A430-598A6E87007F}" type="datetimeFigureOut">
               <a:rPr lang="en-US" smtClean="0"/>
-              <a:t>1/29/2020</a:t>
+              <a:t>1/30/2020</a:t>
             </a:fld>
             <a:endParaRPr lang="en-US"/>
           </a:p>
@@ -1175,7 +1179,7 @@
           <a:p>
             <a:fld id="{0F8B6E1C-38DD-46E8-A430-598A6E87007F}" type="datetimeFigureOut">
               <a:rPr lang="en-US" smtClean="0"/>
-              <a:t>1/29/2020</a:t>
+              <a:t>1/30/2020</a:t>
             </a:fld>
             <a:endParaRPr lang="en-US"/>
           </a:p>
@@ -1440,7 +1444,7 @@
           <a:p>
             <a:fld id="{0F8B6E1C-38DD-46E8-A430-598A6E87007F}" type="datetimeFigureOut">
               <a:rPr lang="en-US" smtClean="0"/>
-              <a:t>1/29/2020</a:t>
+              <a:t>1/30/2020</a:t>
             </a:fld>
             <a:endParaRPr lang="en-US"/>
           </a:p>
@@ -1852,7 +1856,7 @@
           <a:p>
             <a:fld id="{0F8B6E1C-38DD-46E8-A430-598A6E87007F}" type="datetimeFigureOut">
               <a:rPr lang="en-US" smtClean="0"/>
-              <a:t>1/29/2020</a:t>
+              <a:t>1/30/2020</a:t>
             </a:fld>
             <a:endParaRPr lang="en-US"/>
           </a:p>
@@ -1993,7 +1997,7 @@
           <a:p>
             <a:fld id="{0F8B6E1C-38DD-46E8-A430-598A6E87007F}" type="datetimeFigureOut">
               <a:rPr lang="en-US" smtClean="0"/>
-              <a:t>1/29/2020</a:t>
+              <a:t>1/30/2020</a:t>
             </a:fld>
             <a:endParaRPr lang="en-US"/>
           </a:p>
@@ -2106,7 +2110,7 @@
           <a:p>
             <a:fld id="{0F8B6E1C-38DD-46E8-A430-598A6E87007F}" type="datetimeFigureOut">
               <a:rPr lang="en-US" smtClean="0"/>
-              <a:t>1/29/2020</a:t>
+              <a:t>1/30/2020</a:t>
             </a:fld>
             <a:endParaRPr lang="en-US"/>
           </a:p>
@@ -2417,7 +2421,7 @@
           <a:p>
             <a:fld id="{0F8B6E1C-38DD-46E8-A430-598A6E87007F}" type="datetimeFigureOut">
               <a:rPr lang="en-US" smtClean="0"/>
-              <a:t>1/29/2020</a:t>
+              <a:t>1/30/2020</a:t>
             </a:fld>
             <a:endParaRPr lang="en-US"/>
           </a:p>
@@ -2705,7 +2709,7 @@
           <a:p>
             <a:fld id="{0F8B6E1C-38DD-46E8-A430-598A6E87007F}" type="datetimeFigureOut">
               <a:rPr lang="en-US" smtClean="0"/>
-              <a:t>1/29/2020</a:t>
+              <a:t>1/30/2020</a:t>
             </a:fld>
             <a:endParaRPr lang="en-US"/>
           </a:p>
@@ -2946,7 +2950,7 @@
           <a:p>
             <a:fld id="{0F8B6E1C-38DD-46E8-A430-598A6E87007F}" type="datetimeFigureOut">
               <a:rPr lang="en-US" smtClean="0"/>
-              <a:t>1/29/2020</a:t>
+              <a:t>1/30/2020</a:t>
             </a:fld>
             <a:endParaRPr lang="en-US"/>
           </a:p>
@@ -3390,10 +3394,10 @@
           <a:lstStyle/>
           <a:p>
             <a:r>
-              <a:rPr lang="de-DE" dirty="0"/>
-              <a:t>Introduction to R</a:t>
-            </a:r>
-            <a:endParaRPr lang="en-US" dirty="0"/>
+              <a:rPr lang="de-DE" b="1" dirty="0"/>
+              <a:t>R and Rstudio tutorial</a:t>
+            </a:r>
+            <a:endParaRPr lang="en-US" b="1" dirty="0"/>
           </a:p>
         </p:txBody>
       </p:sp>
@@ -3446,7 +3450,7 @@
     </p:spTree>
     <p:extLst>
       <p:ext uri="{BB962C8B-B14F-4D97-AF65-F5344CB8AC3E}">
-        <p14:creationId xmlns:p14="http://schemas.microsoft.com/office/powerpoint/2010/main" val="3199113078"/>
+        <p14:creationId xmlns:p14="http://schemas.microsoft.com/office/powerpoint/2010/main" val="3683187409"/>
       </p:ext>
     </p:extLst>
   </p:cSld>
@@ -3475,7 +3479,13 @@
       </p:grpSpPr>
       <p:sp>
         <p:nvSpPr>
-          <p:cNvPr id="2" name="Title 1"/>
+          <p:cNvPr id="2" name="Title 1">
+            <a:extLst>
+              <a:ext uri="{FF2B5EF4-FFF2-40B4-BE49-F238E27FC236}">
+                <a16:creationId xmlns:a16="http://schemas.microsoft.com/office/drawing/2014/main" id="{89F07FD9-35BF-4590-9A52-07791015FCFE}"/>
+              </a:ext>
+            </a:extLst>
+          </p:cNvPr>
           <p:cNvSpPr>
             <a:spLocks noGrp="1"/>
           </p:cNvSpPr>
@@ -3489,28 +3499,25 @@
           <a:lstStyle/>
           <a:p>
             <a:r>
-              <a:rPr lang="fr-FR" dirty="0"/>
-              <a:t>Try </a:t>
-            </a:r>
-            <a:r>
-              <a:rPr lang="fr-FR" dirty="0" err="1"/>
-              <a:t>it</a:t>
-            </a:r>
-            <a:r>
-              <a:rPr lang="fr-FR" dirty="0"/>
-              <a:t> </a:t>
-            </a:r>
-            <a:r>
-              <a:rPr lang="fr-FR" dirty="0" err="1"/>
-              <a:t>now</a:t>
-            </a:r>
-            <a:endParaRPr lang="fr-FR" dirty="0"/>
-          </a:p>
-        </p:txBody>
-      </p:sp>
-      <p:sp>
-        <p:nvSpPr>
-          <p:cNvPr id="3" name="Content Placeholder 2"/>
+              <a:rPr lang="en-US" b="1" dirty="0"/>
+              <a:t>Why R? </a:t>
+            </a:r>
+            <a:br>
+              <a:rPr lang="en-US" b="1" dirty="0"/>
+            </a:br>
+            <a:endParaRPr lang="en-US" dirty="0"/>
+          </a:p>
+        </p:txBody>
+      </p:sp>
+      <p:sp>
+        <p:nvSpPr>
+          <p:cNvPr id="3" name="Content Placeholder 2">
+            <a:extLst>
+              <a:ext uri="{FF2B5EF4-FFF2-40B4-BE49-F238E27FC236}">
+                <a16:creationId xmlns:a16="http://schemas.microsoft.com/office/drawing/2014/main" id="{3FEC0165-4AAC-4E0F-B9DE-2721E351E6B9}"/>
+              </a:ext>
+            </a:extLst>
+          </p:cNvPr>
           <p:cNvSpPr>
             <a:spLocks noGrp="1"/>
           </p:cNvSpPr>
@@ -3518,83 +3525,41 @@
             <p:ph idx="1"/>
           </p:nvPr>
         </p:nvSpPr>
-        <p:spPr>
-          <a:xfrm>
-            <a:off x="681038" y="1825625"/>
-            <a:ext cx="3376057" cy="4351338"/>
-          </a:xfrm>
-        </p:spPr>
+        <p:spPr/>
         <p:txBody>
           <a:bodyPr/>
           <a:lstStyle/>
           <a:p>
-            <a:pPr marL="0" indent="0">
-              <a:buNone/>
-            </a:pPr>
-            <a:r>
-              <a:rPr lang="de-DE" dirty="0"/>
-              <a:t>Type in your console:</a:t>
-            </a:r>
-          </a:p>
-          <a:p>
-            <a:pPr marL="0" indent="0">
-              <a:buNone/>
-            </a:pPr>
-            <a:endParaRPr lang="de-DE" dirty="0"/>
-          </a:p>
-          <a:p>
-            <a:pPr marL="0" indent="0">
-              <a:buNone/>
-            </a:pPr>
-            <a:r>
-              <a:rPr lang="de-DE" dirty="0"/>
-              <a:t>12+13+14</a:t>
-            </a:r>
-          </a:p>
-          <a:p>
-            <a:pPr marL="0" indent="0">
-              <a:buNone/>
-            </a:pPr>
-            <a:endParaRPr lang="de-DE" dirty="0"/>
-          </a:p>
-          <a:p>
-            <a:pPr marL="0" indent="0">
-              <a:buNone/>
-            </a:pPr>
-            <a:r>
-              <a:rPr lang="de-DE" dirty="0"/>
-              <a:t>(5+2)*2</a:t>
-            </a:r>
-          </a:p>
-          <a:p>
-            <a:pPr marL="0" indent="0">
-              <a:buNone/>
-            </a:pPr>
-            <a:endParaRPr lang="de-DE" dirty="0"/>
-          </a:p>
-          <a:p>
-            <a:pPr marL="0" indent="0">
-              <a:buNone/>
-            </a:pPr>
-            <a:r>
-              <a:rPr lang="de-DE" dirty="0"/>
-              <a:t>12^2</a:t>
-            </a:r>
+            <a:r>
+              <a:rPr lang="en-US" dirty="0"/>
+              <a:t>powerful, flexible/customizable</a:t>
+            </a:r>
+          </a:p>
+          <a:p>
+            <a:r>
+              <a:rPr lang="en-US" dirty="0"/>
+              <a:t>easy for sharing and developing</a:t>
+            </a:r>
+          </a:p>
+          <a:p>
+            <a:r>
+              <a:rPr lang="en-US" b="1" dirty="0"/>
+              <a:t>reproducible science</a:t>
+            </a:r>
+            <a:r>
+              <a:rPr lang="en-US" dirty="0"/>
+              <a:t>: scripts and markdowns</a:t>
+            </a:r>
+          </a:p>
+          <a:p>
+            <a:endParaRPr lang="en-US" dirty="0"/>
           </a:p>
         </p:txBody>
       </p:sp>
       <p:pic>
         <p:nvPicPr>
-          <p:cNvPr id="4" name="Shape 84">
-            <a:extLst>
-              <a:ext uri="{FF2B5EF4-FFF2-40B4-BE49-F238E27FC236}">
-                <a16:creationId xmlns:a16="http://schemas.microsoft.com/office/drawing/2014/main" id="{17B676F2-A107-45D0-BE9D-8BD2BE42E50C}"/>
-              </a:ext>
-            </a:extLst>
-          </p:cNvPr>
-          <p:cNvPicPr preferRelativeResize="0">
-            <a:picLocks noChangeAspect="1"/>
-          </p:cNvPicPr>
+          <p:cNvPr id="4" name="Shape 85"/>
+          <p:cNvPicPr preferRelativeResize="0"/>
           <p:nvPr/>
         </p:nvPicPr>
         <p:blipFill>
@@ -3612,8 +3577,8 @@
         </p:blipFill>
         <p:spPr>
           <a:xfrm>
-            <a:off x="8424000" y="0"/>
-            <a:ext cx="1440000" cy="1003636"/>
+            <a:off x="7981025" y="0"/>
+            <a:ext cx="1918855" cy="1290918"/>
           </a:xfrm>
           <a:prstGeom prst="rect">
             <a:avLst/>
@@ -3624,44 +3589,10 @@
           </a:ln>
         </p:spPr>
       </p:pic>
-      <p:sp>
-        <p:nvSpPr>
-          <p:cNvPr id="5" name="Rectangle 4">
-            <a:extLst>
-              <a:ext uri="{FF2B5EF4-FFF2-40B4-BE49-F238E27FC236}">
-                <a16:creationId xmlns:a16="http://schemas.microsoft.com/office/drawing/2014/main" id="{B075F70E-7936-4876-86F9-0538995BB18F}"/>
-              </a:ext>
-            </a:extLst>
-          </p:cNvPr>
-          <p:cNvSpPr/>
-          <p:nvPr/>
-        </p:nvSpPr>
-        <p:spPr>
-          <a:xfrm>
-            <a:off x="2369066" y="5942567"/>
-            <a:ext cx="5642699" cy="369332"/>
-          </a:xfrm>
-          <a:prstGeom prst="rect">
-            <a:avLst/>
-          </a:prstGeom>
-        </p:spPr>
-        <p:txBody>
-          <a:bodyPr wrap="none">
-            <a:spAutoFit/>
-          </a:bodyPr>
-          <a:lstStyle/>
-          <a:p>
-            <a:r>
-              <a:rPr lang="en-US" dirty="0"/>
-              <a:t>These are Arithmetic operators (basic math): +, -, *, /, ^, …</a:t>
-            </a:r>
-          </a:p>
-        </p:txBody>
-      </p:sp>
     </p:spTree>
     <p:extLst>
       <p:ext uri="{BB962C8B-B14F-4D97-AF65-F5344CB8AC3E}">
-        <p14:creationId xmlns:p14="http://schemas.microsoft.com/office/powerpoint/2010/main" val="2588586398"/>
+        <p14:creationId xmlns:p14="http://schemas.microsoft.com/office/powerpoint/2010/main" val="2971829959"/>
       </p:ext>
     </p:extLst>
   </p:cSld>
@@ -3698,145 +3629,351 @@
             <p:ph type="title"/>
           </p:nvPr>
         </p:nvSpPr>
-        <p:spPr/>
+        <p:spPr>
+          <a:xfrm>
+            <a:off x="272665" y="164931"/>
+            <a:ext cx="8543925" cy="1325563"/>
+          </a:xfrm>
+        </p:spPr>
         <p:txBody>
           <a:bodyPr/>
           <a:lstStyle/>
           <a:p>
             <a:r>
-              <a:rPr lang="fr-FR" dirty="0"/>
-              <a:t>Try </a:t>
-            </a:r>
-            <a:r>
-              <a:rPr lang="fr-FR" dirty="0" err="1"/>
-              <a:t>it</a:t>
-            </a:r>
-            <a:r>
-              <a:rPr lang="fr-FR" dirty="0"/>
-              <a:t> </a:t>
-            </a:r>
-            <a:r>
-              <a:rPr lang="fr-FR" dirty="0" err="1"/>
-              <a:t>now</a:t>
-            </a:r>
-            <a:endParaRPr lang="fr-FR" dirty="0"/>
-          </a:p>
-        </p:txBody>
-      </p:sp>
-      <p:sp>
-        <p:nvSpPr>
-          <p:cNvPr id="3" name="Content Placeholder 2"/>
-          <p:cNvSpPr>
-            <a:spLocks noGrp="1"/>
-          </p:cNvSpPr>
-          <p:nvPr>
-            <p:ph idx="1"/>
-          </p:nvPr>
-        </p:nvSpPr>
-        <p:spPr>
-          <a:xfrm>
-            <a:off x="681037" y="1553592"/>
-            <a:ext cx="8214387" cy="4623371"/>
-          </a:xfrm>
-        </p:spPr>
-        <p:txBody>
-          <a:bodyPr/>
-          <a:lstStyle/>
-          <a:p>
-            <a:pPr marL="0" indent="0">
-              <a:buNone/>
-            </a:pPr>
-            <a:r>
-              <a:rPr lang="de-DE" dirty="0"/>
-              <a:t>Assignment:</a:t>
-            </a:r>
-          </a:p>
-          <a:p>
-            <a:pPr marL="0" indent="0">
-              <a:buNone/>
-            </a:pPr>
-            <a:r>
-              <a:rPr lang="de-DE" dirty="0"/>
-              <a:t> Type the following in your console</a:t>
-            </a:r>
-          </a:p>
-          <a:p>
-            <a:pPr marL="0" indent="0">
-              <a:buNone/>
-            </a:pPr>
-            <a:endParaRPr lang="de-DE" dirty="0"/>
-          </a:p>
-          <a:p>
-            <a:pPr marL="0" indent="0">
-              <a:buNone/>
-            </a:pPr>
-            <a:r>
-              <a:rPr lang="pl-PL" dirty="0"/>
-              <a:t>x &lt;- 12</a:t>
-            </a:r>
-          </a:p>
-          <a:p>
-            <a:pPr marL="0" indent="0">
-              <a:buNone/>
-            </a:pPr>
-            <a:r>
-              <a:rPr lang="pl-PL" dirty="0"/>
-              <a:t>y &lt;- 13</a:t>
-            </a:r>
-          </a:p>
-          <a:p>
-            <a:pPr marL="0" indent="0">
-              <a:buNone/>
-            </a:pPr>
-            <a:r>
-              <a:rPr lang="pl-PL" dirty="0"/>
-              <a:t>z &lt;- 14</a:t>
-            </a:r>
-            <a:endParaRPr lang="de-DE" dirty="0"/>
-          </a:p>
-          <a:p>
-            <a:pPr marL="0" indent="0">
-              <a:buNone/>
-            </a:pPr>
-            <a:r>
-              <a:rPr lang="de-DE" i="1" dirty="0"/>
-              <a:t>Look at your environment pane. What happened?</a:t>
-            </a:r>
-            <a:br>
-              <a:rPr lang="de-DE" i="1" dirty="0"/>
-            </a:br>
-            <a:r>
-              <a:rPr lang="de-DE" dirty="0"/>
-              <a:t>Now type in your console:</a:t>
-            </a:r>
-          </a:p>
-          <a:p>
-            <a:pPr marL="0" indent="0">
-              <a:buNone/>
-            </a:pPr>
-            <a:r>
-              <a:rPr lang="de-DE" dirty="0"/>
-              <a:t>x+y+z </a:t>
-            </a:r>
+              <a:rPr lang="de-DE" b="1" dirty="0"/>
+              <a:t>What is RStudio</a:t>
+            </a:r>
+            <a:endParaRPr lang="fr-FR" b="1" dirty="0"/>
           </a:p>
         </p:txBody>
       </p:sp>
       <p:pic>
         <p:nvPicPr>
-          <p:cNvPr id="4" name="Shape 84">
-            <a:extLst>
-              <a:ext uri="{FF2B5EF4-FFF2-40B4-BE49-F238E27FC236}">
-                <a16:creationId xmlns:a16="http://schemas.microsoft.com/office/drawing/2014/main" id="{17B676F2-A107-45D0-BE9D-8BD2BE42E50C}"/>
-              </a:ext>
-            </a:extLst>
-          </p:cNvPr>
-          <p:cNvPicPr preferRelativeResize="0">
+          <p:cNvPr id="4" name="Picture 3">
+            <a:extLst>
+              <a:ext uri="{FF2B5EF4-FFF2-40B4-BE49-F238E27FC236}">
+                <a16:creationId xmlns:a16="http://schemas.microsoft.com/office/drawing/2014/main" id="{86DEE0CA-A87C-4CB6-8442-36A9321B9F95}"/>
+              </a:ext>
+            </a:extLst>
+          </p:cNvPr>
+          <p:cNvPicPr>
             <a:picLocks noChangeAspect="1"/>
           </p:cNvPicPr>
           <p:nvPr/>
         </p:nvPicPr>
         <p:blipFill>
-          <a:blip r:embed="rId2" cstate="print">
+          <a:blip r:embed="rId2"/>
+          <a:stretch>
+            <a:fillRect/>
+          </a:stretch>
+        </p:blipFill>
+        <p:spPr>
+          <a:xfrm>
+            <a:off x="340519" y="1286566"/>
+            <a:ext cx="9224962" cy="5222430"/>
+          </a:xfrm>
+          <a:prstGeom prst="rect">
+            <a:avLst/>
+          </a:prstGeom>
+        </p:spPr>
+      </p:pic>
+      <p:sp>
+        <p:nvSpPr>
+          <p:cNvPr id="5" name="TextBox 4">
+            <a:extLst>
+              <a:ext uri="{FF2B5EF4-FFF2-40B4-BE49-F238E27FC236}">
+                <a16:creationId xmlns:a16="http://schemas.microsoft.com/office/drawing/2014/main" id="{3249FA46-E419-4EA7-A947-1022B5AD131E}"/>
+              </a:ext>
+            </a:extLst>
+          </p:cNvPr>
+          <p:cNvSpPr txBox="1"/>
+          <p:nvPr/>
+        </p:nvSpPr>
+        <p:spPr>
+          <a:xfrm>
+            <a:off x="1882066" y="1926448"/>
+            <a:ext cx="3320249" cy="2585323"/>
+          </a:xfrm>
+          <a:prstGeom prst="rect">
+            <a:avLst/>
+          </a:prstGeom>
+          <a:solidFill>
+            <a:schemeClr val="bg2">
+              <a:lumMod val="75000"/>
+            </a:schemeClr>
+          </a:solidFill>
+        </p:spPr>
+        <p:txBody>
+          <a:bodyPr wrap="square" rtlCol="0">
+            <a:spAutoFit/>
+          </a:bodyPr>
+          <a:lstStyle/>
+          <a:p>
+            <a:pPr marL="342900" indent="-342900">
+              <a:buFontTx/>
+              <a:buAutoNum type="arabicPeriod"/>
+            </a:pPr>
+            <a:r>
+              <a:rPr lang="de-DE" b="1" dirty="0">
+                <a:solidFill>
+                  <a:schemeClr val="bg1"/>
+                </a:solidFill>
+              </a:rPr>
+              <a:t>SOURCE (</a:t>
+            </a:r>
+            <a:r>
+              <a:rPr lang="en-US" b="1" dirty="0">
+                <a:solidFill>
+                  <a:schemeClr val="bg1"/>
+                </a:solidFill>
+              </a:rPr>
+              <a:t>Your notepad for code)</a:t>
+            </a:r>
+            <a:endParaRPr lang="de-DE" b="1" dirty="0">
+              <a:solidFill>
+                <a:schemeClr val="bg1"/>
+              </a:solidFill>
+            </a:endParaRPr>
+          </a:p>
+          <a:p>
+            <a:r>
+              <a:rPr lang="de-DE" dirty="0">
+                <a:solidFill>
+                  <a:schemeClr val="bg1"/>
+                </a:solidFill>
+              </a:rPr>
+              <a:t>This is where  you write your code</a:t>
+            </a:r>
+          </a:p>
+          <a:p>
+            <a:endParaRPr lang="de-DE" dirty="0">
+              <a:solidFill>
+                <a:schemeClr val="bg1"/>
+              </a:solidFill>
+            </a:endParaRPr>
+          </a:p>
+          <a:p>
+            <a:r>
+              <a:rPr lang="de-DE" dirty="0">
+                <a:solidFill>
+                  <a:schemeClr val="bg1"/>
+                </a:solidFill>
+              </a:rPr>
+              <a:t>Your code will not be evaluated until you run it</a:t>
+            </a:r>
+          </a:p>
+          <a:p>
+            <a:r>
+              <a:rPr lang="de-DE" dirty="0">
+                <a:solidFill>
+                  <a:schemeClr val="bg1"/>
+                </a:solidFill>
+              </a:rPr>
+              <a:t>(use „run“ button or Ctrl+Enter to run individual lines of code</a:t>
+            </a:r>
+            <a:endParaRPr lang="en-US" dirty="0">
+              <a:solidFill>
+                <a:schemeClr val="bg1"/>
+              </a:solidFill>
+            </a:endParaRPr>
+          </a:p>
+        </p:txBody>
+      </p:sp>
+      <p:sp>
+        <p:nvSpPr>
+          <p:cNvPr id="6" name="TextBox 5">
+            <a:extLst>
+              <a:ext uri="{FF2B5EF4-FFF2-40B4-BE49-F238E27FC236}">
+                <a16:creationId xmlns:a16="http://schemas.microsoft.com/office/drawing/2014/main" id="{389C7FD8-B787-4BF5-85BD-9862447BDD7D}"/>
+              </a:ext>
+            </a:extLst>
+          </p:cNvPr>
+          <p:cNvSpPr txBox="1"/>
+          <p:nvPr/>
+        </p:nvSpPr>
+        <p:spPr>
+          <a:xfrm>
+            <a:off x="681038" y="4901952"/>
+            <a:ext cx="4350059" cy="1477328"/>
+          </a:xfrm>
+          <a:prstGeom prst="rect">
+            <a:avLst/>
+          </a:prstGeom>
+          <a:solidFill>
+            <a:schemeClr val="bg2">
+              <a:lumMod val="75000"/>
+            </a:schemeClr>
+          </a:solidFill>
+        </p:spPr>
+        <p:txBody>
+          <a:bodyPr wrap="square" rtlCol="0">
+            <a:spAutoFit/>
+          </a:bodyPr>
+          <a:lstStyle/>
+          <a:p>
+            <a:r>
+              <a:rPr lang="de-DE" b="1" dirty="0">
+                <a:solidFill>
+                  <a:schemeClr val="bg1"/>
+                </a:solidFill>
+              </a:rPr>
+              <a:t>2. CONSOLE (R´s heart)</a:t>
+            </a:r>
+          </a:p>
+          <a:p>
+            <a:r>
+              <a:rPr lang="de-DE" dirty="0">
+                <a:solidFill>
+                  <a:schemeClr val="bg1"/>
+                </a:solidFill>
+              </a:rPr>
+              <a:t>This is where your code from the source will be evaluated by R</a:t>
+            </a:r>
+          </a:p>
+          <a:p>
+            <a:r>
+              <a:rPr lang="de-DE" dirty="0">
+                <a:solidFill>
+                  <a:schemeClr val="bg1"/>
+                </a:solidFill>
+              </a:rPr>
+              <a:t>You can also perform quick calculations that you dont need to save</a:t>
+            </a:r>
+            <a:endParaRPr lang="en-US" dirty="0">
+              <a:solidFill>
+                <a:schemeClr val="bg1"/>
+              </a:solidFill>
+            </a:endParaRPr>
+          </a:p>
+        </p:txBody>
+      </p:sp>
+      <p:sp>
+        <p:nvSpPr>
+          <p:cNvPr id="7" name="TextBox 6">
+            <a:extLst>
+              <a:ext uri="{FF2B5EF4-FFF2-40B4-BE49-F238E27FC236}">
+                <a16:creationId xmlns:a16="http://schemas.microsoft.com/office/drawing/2014/main" id="{813BE99D-1563-4DB0-ACAC-E1162E7D5660}"/>
+              </a:ext>
+            </a:extLst>
+          </p:cNvPr>
+          <p:cNvSpPr txBox="1"/>
+          <p:nvPr/>
+        </p:nvSpPr>
+        <p:spPr>
+          <a:xfrm>
+            <a:off x="6257277" y="1951672"/>
+            <a:ext cx="3107185" cy="1477328"/>
+          </a:xfrm>
+          <a:prstGeom prst="rect">
+            <a:avLst/>
+          </a:prstGeom>
+          <a:solidFill>
+            <a:schemeClr val="bg2">
+              <a:lumMod val="75000"/>
+            </a:schemeClr>
+          </a:solidFill>
+        </p:spPr>
+        <p:txBody>
+          <a:bodyPr wrap="square" rtlCol="0">
+            <a:spAutoFit/>
+          </a:bodyPr>
+          <a:lstStyle/>
+          <a:p>
+            <a:r>
+              <a:rPr lang="de-DE" dirty="0">
+                <a:solidFill>
+                  <a:schemeClr val="bg1"/>
+                </a:solidFill>
+              </a:rPr>
+              <a:t>3. ENVIRONMENT / HISTORY</a:t>
+            </a:r>
+          </a:p>
+          <a:p>
+            <a:r>
+              <a:rPr lang="de-DE" dirty="0">
+                <a:solidFill>
+                  <a:schemeClr val="bg1"/>
+                </a:solidFill>
+              </a:rPr>
+              <a:t>Here you can see what objects are loaded into your working space and see your command history</a:t>
+            </a:r>
+          </a:p>
+        </p:txBody>
+      </p:sp>
+      <p:sp>
+        <p:nvSpPr>
+          <p:cNvPr id="8" name="TextBox 7">
+            <a:extLst>
+              <a:ext uri="{FF2B5EF4-FFF2-40B4-BE49-F238E27FC236}">
+                <a16:creationId xmlns:a16="http://schemas.microsoft.com/office/drawing/2014/main" id="{C82CDE30-5E84-4AD4-9886-CC07CD26D000}"/>
+              </a:ext>
+            </a:extLst>
+          </p:cNvPr>
+          <p:cNvSpPr txBox="1"/>
+          <p:nvPr/>
+        </p:nvSpPr>
+        <p:spPr>
+          <a:xfrm>
+            <a:off x="5810851" y="4527735"/>
+            <a:ext cx="3543253" cy="1477328"/>
+          </a:xfrm>
+          <a:prstGeom prst="rect">
+            <a:avLst/>
+          </a:prstGeom>
+          <a:solidFill>
+            <a:schemeClr val="bg2">
+              <a:lumMod val="75000"/>
+            </a:schemeClr>
+          </a:solidFill>
+        </p:spPr>
+        <p:txBody>
+          <a:bodyPr wrap="square" rtlCol="0">
+            <a:spAutoFit/>
+          </a:bodyPr>
+          <a:lstStyle/>
+          <a:p>
+            <a:r>
+              <a:rPr lang="de-DE" dirty="0">
+                <a:solidFill>
+                  <a:schemeClr val="bg1"/>
+                </a:solidFill>
+              </a:rPr>
+              <a:t>4. FILES/PLOTS/PACKAGES/HELP</a:t>
+            </a:r>
+          </a:p>
+          <a:p>
+            <a:endParaRPr lang="de-DE" dirty="0">
+              <a:solidFill>
+                <a:schemeClr val="bg1"/>
+              </a:solidFill>
+            </a:endParaRPr>
+          </a:p>
+          <a:p>
+            <a:r>
+              <a:rPr lang="de-DE" dirty="0">
+                <a:solidFill>
+                  <a:schemeClr val="bg1"/>
+                </a:solidFill>
+              </a:rPr>
+              <a:t>Here you can see file, directories, packages and help documentation (R help).</a:t>
+            </a:r>
+          </a:p>
+        </p:txBody>
+      </p:sp>
+      <p:pic>
+        <p:nvPicPr>
+          <p:cNvPr id="9" name="Shape 85">
+            <a:extLst>
+              <a:ext uri="{FF2B5EF4-FFF2-40B4-BE49-F238E27FC236}">
+                <a16:creationId xmlns:a16="http://schemas.microsoft.com/office/drawing/2014/main" id="{4EE92382-0D9D-4474-92DD-A738889990D2}"/>
+              </a:ext>
+            </a:extLst>
+          </p:cNvPr>
+          <p:cNvPicPr preferRelativeResize="0"/>
+          <p:nvPr/>
+        </p:nvPicPr>
+        <p:blipFill>
+          <a:blip r:embed="rId3" cstate="print">
             <a:alphaModFix/>
             <a:extLst>
               <a:ext uri="{28A0092B-C50C-407E-A947-70E740481C1C}">
@@ -3850,8 +3987,8 @@
         </p:blipFill>
         <p:spPr>
           <a:xfrm>
-            <a:off x="8424000" y="0"/>
-            <a:ext cx="1440000" cy="1003636"/>
+            <a:off x="7981025" y="0"/>
+            <a:ext cx="1918855" cy="1290918"/>
           </a:xfrm>
           <a:prstGeom prst="rect">
             <a:avLst/>
@@ -3862,50 +3999,232 @@
           </a:ln>
         </p:spPr>
       </p:pic>
-      <p:sp>
-        <p:nvSpPr>
-          <p:cNvPr id="5" name="Rectangle 4">
-            <a:extLst>
-              <a:ext uri="{FF2B5EF4-FFF2-40B4-BE49-F238E27FC236}">
-                <a16:creationId xmlns:a16="http://schemas.microsoft.com/office/drawing/2014/main" id="{B075F70E-7936-4876-86F9-0538995BB18F}"/>
-              </a:ext>
-            </a:extLst>
-          </p:cNvPr>
-          <p:cNvSpPr/>
-          <p:nvPr/>
-        </p:nvSpPr>
-        <p:spPr>
-          <a:xfrm>
-            <a:off x="2298044" y="6308208"/>
-            <a:ext cx="6054799" cy="369332"/>
-          </a:xfrm>
-          <a:prstGeom prst="rect">
-            <a:avLst/>
-          </a:prstGeom>
-        </p:spPr>
-        <p:txBody>
-          <a:bodyPr wrap="none">
-            <a:spAutoFit/>
-          </a:bodyPr>
-          <a:lstStyle/>
-          <a:p>
-            <a:r>
-              <a:rPr lang="en-US" dirty="0"/>
-              <a:t>This is an assignment operator  &lt;-  You define R-objects with it </a:t>
-            </a:r>
-          </a:p>
-        </p:txBody>
-      </p:sp>
     </p:spTree>
     <p:extLst>
       <p:ext uri="{BB962C8B-B14F-4D97-AF65-F5344CB8AC3E}">
-        <p14:creationId xmlns:p14="http://schemas.microsoft.com/office/powerpoint/2010/main" val="3852400610"/>
+        <p14:creationId xmlns:p14="http://schemas.microsoft.com/office/powerpoint/2010/main" val="975522773"/>
       </p:ext>
     </p:extLst>
   </p:cSld>
   <p:clrMapOvr>
     <a:masterClrMapping/>
   </p:clrMapOvr>
+  <p:timing>
+    <p:tnLst>
+      <p:par>
+        <p:cTn id="1" dur="indefinite" restart="never" nodeType="tmRoot">
+          <p:childTnLst>
+            <p:seq concurrent="1" nextAc="seek">
+              <p:cTn id="2" dur="indefinite" nodeType="mainSeq">
+                <p:childTnLst>
+                  <p:par>
+                    <p:cTn id="3" fill="hold">
+                      <p:stCondLst>
+                        <p:cond delay="indefinite"/>
+                      </p:stCondLst>
+                      <p:childTnLst>
+                        <p:par>
+                          <p:cTn id="4" fill="hold">
+                            <p:stCondLst>
+                              <p:cond delay="0"/>
+                            </p:stCondLst>
+                            <p:childTnLst>
+                              <p:par>
+                                <p:cTn id="5" presetID="1" presetClass="entr" presetSubtype="0" fill="hold" grpId="0" nodeType="clickEffect">
+                                  <p:stCondLst>
+                                    <p:cond delay="0"/>
+                                  </p:stCondLst>
+                                  <p:childTnLst>
+                                    <p:set>
+                                      <p:cBhvr>
+                                        <p:cTn id="6" dur="1" fill="hold">
+                                          <p:stCondLst>
+                                            <p:cond delay="0"/>
+                                          </p:stCondLst>
+                                        </p:cTn>
+                                        <p:tgtEl>
+                                          <p:spTgt spid="5"/>
+                                        </p:tgtEl>
+                                        <p:attrNameLst>
+                                          <p:attrName>style.visibility</p:attrName>
+                                        </p:attrNameLst>
+                                      </p:cBhvr>
+                                      <p:to>
+                                        <p:strVal val="visible"/>
+                                      </p:to>
+                                    </p:set>
+                                  </p:childTnLst>
+                                </p:cTn>
+                              </p:par>
+                            </p:childTnLst>
+                          </p:cTn>
+                        </p:par>
+                      </p:childTnLst>
+                    </p:cTn>
+                  </p:par>
+                  <p:par>
+                    <p:cTn id="7" fill="hold">
+                      <p:stCondLst>
+                        <p:cond delay="indefinite"/>
+                      </p:stCondLst>
+                      <p:childTnLst>
+                        <p:par>
+                          <p:cTn id="8" fill="hold">
+                            <p:stCondLst>
+                              <p:cond delay="0"/>
+                            </p:stCondLst>
+                            <p:childTnLst>
+                              <p:par>
+                                <p:cTn id="9" presetID="1" presetClass="entr" presetSubtype="0" fill="hold" grpId="0" nodeType="clickEffect">
+                                  <p:stCondLst>
+                                    <p:cond delay="0"/>
+                                  </p:stCondLst>
+                                  <p:childTnLst>
+                                    <p:set>
+                                      <p:cBhvr>
+                                        <p:cTn id="10" dur="1" fill="hold">
+                                          <p:stCondLst>
+                                            <p:cond delay="0"/>
+                                          </p:stCondLst>
+                                        </p:cTn>
+                                        <p:tgtEl>
+                                          <p:spTgt spid="6"/>
+                                        </p:tgtEl>
+                                        <p:attrNameLst>
+                                          <p:attrName>style.visibility</p:attrName>
+                                        </p:attrNameLst>
+                                      </p:cBhvr>
+                                      <p:to>
+                                        <p:strVal val="visible"/>
+                                      </p:to>
+                                    </p:set>
+                                  </p:childTnLst>
+                                </p:cTn>
+                              </p:par>
+                            </p:childTnLst>
+                          </p:cTn>
+                        </p:par>
+                      </p:childTnLst>
+                    </p:cTn>
+                  </p:par>
+                  <p:par>
+                    <p:cTn id="11" fill="hold">
+                      <p:stCondLst>
+                        <p:cond delay="indefinite"/>
+                      </p:stCondLst>
+                      <p:childTnLst>
+                        <p:par>
+                          <p:cTn id="12" fill="hold">
+                            <p:stCondLst>
+                              <p:cond delay="0"/>
+                            </p:stCondLst>
+                            <p:childTnLst>
+                              <p:par>
+                                <p:cTn id="13" presetID="1" presetClass="entr" presetSubtype="0" fill="hold" grpId="0" nodeType="clickEffect">
+                                  <p:stCondLst>
+                                    <p:cond delay="0"/>
+                                  </p:stCondLst>
+                                  <p:childTnLst>
+                                    <p:set>
+                                      <p:cBhvr>
+                                        <p:cTn id="14" dur="1" fill="hold">
+                                          <p:stCondLst>
+                                            <p:cond delay="0"/>
+                                          </p:stCondLst>
+                                        </p:cTn>
+                                        <p:tgtEl>
+                                          <p:spTgt spid="7"/>
+                                        </p:tgtEl>
+                                        <p:attrNameLst>
+                                          <p:attrName>style.visibility</p:attrName>
+                                        </p:attrNameLst>
+                                      </p:cBhvr>
+                                      <p:to>
+                                        <p:strVal val="visible"/>
+                                      </p:to>
+                                    </p:set>
+                                  </p:childTnLst>
+                                </p:cTn>
+                              </p:par>
+                            </p:childTnLst>
+                          </p:cTn>
+                        </p:par>
+                      </p:childTnLst>
+                    </p:cTn>
+                  </p:par>
+                  <p:par>
+                    <p:cTn id="15" fill="hold">
+                      <p:stCondLst>
+                        <p:cond delay="indefinite"/>
+                      </p:stCondLst>
+                      <p:childTnLst>
+                        <p:par>
+                          <p:cTn id="16" fill="hold">
+                            <p:stCondLst>
+                              <p:cond delay="0"/>
+                            </p:stCondLst>
+                            <p:childTnLst>
+                              <p:par>
+                                <p:cTn id="17" presetID="1" presetClass="entr" presetSubtype="0" fill="hold" grpId="0" nodeType="clickEffect">
+                                  <p:stCondLst>
+                                    <p:cond delay="0"/>
+                                  </p:stCondLst>
+                                  <p:childTnLst>
+                                    <p:set>
+                                      <p:cBhvr>
+                                        <p:cTn id="18" dur="1" fill="hold">
+                                          <p:stCondLst>
+                                            <p:cond delay="0"/>
+                                          </p:stCondLst>
+                                        </p:cTn>
+                                        <p:tgtEl>
+                                          <p:spTgt spid="8"/>
+                                        </p:tgtEl>
+                                        <p:attrNameLst>
+                                          <p:attrName>style.visibility</p:attrName>
+                                        </p:attrNameLst>
+                                      </p:cBhvr>
+                                      <p:to>
+                                        <p:strVal val="visible"/>
+                                      </p:to>
+                                    </p:set>
+                                  </p:childTnLst>
+                                </p:cTn>
+                              </p:par>
+                            </p:childTnLst>
+                          </p:cTn>
+                        </p:par>
+                      </p:childTnLst>
+                    </p:cTn>
+                  </p:par>
+                </p:childTnLst>
+              </p:cTn>
+              <p:prevCondLst>
+                <p:cond evt="onPrev" delay="0">
+                  <p:tgtEl>
+                    <p:sldTgt/>
+                  </p:tgtEl>
+                </p:cond>
+              </p:prevCondLst>
+              <p:nextCondLst>
+                <p:cond evt="onNext" delay="0">
+                  <p:tgtEl>
+                    <p:sldTgt/>
+                  </p:tgtEl>
+                </p:cond>
+              </p:nextCondLst>
+            </p:seq>
+          </p:childTnLst>
+        </p:cTn>
+      </p:par>
+    </p:tnLst>
+    <p:bldLst>
+      <p:bldP spid="5" grpId="0" animBg="1"/>
+      <p:bldP spid="6" grpId="0" animBg="1"/>
+      <p:bldP spid="7" grpId="0" animBg="1"/>
+      <p:bldP spid="8" grpId="0" animBg="1"/>
+    </p:bldLst>
+  </p:timing>
 </p:sld>
 </file>
 
@@ -3928,13 +4247,7 @@
       </p:grpSpPr>
       <p:sp>
         <p:nvSpPr>
-          <p:cNvPr id="2" name="Title 1">
-            <a:extLst>
-              <a:ext uri="{FF2B5EF4-FFF2-40B4-BE49-F238E27FC236}">
-                <a16:creationId xmlns:a16="http://schemas.microsoft.com/office/drawing/2014/main" id="{64FA78E1-ADC3-448F-B75B-53E42FD8FC92}"/>
-              </a:ext>
-            </a:extLst>
-          </p:cNvPr>
+          <p:cNvPr id="2" name="Title 1"/>
           <p:cNvSpPr>
             <a:spLocks noGrp="1"/>
           </p:cNvSpPr>
@@ -3942,25 +4255,271 @@
             <p:ph type="title"/>
           </p:nvPr>
         </p:nvSpPr>
-        <p:spPr/>
+        <p:spPr>
+          <a:xfrm>
+            <a:off x="681038" y="365126"/>
+            <a:ext cx="8543925" cy="2706548"/>
+          </a:xfrm>
+        </p:spPr>
+        <p:txBody>
+          <a:bodyPr>
+            <a:normAutofit fontScale="90000"/>
+          </a:bodyPr>
+          <a:lstStyle/>
+          <a:p>
+            <a:r>
+              <a:rPr lang="en-US" dirty="0">
+                <a:solidFill>
+                  <a:prstClr val="black"/>
+                </a:solidFill>
+                <a:latin typeface="Calibri"/>
+              </a:rPr>
+              <a:t>Random tip! </a:t>
+            </a:r>
+            <a:br>
+              <a:rPr lang="en-US" dirty="0">
+                <a:solidFill>
+                  <a:prstClr val="black"/>
+                </a:solidFill>
+                <a:latin typeface="Calibri"/>
+              </a:rPr>
+            </a:br>
+            <a:r>
+              <a:rPr lang="en-US" dirty="0">
+                <a:solidFill>
+                  <a:prstClr val="black"/>
+                </a:solidFill>
+                <a:latin typeface="Calibri"/>
+              </a:rPr>
+              <a:t>Are You Typing too much, </a:t>
+            </a:r>
+            <a:br>
+              <a:rPr lang="en-US" dirty="0">
+                <a:solidFill>
+                  <a:prstClr val="black"/>
+                </a:solidFill>
+                <a:latin typeface="Calibri"/>
+              </a:rPr>
+            </a:br>
+            <a:r>
+              <a:rPr lang="en-US" dirty="0">
+                <a:solidFill>
+                  <a:prstClr val="black"/>
+                </a:solidFill>
+                <a:latin typeface="Calibri"/>
+              </a:rPr>
+              <a:t>You’re Doing Something Wrong!</a:t>
+            </a:r>
+            <a:br>
+              <a:rPr lang="en-US" dirty="0">
+                <a:solidFill>
+                  <a:prstClr val="black"/>
+                </a:solidFill>
+                <a:latin typeface="Calibri"/>
+              </a:rPr>
+            </a:br>
+            <a:br>
+              <a:rPr lang="en-US" dirty="0">
+                <a:solidFill>
+                  <a:prstClr val="black"/>
+                </a:solidFill>
+                <a:latin typeface="Calibri"/>
+              </a:rPr>
+            </a:br>
+            <a:br>
+              <a:rPr lang="en-US" dirty="0">
+                <a:solidFill>
+                  <a:prstClr val="black"/>
+                </a:solidFill>
+                <a:latin typeface="Calibri"/>
+              </a:rPr>
+            </a:br>
+            <a:endParaRPr lang="fr-FR" dirty="0"/>
+          </a:p>
+        </p:txBody>
+      </p:sp>
+      <p:sp>
+        <p:nvSpPr>
+          <p:cNvPr id="3" name="Content Placeholder 2"/>
+          <p:cNvSpPr>
+            <a:spLocks noGrp="1"/>
+          </p:cNvSpPr>
+          <p:nvPr>
+            <p:ph idx="1"/>
+          </p:nvPr>
+        </p:nvSpPr>
+        <p:spPr>
+          <a:xfrm>
+            <a:off x="681038" y="2849731"/>
+            <a:ext cx="8543925" cy="3327231"/>
+          </a:xfrm>
+        </p:spPr>
         <p:txBody>
           <a:bodyPr/>
           <a:lstStyle/>
           <a:p>
-            <a:r>
-              <a:rPr lang="de-DE" dirty="0"/>
-              <a:t>Objects and functions</a:t>
-            </a:r>
-            <a:endParaRPr lang="en-US" dirty="0"/>
-          </a:p>
-        </p:txBody>
-      </p:sp>
-      <p:sp>
-        <p:nvSpPr>
-          <p:cNvPr id="3" name="Content Placeholder 2">
-            <a:extLst>
-              <a:ext uri="{FF2B5EF4-FFF2-40B4-BE49-F238E27FC236}">
-                <a16:creationId xmlns:a16="http://schemas.microsoft.com/office/drawing/2014/main" id="{5A71D75D-D97B-4194-8AF1-4AA9E6B977B5}"/>
+            <a:pPr algn="ctr" defTabSz="457200">
+              <a:buClrTx/>
+              <a:buFontTx/>
+              <a:buNone/>
+            </a:pPr>
+            <a:r>
+              <a:rPr lang="en-US" b="1" dirty="0">
+                <a:solidFill>
+                  <a:prstClr val="black"/>
+                </a:solidFill>
+              </a:rPr>
+              <a:t>Tab complete </a:t>
+            </a:r>
+            <a:r>
+              <a:rPr lang="en-US" dirty="0">
+                <a:solidFill>
+                  <a:prstClr val="black"/>
+                </a:solidFill>
+              </a:rPr>
+              <a:t>is a nice trick to save you typing, functions, dataset names, variables etc. that have been defined in the R environment will be autocompleted.</a:t>
+            </a:r>
+          </a:p>
+          <a:p>
+            <a:pPr algn="ctr" defTabSz="457200">
+              <a:buClrTx/>
+              <a:buFontTx/>
+              <a:buNone/>
+            </a:pPr>
+            <a:endParaRPr lang="en-US" dirty="0">
+              <a:solidFill>
+                <a:prstClr val="black"/>
+              </a:solidFill>
+            </a:endParaRPr>
+          </a:p>
+          <a:p>
+            <a:pPr algn="ctr" defTabSz="457200">
+              <a:buClrTx/>
+              <a:buFontTx/>
+              <a:buNone/>
+            </a:pPr>
+            <a:endParaRPr lang="en-US" dirty="0">
+              <a:solidFill>
+                <a:prstClr val="black"/>
+              </a:solidFill>
+            </a:endParaRPr>
+          </a:p>
+          <a:p>
+            <a:pPr algn="ctr" defTabSz="457200">
+              <a:buClrTx/>
+              <a:buFontTx/>
+              <a:buNone/>
+            </a:pPr>
+            <a:r>
+              <a:rPr lang="en-US" dirty="0">
+                <a:solidFill>
+                  <a:prstClr val="black"/>
+                </a:solidFill>
+              </a:rPr>
+              <a:t>Get used to it and use it always, it will make you faster and you will avoid typos!</a:t>
+            </a:r>
+          </a:p>
+          <a:p>
+            <a:pPr algn="ctr" defTabSz="457200">
+              <a:buClrTx/>
+              <a:buFontTx/>
+              <a:buNone/>
+            </a:pPr>
+            <a:endParaRPr lang="en-US" dirty="0">
+              <a:solidFill>
+                <a:prstClr val="black"/>
+              </a:solidFill>
+            </a:endParaRPr>
+          </a:p>
+          <a:p>
+            <a:pPr algn="ctr" defTabSz="457200">
+              <a:buClrTx/>
+              <a:buFontTx/>
+              <a:buNone/>
+            </a:pPr>
+            <a:endParaRPr lang="en-US" dirty="0">
+              <a:solidFill>
+                <a:prstClr val="black"/>
+              </a:solidFill>
+            </a:endParaRPr>
+          </a:p>
+        </p:txBody>
+      </p:sp>
+      <p:pic>
+        <p:nvPicPr>
+          <p:cNvPr id="4" name="Shape 85">
+            <a:extLst>
+              <a:ext uri="{FF2B5EF4-FFF2-40B4-BE49-F238E27FC236}">
+                <a16:creationId xmlns:a16="http://schemas.microsoft.com/office/drawing/2014/main" id="{6330A854-B8BF-49D9-BCFC-4E2D24BED510}"/>
+              </a:ext>
+            </a:extLst>
+          </p:cNvPr>
+          <p:cNvPicPr preferRelativeResize="0"/>
+          <p:nvPr/>
+        </p:nvPicPr>
+        <p:blipFill>
+          <a:blip r:embed="rId2" cstate="print">
+            <a:alphaModFix/>
+            <a:extLst>
+              <a:ext uri="{28A0092B-C50C-407E-A947-70E740481C1C}">
+                <a14:useLocalDpi xmlns:a14="http://schemas.microsoft.com/office/drawing/2010/main"/>
+              </a:ext>
+            </a:extLst>
+          </a:blip>
+          <a:stretch>
+            <a:fillRect/>
+          </a:stretch>
+        </p:blipFill>
+        <p:spPr>
+          <a:xfrm>
+            <a:off x="7981025" y="0"/>
+            <a:ext cx="1918855" cy="1290918"/>
+          </a:xfrm>
+          <a:prstGeom prst="rect">
+            <a:avLst/>
+          </a:prstGeom>
+          <a:noFill/>
+          <a:ln>
+            <a:noFill/>
+          </a:ln>
+        </p:spPr>
+      </p:pic>
+    </p:spTree>
+    <p:extLst>
+      <p:ext uri="{BB962C8B-B14F-4D97-AF65-F5344CB8AC3E}">
+        <p14:creationId xmlns:p14="http://schemas.microsoft.com/office/powerpoint/2010/main" val="1531203535"/>
+      </p:ext>
+    </p:extLst>
+  </p:cSld>
+  <p:clrMapOvr>
+    <a:masterClrMapping/>
+  </p:clrMapOvr>
+</p:sld>
+</file>
+
+<file path=ppt/slides/slide13.xml><?xml version="1.0" encoding="utf-8"?>
+<p:sld xmlns:a="http://schemas.openxmlformats.org/drawingml/2006/main" xmlns:r="http://schemas.openxmlformats.org/officeDocument/2006/relationships" xmlns:p="http://schemas.openxmlformats.org/presentationml/2006/main">
+  <p:cSld>
+    <p:spTree>
+      <p:nvGrpSpPr>
+        <p:cNvPr id="1" name=""/>
+        <p:cNvGrpSpPr/>
+        <p:nvPr/>
+      </p:nvGrpSpPr>
+      <p:grpSpPr>
+        <a:xfrm>
+          <a:off x="0" y="0"/>
+          <a:ext cx="0" cy="0"/>
+          <a:chOff x="0" y="0"/>
+          <a:chExt cx="0" cy="0"/>
+        </a:xfrm>
+      </p:grpSpPr>
+      <p:sp>
+        <p:nvSpPr>
+          <p:cNvPr id="2" name="Title 1">
+            <a:extLst>
+              <a:ext uri="{FF2B5EF4-FFF2-40B4-BE49-F238E27FC236}">
+                <a16:creationId xmlns:a16="http://schemas.microsoft.com/office/drawing/2014/main" id="{CEE11B0D-355F-4F89-B62B-A4305405F437}"/>
               </a:ext>
             </a:extLst>
           </p:cNvPr>
@@ -3968,7 +4527,7 @@
             <a:spLocks noGrp="1"/>
           </p:cNvSpPr>
           <p:nvPr>
-            <p:ph idx="1"/>
+            <p:ph type="title"/>
           </p:nvPr>
         </p:nvSpPr>
         <p:spPr/>
@@ -3977,8 +4536,801 @@
           <a:lstStyle/>
           <a:p>
             <a:r>
+              <a:rPr lang="en-US" b="1" dirty="0"/>
+              <a:t>Error messages</a:t>
+            </a:r>
+            <a:br>
+              <a:rPr lang="en-US" b="1" dirty="0"/>
+            </a:br>
+            <a:endParaRPr lang="en-US" dirty="0"/>
+          </a:p>
+        </p:txBody>
+      </p:sp>
+      <p:sp>
+        <p:nvSpPr>
+          <p:cNvPr id="3" name="Content Placeholder 2">
+            <a:extLst>
+              <a:ext uri="{FF2B5EF4-FFF2-40B4-BE49-F238E27FC236}">
+                <a16:creationId xmlns:a16="http://schemas.microsoft.com/office/drawing/2014/main" id="{E7AD7006-C7AE-484B-9D6C-F037A5503CF6}"/>
+              </a:ext>
+            </a:extLst>
+          </p:cNvPr>
+          <p:cNvSpPr>
+            <a:spLocks noGrp="1"/>
+          </p:cNvSpPr>
+          <p:nvPr>
+            <p:ph idx="1"/>
+          </p:nvPr>
+        </p:nvSpPr>
+        <p:spPr/>
+        <p:txBody>
+          <a:bodyPr/>
+          <a:lstStyle/>
+          <a:p>
+            <a:r>
+              <a:rPr lang="en-US" dirty="0"/>
+              <a:t>Warnings should be acknowledged but can be ignored.</a:t>
+            </a:r>
+          </a:p>
+          <a:p>
+            <a:r>
+              <a:rPr lang="en-US" dirty="0"/>
+              <a:t>Specific hint? e.g.  </a:t>
+            </a:r>
+          </a:p>
+          <a:p>
+            <a:pPr lvl="1"/>
+            <a:r>
+              <a:rPr lang="en-US" dirty="0"/>
+              <a:t>wrong data format, characters/factors instead of numbers</a:t>
+            </a:r>
+          </a:p>
+          <a:p>
+            <a:pPr lvl="1"/>
+            <a:r>
+              <a:rPr lang="en-US" dirty="0"/>
+              <a:t>library not loaded, package not installed</a:t>
+            </a:r>
+          </a:p>
+          <a:p>
+            <a:pPr marL="0" indent="0">
+              <a:buNone/>
+            </a:pPr>
+            <a:endParaRPr lang="en-US" dirty="0"/>
+          </a:p>
+          <a:p>
+            <a:pPr marL="0" indent="0">
+              <a:buNone/>
+            </a:pPr>
+            <a:endParaRPr lang="en-US" dirty="0"/>
+          </a:p>
+          <a:p>
+            <a:pPr marL="0" indent="0">
+              <a:buNone/>
+            </a:pPr>
+            <a:r>
+              <a:rPr lang="en-US" dirty="0"/>
+              <a:t>Google is your friend – cheating is allowed</a:t>
+            </a:r>
+          </a:p>
+          <a:p>
+            <a:endParaRPr lang="en-US" dirty="0"/>
+          </a:p>
+        </p:txBody>
+      </p:sp>
+      <p:pic>
+        <p:nvPicPr>
+          <p:cNvPr id="4" name="Shape 85">
+            <a:extLst>
+              <a:ext uri="{FF2B5EF4-FFF2-40B4-BE49-F238E27FC236}">
+                <a16:creationId xmlns:a16="http://schemas.microsoft.com/office/drawing/2014/main" id="{948293B7-9CB6-4D5C-A617-36CE10A55B62}"/>
+              </a:ext>
+            </a:extLst>
+          </p:cNvPr>
+          <p:cNvPicPr preferRelativeResize="0"/>
+          <p:nvPr/>
+        </p:nvPicPr>
+        <p:blipFill>
+          <a:blip r:embed="rId2" cstate="print">
+            <a:alphaModFix/>
+            <a:extLst>
+              <a:ext uri="{28A0092B-C50C-407E-A947-70E740481C1C}">
+                <a14:useLocalDpi xmlns:a14="http://schemas.microsoft.com/office/drawing/2010/main"/>
+              </a:ext>
+            </a:extLst>
+          </a:blip>
+          <a:stretch>
+            <a:fillRect/>
+          </a:stretch>
+        </p:blipFill>
+        <p:spPr>
+          <a:xfrm>
+            <a:off x="7981025" y="0"/>
+            <a:ext cx="1918855" cy="1290918"/>
+          </a:xfrm>
+          <a:prstGeom prst="rect">
+            <a:avLst/>
+          </a:prstGeom>
+          <a:noFill/>
+          <a:ln>
+            <a:noFill/>
+          </a:ln>
+        </p:spPr>
+      </p:pic>
+    </p:spTree>
+    <p:extLst>
+      <p:ext uri="{BB962C8B-B14F-4D97-AF65-F5344CB8AC3E}">
+        <p14:creationId xmlns:p14="http://schemas.microsoft.com/office/powerpoint/2010/main" val="1269108127"/>
+      </p:ext>
+    </p:extLst>
+  </p:cSld>
+  <p:clrMapOvr>
+    <a:masterClrMapping/>
+  </p:clrMapOvr>
+</p:sld>
+</file>
+
+<file path=ppt/slides/slide14.xml><?xml version="1.0" encoding="utf-8"?>
+<p:sld xmlns:a="http://schemas.openxmlformats.org/drawingml/2006/main" xmlns:r="http://schemas.openxmlformats.org/officeDocument/2006/relationships" xmlns:p="http://schemas.openxmlformats.org/presentationml/2006/main">
+  <p:cSld>
+    <p:spTree>
+      <p:nvGrpSpPr>
+        <p:cNvPr id="1" name=""/>
+        <p:cNvGrpSpPr/>
+        <p:nvPr/>
+      </p:nvGrpSpPr>
+      <p:grpSpPr>
+        <a:xfrm>
+          <a:off x="0" y="0"/>
+          <a:ext cx="0" cy="0"/>
+          <a:chOff x="0" y="0"/>
+          <a:chExt cx="0" cy="0"/>
+        </a:xfrm>
+      </p:grpSpPr>
+      <p:sp>
+        <p:nvSpPr>
+          <p:cNvPr id="2" name="Title 1"/>
+          <p:cNvSpPr>
+            <a:spLocks noGrp="1"/>
+          </p:cNvSpPr>
+          <p:nvPr>
+            <p:ph type="title"/>
+          </p:nvPr>
+        </p:nvSpPr>
+        <p:spPr/>
+        <p:txBody>
+          <a:bodyPr/>
+          <a:lstStyle/>
+          <a:p>
+            <a:r>
+              <a:rPr lang="fr-FR" b="1" dirty="0"/>
+              <a:t>Try </a:t>
+            </a:r>
+            <a:r>
+              <a:rPr lang="fr-FR" b="1" dirty="0" err="1"/>
+              <a:t>it</a:t>
+            </a:r>
+            <a:r>
+              <a:rPr lang="fr-FR" b="1" dirty="0"/>
+              <a:t> </a:t>
+            </a:r>
+            <a:r>
+              <a:rPr lang="fr-FR" b="1" dirty="0" err="1"/>
+              <a:t>now</a:t>
+            </a:r>
+            <a:endParaRPr lang="fr-FR" b="1" dirty="0"/>
+          </a:p>
+        </p:txBody>
+      </p:sp>
+      <p:sp>
+        <p:nvSpPr>
+          <p:cNvPr id="3" name="Content Placeholder 2"/>
+          <p:cNvSpPr>
+            <a:spLocks noGrp="1"/>
+          </p:cNvSpPr>
+          <p:nvPr>
+            <p:ph idx="1"/>
+          </p:nvPr>
+        </p:nvSpPr>
+        <p:spPr>
+          <a:xfrm>
+            <a:off x="681038" y="1825625"/>
+            <a:ext cx="6855896" cy="4351338"/>
+          </a:xfrm>
+        </p:spPr>
+        <p:txBody>
+          <a:bodyPr/>
+          <a:lstStyle/>
+          <a:p>
+            <a:pPr marL="0" indent="0">
+              <a:buNone/>
+            </a:pPr>
+            <a:r>
               <a:rPr lang="de-DE" dirty="0"/>
-              <a:t>R revolves around 2 things: </a:t>
+              <a:t>Type in your </a:t>
+            </a:r>
+            <a:r>
+              <a:rPr lang="de-DE" b="1" dirty="0"/>
+              <a:t>console </a:t>
+            </a:r>
+            <a:r>
+              <a:rPr lang="de-DE" dirty="0"/>
+              <a:t> (and press enter):</a:t>
+            </a:r>
+          </a:p>
+          <a:p>
+            <a:pPr marL="0" indent="0">
+              <a:buNone/>
+            </a:pPr>
+            <a:endParaRPr lang="de-DE" dirty="0"/>
+          </a:p>
+          <a:p>
+            <a:pPr marL="0" indent="0">
+              <a:buNone/>
+            </a:pPr>
+            <a:r>
+              <a:rPr lang="de-DE" dirty="0"/>
+              <a:t>12+13+14</a:t>
+            </a:r>
+          </a:p>
+          <a:p>
+            <a:pPr marL="0" indent="0">
+              <a:buNone/>
+            </a:pPr>
+            <a:endParaRPr lang="de-DE" dirty="0"/>
+          </a:p>
+          <a:p>
+            <a:pPr marL="0" indent="0">
+              <a:buNone/>
+            </a:pPr>
+            <a:r>
+              <a:rPr lang="de-DE" dirty="0"/>
+              <a:t>(5+2)*2</a:t>
+            </a:r>
+          </a:p>
+          <a:p>
+            <a:pPr marL="0" indent="0">
+              <a:buNone/>
+            </a:pPr>
+            <a:endParaRPr lang="de-DE" dirty="0"/>
+          </a:p>
+          <a:p>
+            <a:pPr marL="0" indent="0">
+              <a:buNone/>
+            </a:pPr>
+            <a:r>
+              <a:rPr lang="de-DE" dirty="0"/>
+              <a:t>12^2</a:t>
+            </a:r>
+          </a:p>
+        </p:txBody>
+      </p:sp>
+      <p:pic>
+        <p:nvPicPr>
+          <p:cNvPr id="4" name="Shape 84">
+            <a:extLst>
+              <a:ext uri="{FF2B5EF4-FFF2-40B4-BE49-F238E27FC236}">
+                <a16:creationId xmlns:a16="http://schemas.microsoft.com/office/drawing/2014/main" id="{17B676F2-A107-45D0-BE9D-8BD2BE42E50C}"/>
+              </a:ext>
+            </a:extLst>
+          </p:cNvPr>
+          <p:cNvPicPr preferRelativeResize="0">
+            <a:picLocks noChangeAspect="1"/>
+          </p:cNvPicPr>
+          <p:nvPr/>
+        </p:nvPicPr>
+        <p:blipFill>
+          <a:blip r:embed="rId2" cstate="print">
+            <a:alphaModFix/>
+            <a:extLst>
+              <a:ext uri="{28A0092B-C50C-407E-A947-70E740481C1C}">
+                <a14:useLocalDpi xmlns:a14="http://schemas.microsoft.com/office/drawing/2010/main"/>
+              </a:ext>
+            </a:extLst>
+          </a:blip>
+          <a:stretch>
+            <a:fillRect/>
+          </a:stretch>
+        </p:blipFill>
+        <p:spPr>
+          <a:xfrm>
+            <a:off x="8424000" y="0"/>
+            <a:ext cx="1440000" cy="1003636"/>
+          </a:xfrm>
+          <a:prstGeom prst="rect">
+            <a:avLst/>
+          </a:prstGeom>
+          <a:noFill/>
+          <a:ln>
+            <a:noFill/>
+          </a:ln>
+        </p:spPr>
+      </p:pic>
+      <p:sp>
+        <p:nvSpPr>
+          <p:cNvPr id="5" name="Rectangle 4">
+            <a:extLst>
+              <a:ext uri="{FF2B5EF4-FFF2-40B4-BE49-F238E27FC236}">
+                <a16:creationId xmlns:a16="http://schemas.microsoft.com/office/drawing/2014/main" id="{B075F70E-7936-4876-86F9-0538995BB18F}"/>
+              </a:ext>
+            </a:extLst>
+          </p:cNvPr>
+          <p:cNvSpPr/>
+          <p:nvPr/>
+        </p:nvSpPr>
+        <p:spPr>
+          <a:xfrm>
+            <a:off x="2369066" y="5942567"/>
+            <a:ext cx="5642699" cy="369332"/>
+          </a:xfrm>
+          <a:prstGeom prst="rect">
+            <a:avLst/>
+          </a:prstGeom>
+        </p:spPr>
+        <p:style>
+          <a:lnRef idx="1">
+            <a:schemeClr val="dk1"/>
+          </a:lnRef>
+          <a:fillRef idx="3">
+            <a:schemeClr val="dk1"/>
+          </a:fillRef>
+          <a:effectRef idx="2">
+            <a:schemeClr val="dk1"/>
+          </a:effectRef>
+          <a:fontRef idx="minor">
+            <a:schemeClr val="lt1"/>
+          </a:fontRef>
+        </p:style>
+        <p:txBody>
+          <a:bodyPr wrap="none">
+            <a:spAutoFit/>
+          </a:bodyPr>
+          <a:lstStyle/>
+          <a:p>
+            <a:r>
+              <a:rPr lang="en-US" dirty="0"/>
+              <a:t>These are </a:t>
+            </a:r>
+            <a:r>
+              <a:rPr lang="en-US" b="1" dirty="0"/>
+              <a:t>Arithmetic operators </a:t>
+            </a:r>
+            <a:r>
+              <a:rPr lang="en-US" dirty="0"/>
+              <a:t>(basic math): +, -, *, /, ^, …</a:t>
+            </a:r>
+          </a:p>
+        </p:txBody>
+      </p:sp>
+      <p:pic>
+        <p:nvPicPr>
+          <p:cNvPr id="6" name="Shape 84">
+            <a:extLst>
+              <a:ext uri="{FF2B5EF4-FFF2-40B4-BE49-F238E27FC236}">
+                <a16:creationId xmlns:a16="http://schemas.microsoft.com/office/drawing/2014/main" id="{A76D6EE7-749F-42F3-A45A-B17E5FDD4004}"/>
+              </a:ext>
+            </a:extLst>
+          </p:cNvPr>
+          <p:cNvPicPr preferRelativeResize="0">
+            <a:picLocks noChangeAspect="1"/>
+          </p:cNvPicPr>
+          <p:nvPr/>
+        </p:nvPicPr>
+        <p:blipFill>
+          <a:blip r:embed="rId2" cstate="print">
+            <a:alphaModFix/>
+            <a:extLst>
+              <a:ext uri="{28A0092B-C50C-407E-A947-70E740481C1C}">
+                <a14:useLocalDpi xmlns:a14="http://schemas.microsoft.com/office/drawing/2010/main"/>
+              </a:ext>
+            </a:extLst>
+          </a:blip>
+          <a:stretch>
+            <a:fillRect/>
+          </a:stretch>
+        </p:blipFill>
+        <p:spPr>
+          <a:xfrm>
+            <a:off x="7962105" y="-1"/>
+            <a:ext cx="1901895" cy="1325563"/>
+          </a:xfrm>
+          <a:prstGeom prst="rect">
+            <a:avLst/>
+          </a:prstGeom>
+          <a:noFill/>
+          <a:ln>
+            <a:noFill/>
+          </a:ln>
+        </p:spPr>
+      </p:pic>
+    </p:spTree>
+    <p:extLst>
+      <p:ext uri="{BB962C8B-B14F-4D97-AF65-F5344CB8AC3E}">
+        <p14:creationId xmlns:p14="http://schemas.microsoft.com/office/powerpoint/2010/main" val="2588586398"/>
+      </p:ext>
+    </p:extLst>
+  </p:cSld>
+  <p:clrMapOvr>
+    <a:masterClrMapping/>
+  </p:clrMapOvr>
+</p:sld>
+</file>
+
+<file path=ppt/slides/slide15.xml><?xml version="1.0" encoding="utf-8"?>
+<p:sld xmlns:a="http://schemas.openxmlformats.org/drawingml/2006/main" xmlns:r="http://schemas.openxmlformats.org/officeDocument/2006/relationships" xmlns:p="http://schemas.openxmlformats.org/presentationml/2006/main">
+  <p:cSld>
+    <p:spTree>
+      <p:nvGrpSpPr>
+        <p:cNvPr id="1" name=""/>
+        <p:cNvGrpSpPr/>
+        <p:nvPr/>
+      </p:nvGrpSpPr>
+      <p:grpSpPr>
+        <a:xfrm>
+          <a:off x="0" y="0"/>
+          <a:ext cx="0" cy="0"/>
+          <a:chOff x="0" y="0"/>
+          <a:chExt cx="0" cy="0"/>
+        </a:xfrm>
+      </p:grpSpPr>
+      <p:sp>
+        <p:nvSpPr>
+          <p:cNvPr id="2" name="Title 1"/>
+          <p:cNvSpPr>
+            <a:spLocks noGrp="1"/>
+          </p:cNvSpPr>
+          <p:nvPr>
+            <p:ph type="title"/>
+          </p:nvPr>
+        </p:nvSpPr>
+        <p:spPr/>
+        <p:txBody>
+          <a:bodyPr/>
+          <a:lstStyle/>
+          <a:p>
+            <a:r>
+              <a:rPr lang="fr-FR" b="1" dirty="0"/>
+              <a:t>Try </a:t>
+            </a:r>
+            <a:r>
+              <a:rPr lang="fr-FR" b="1" dirty="0" err="1"/>
+              <a:t>it</a:t>
+            </a:r>
+            <a:r>
+              <a:rPr lang="fr-FR" b="1" dirty="0"/>
+              <a:t> </a:t>
+            </a:r>
+            <a:r>
+              <a:rPr lang="fr-FR" b="1" dirty="0" err="1"/>
+              <a:t>now</a:t>
+            </a:r>
+            <a:endParaRPr lang="fr-FR" b="1" dirty="0"/>
+          </a:p>
+        </p:txBody>
+      </p:sp>
+      <p:sp>
+        <p:nvSpPr>
+          <p:cNvPr id="3" name="Content Placeholder 2"/>
+          <p:cNvSpPr>
+            <a:spLocks noGrp="1"/>
+          </p:cNvSpPr>
+          <p:nvPr>
+            <p:ph idx="1"/>
+          </p:nvPr>
+        </p:nvSpPr>
+        <p:spPr>
+          <a:xfrm>
+            <a:off x="681037" y="1553592"/>
+            <a:ext cx="8214387" cy="4623371"/>
+          </a:xfrm>
+        </p:spPr>
+        <p:txBody>
+          <a:bodyPr/>
+          <a:lstStyle/>
+          <a:p>
+            <a:pPr marL="0" indent="0">
+              <a:buNone/>
+            </a:pPr>
+            <a:r>
+              <a:rPr lang="de-DE" dirty="0"/>
+              <a:t>Assignment operator</a:t>
+            </a:r>
+          </a:p>
+          <a:p>
+            <a:pPr marL="0" indent="0">
+              <a:buNone/>
+            </a:pPr>
+            <a:r>
+              <a:rPr lang="de-DE" dirty="0"/>
+              <a:t>Type the following in your </a:t>
+            </a:r>
+            <a:r>
+              <a:rPr lang="de-DE" b="1" dirty="0"/>
+              <a:t>console</a:t>
+            </a:r>
+          </a:p>
+          <a:p>
+            <a:pPr marL="0" indent="0">
+              <a:buNone/>
+            </a:pPr>
+            <a:endParaRPr lang="de-DE" dirty="0"/>
+          </a:p>
+          <a:p>
+            <a:pPr marL="0" indent="0">
+              <a:buNone/>
+            </a:pPr>
+            <a:r>
+              <a:rPr lang="pl-PL" dirty="0"/>
+              <a:t>x &lt;- 12</a:t>
+            </a:r>
+          </a:p>
+          <a:p>
+            <a:pPr marL="0" indent="0">
+              <a:buNone/>
+            </a:pPr>
+            <a:r>
+              <a:rPr lang="pl-PL" dirty="0"/>
+              <a:t>y &lt;- 13</a:t>
+            </a:r>
+          </a:p>
+          <a:p>
+            <a:pPr marL="0" indent="0">
+              <a:buNone/>
+            </a:pPr>
+            <a:r>
+              <a:rPr lang="pl-PL" dirty="0"/>
+              <a:t>z &lt;- 14</a:t>
+            </a:r>
+            <a:endParaRPr lang="de-DE" dirty="0"/>
+          </a:p>
+          <a:p>
+            <a:pPr marL="0" indent="0">
+              <a:buNone/>
+            </a:pPr>
+            <a:r>
+              <a:rPr lang="de-DE" i="1" dirty="0"/>
+              <a:t>Look at your </a:t>
+            </a:r>
+            <a:r>
+              <a:rPr lang="de-DE" b="1" i="1" dirty="0"/>
+              <a:t>environment pane</a:t>
+            </a:r>
+            <a:r>
+              <a:rPr lang="de-DE" i="1" dirty="0"/>
+              <a:t>. What happened?</a:t>
+            </a:r>
+            <a:br>
+              <a:rPr lang="de-DE" i="1" dirty="0"/>
+            </a:br>
+            <a:r>
+              <a:rPr lang="de-DE" dirty="0"/>
+              <a:t>Now type in your console:</a:t>
+            </a:r>
+          </a:p>
+          <a:p>
+            <a:pPr marL="0" indent="0">
+              <a:buNone/>
+            </a:pPr>
+            <a:r>
+              <a:rPr lang="de-DE" dirty="0"/>
+              <a:t>x+y+z </a:t>
+            </a:r>
+          </a:p>
+        </p:txBody>
+      </p:sp>
+      <p:pic>
+        <p:nvPicPr>
+          <p:cNvPr id="4" name="Shape 84">
+            <a:extLst>
+              <a:ext uri="{FF2B5EF4-FFF2-40B4-BE49-F238E27FC236}">
+                <a16:creationId xmlns:a16="http://schemas.microsoft.com/office/drawing/2014/main" id="{17B676F2-A107-45D0-BE9D-8BD2BE42E50C}"/>
+              </a:ext>
+            </a:extLst>
+          </p:cNvPr>
+          <p:cNvPicPr preferRelativeResize="0">
+            <a:picLocks noChangeAspect="1"/>
+          </p:cNvPicPr>
+          <p:nvPr/>
+        </p:nvPicPr>
+        <p:blipFill>
+          <a:blip r:embed="rId2" cstate="print">
+            <a:alphaModFix/>
+            <a:extLst>
+              <a:ext uri="{28A0092B-C50C-407E-A947-70E740481C1C}">
+                <a14:useLocalDpi xmlns:a14="http://schemas.microsoft.com/office/drawing/2010/main"/>
+              </a:ext>
+            </a:extLst>
+          </a:blip>
+          <a:stretch>
+            <a:fillRect/>
+          </a:stretch>
+        </p:blipFill>
+        <p:spPr>
+          <a:xfrm>
+            <a:off x="8424000" y="0"/>
+            <a:ext cx="1440000" cy="1003636"/>
+          </a:xfrm>
+          <a:prstGeom prst="rect">
+            <a:avLst/>
+          </a:prstGeom>
+          <a:noFill/>
+          <a:ln>
+            <a:noFill/>
+          </a:ln>
+        </p:spPr>
+      </p:pic>
+      <p:sp>
+        <p:nvSpPr>
+          <p:cNvPr id="5" name="Rectangle 4">
+            <a:extLst>
+              <a:ext uri="{FF2B5EF4-FFF2-40B4-BE49-F238E27FC236}">
+                <a16:creationId xmlns:a16="http://schemas.microsoft.com/office/drawing/2014/main" id="{B075F70E-7936-4876-86F9-0538995BB18F}"/>
+              </a:ext>
+            </a:extLst>
+          </p:cNvPr>
+          <p:cNvSpPr/>
+          <p:nvPr/>
+        </p:nvSpPr>
+        <p:spPr>
+          <a:xfrm>
+            <a:off x="2298044" y="6308208"/>
+            <a:ext cx="6054799" cy="369332"/>
+          </a:xfrm>
+          <a:prstGeom prst="rect">
+            <a:avLst/>
+          </a:prstGeom>
+        </p:spPr>
+        <p:style>
+          <a:lnRef idx="1">
+            <a:schemeClr val="dk1"/>
+          </a:lnRef>
+          <a:fillRef idx="3">
+            <a:schemeClr val="dk1"/>
+          </a:fillRef>
+          <a:effectRef idx="2">
+            <a:schemeClr val="dk1"/>
+          </a:effectRef>
+          <a:fontRef idx="minor">
+            <a:schemeClr val="lt1"/>
+          </a:fontRef>
+        </p:style>
+        <p:txBody>
+          <a:bodyPr wrap="none">
+            <a:spAutoFit/>
+          </a:bodyPr>
+          <a:lstStyle/>
+          <a:p>
+            <a:r>
+              <a:rPr lang="en-US" dirty="0"/>
+              <a:t>This is an assignment operator  &lt;-  You define R-objects with it </a:t>
+            </a:r>
+          </a:p>
+        </p:txBody>
+      </p:sp>
+      <p:pic>
+        <p:nvPicPr>
+          <p:cNvPr id="6" name="Shape 84">
+            <a:extLst>
+              <a:ext uri="{FF2B5EF4-FFF2-40B4-BE49-F238E27FC236}">
+                <a16:creationId xmlns:a16="http://schemas.microsoft.com/office/drawing/2014/main" id="{34F87369-C499-4398-81C4-AFE51D0B6A11}"/>
+              </a:ext>
+            </a:extLst>
+          </p:cNvPr>
+          <p:cNvPicPr preferRelativeResize="0">
+            <a:picLocks noChangeAspect="1"/>
+          </p:cNvPicPr>
+          <p:nvPr/>
+        </p:nvPicPr>
+        <p:blipFill>
+          <a:blip r:embed="rId2" cstate="print">
+            <a:alphaModFix/>
+            <a:extLst>
+              <a:ext uri="{28A0092B-C50C-407E-A947-70E740481C1C}">
+                <a14:useLocalDpi xmlns:a14="http://schemas.microsoft.com/office/drawing/2010/main"/>
+              </a:ext>
+            </a:extLst>
+          </a:blip>
+          <a:stretch>
+            <a:fillRect/>
+          </a:stretch>
+        </p:blipFill>
+        <p:spPr>
+          <a:xfrm>
+            <a:off x="7962105" y="-1"/>
+            <a:ext cx="1901895" cy="1325563"/>
+          </a:xfrm>
+          <a:prstGeom prst="rect">
+            <a:avLst/>
+          </a:prstGeom>
+          <a:noFill/>
+          <a:ln>
+            <a:noFill/>
+          </a:ln>
+        </p:spPr>
+      </p:pic>
+    </p:spTree>
+    <p:extLst>
+      <p:ext uri="{BB962C8B-B14F-4D97-AF65-F5344CB8AC3E}">
+        <p14:creationId xmlns:p14="http://schemas.microsoft.com/office/powerpoint/2010/main" val="3852400610"/>
+      </p:ext>
+    </p:extLst>
+  </p:cSld>
+  <p:clrMapOvr>
+    <a:masterClrMapping/>
+  </p:clrMapOvr>
+</p:sld>
+</file>
+
+<file path=ppt/slides/slide16.xml><?xml version="1.0" encoding="utf-8"?>
+<p:sld xmlns:a="http://schemas.openxmlformats.org/drawingml/2006/main" xmlns:r="http://schemas.openxmlformats.org/officeDocument/2006/relationships" xmlns:p="http://schemas.openxmlformats.org/presentationml/2006/main">
+  <p:cSld>
+    <p:spTree>
+      <p:nvGrpSpPr>
+        <p:cNvPr id="1" name=""/>
+        <p:cNvGrpSpPr/>
+        <p:nvPr/>
+      </p:nvGrpSpPr>
+      <p:grpSpPr>
+        <a:xfrm>
+          <a:off x="0" y="0"/>
+          <a:ext cx="0" cy="0"/>
+          <a:chOff x="0" y="0"/>
+          <a:chExt cx="0" cy="0"/>
+        </a:xfrm>
+      </p:grpSpPr>
+      <p:sp>
+        <p:nvSpPr>
+          <p:cNvPr id="2" name="Title 1">
+            <a:extLst>
+              <a:ext uri="{FF2B5EF4-FFF2-40B4-BE49-F238E27FC236}">
+                <a16:creationId xmlns:a16="http://schemas.microsoft.com/office/drawing/2014/main" id="{64FA78E1-ADC3-448F-B75B-53E42FD8FC92}"/>
+              </a:ext>
+            </a:extLst>
+          </p:cNvPr>
+          <p:cNvSpPr>
+            <a:spLocks noGrp="1"/>
+          </p:cNvSpPr>
+          <p:nvPr>
+            <p:ph type="title"/>
+          </p:nvPr>
+        </p:nvSpPr>
+        <p:spPr/>
+        <p:txBody>
+          <a:bodyPr/>
+          <a:lstStyle/>
+          <a:p>
+            <a:r>
+              <a:rPr lang="de-DE" b="1" dirty="0"/>
+              <a:t>Objects and functions</a:t>
+            </a:r>
+            <a:endParaRPr lang="en-US" b="1" dirty="0"/>
+          </a:p>
+        </p:txBody>
+      </p:sp>
+      <p:sp>
+        <p:nvSpPr>
+          <p:cNvPr id="3" name="Content Placeholder 2">
+            <a:extLst>
+              <a:ext uri="{FF2B5EF4-FFF2-40B4-BE49-F238E27FC236}">
+                <a16:creationId xmlns:a16="http://schemas.microsoft.com/office/drawing/2014/main" id="{5A71D75D-D97B-4194-8AF1-4AA9E6B977B5}"/>
+              </a:ext>
+            </a:extLst>
+          </p:cNvPr>
+          <p:cNvSpPr>
+            <a:spLocks noGrp="1"/>
+          </p:cNvSpPr>
+          <p:nvPr>
+            <p:ph idx="1"/>
+          </p:nvPr>
+        </p:nvSpPr>
+        <p:spPr/>
+        <p:txBody>
+          <a:bodyPr/>
+          <a:lstStyle/>
+          <a:p>
+            <a:r>
+              <a:rPr lang="de-DE" dirty="0"/>
+              <a:t>R is all about 2 things: </a:t>
             </a:r>
             <a:r>
               <a:rPr lang="de-DE" b="1" dirty="0"/>
@@ -4120,7 +5472,7 @@
 </p:sld>
 </file>
 
-<file path=ppt/slides/slide13.xml><?xml version="1.0" encoding="utf-8"?>
+<file path=ppt/slides/slide17.xml><?xml version="1.0" encoding="utf-8"?>
 <p:sld xmlns:a="http://schemas.openxmlformats.org/drawingml/2006/main" xmlns:r="http://schemas.openxmlformats.org/officeDocument/2006/relationships" xmlns:p="http://schemas.openxmlformats.org/presentationml/2006/main">
   <p:cSld>
     <p:spTree>
@@ -4159,10 +5511,10 @@
           <a:lstStyle/>
           <a:p>
             <a:r>
-              <a:rPr lang="de-DE" dirty="0"/>
+              <a:rPr lang="de-DE" b="1" dirty="0"/>
               <a:t>Functions</a:t>
             </a:r>
-            <a:endParaRPr lang="en-US" dirty="0"/>
+            <a:endParaRPr lang="en-US" b="1" dirty="0"/>
           </a:p>
         </p:txBody>
       </p:sp>
@@ -4291,7 +5643,7 @@
 </p:sld>
 </file>
 
-<file path=ppt/slides/slide14.xml><?xml version="1.0" encoding="utf-8"?>
+<file path=ppt/slides/slide18.xml><?xml version="1.0" encoding="utf-8"?>
 <p:sld xmlns:a="http://schemas.openxmlformats.org/drawingml/2006/main" xmlns:r="http://schemas.openxmlformats.org/officeDocument/2006/relationships" xmlns:p="http://schemas.openxmlformats.org/presentationml/2006/main">
   <p:cSld>
     <p:spTree>
@@ -4324,22 +5676,22 @@
           <a:lstStyle/>
           <a:p>
             <a:r>
-              <a:rPr lang="fr-FR" dirty="0"/>
+              <a:rPr lang="fr-FR" b="1" dirty="0"/>
               <a:t>Try </a:t>
             </a:r>
             <a:r>
-              <a:rPr lang="fr-FR" dirty="0" err="1"/>
+              <a:rPr lang="fr-FR" b="1" dirty="0" err="1"/>
               <a:t>it</a:t>
             </a:r>
             <a:r>
-              <a:rPr lang="fr-FR" dirty="0"/>
+              <a:rPr lang="fr-FR" b="1" dirty="0"/>
               <a:t> </a:t>
             </a:r>
             <a:r>
-              <a:rPr lang="fr-FR" dirty="0" err="1"/>
+              <a:rPr lang="fr-FR" b="1" dirty="0" err="1"/>
               <a:t>now</a:t>
             </a:r>
-            <a:endParaRPr lang="fr-FR" dirty="0"/>
+            <a:endParaRPr lang="fr-FR" b="1" dirty="0"/>
           </a:p>
         </p:txBody>
       </p:sp>
@@ -4457,6 +5809,47 @@
           <a:prstGeom prst="rect">
             <a:avLst/>
           </a:prstGeom>
+        </p:spPr>
+      </p:pic>
+      <p:pic>
+        <p:nvPicPr>
+          <p:cNvPr id="7" name="Shape 84">
+            <a:extLst>
+              <a:ext uri="{FF2B5EF4-FFF2-40B4-BE49-F238E27FC236}">
+                <a16:creationId xmlns:a16="http://schemas.microsoft.com/office/drawing/2014/main" id="{855BE2EA-54F9-45EC-A72E-F13AF793EBFF}"/>
+              </a:ext>
+            </a:extLst>
+          </p:cNvPr>
+          <p:cNvPicPr preferRelativeResize="0">
+            <a:picLocks noChangeAspect="1"/>
+          </p:cNvPicPr>
+          <p:nvPr/>
+        </p:nvPicPr>
+        <p:blipFill>
+          <a:blip r:embed="rId2" cstate="print">
+            <a:alphaModFix/>
+            <a:extLst>
+              <a:ext uri="{28A0092B-C50C-407E-A947-70E740481C1C}">
+                <a14:useLocalDpi xmlns:a14="http://schemas.microsoft.com/office/drawing/2010/main"/>
+              </a:ext>
+            </a:extLst>
+          </a:blip>
+          <a:stretch>
+            <a:fillRect/>
+          </a:stretch>
+        </p:blipFill>
+        <p:spPr>
+          <a:xfrm>
+            <a:off x="7962105" y="-1"/>
+            <a:ext cx="1901895" cy="1325563"/>
+          </a:xfrm>
+          <a:prstGeom prst="rect">
+            <a:avLst/>
+          </a:prstGeom>
+          <a:noFill/>
+          <a:ln>
+            <a:noFill/>
+          </a:ln>
         </p:spPr>
       </p:pic>
     </p:spTree>
@@ -4547,7 +5940,7 @@
 </p:sld>
 </file>
 
-<file path=ppt/slides/slide15.xml><?xml version="1.0" encoding="utf-8"?>
+<file path=ppt/slides/slide19.xml><?xml version="1.0" encoding="utf-8"?>
 <p:sld xmlns:a="http://schemas.openxmlformats.org/drawingml/2006/main" xmlns:r="http://schemas.openxmlformats.org/officeDocument/2006/relationships" xmlns:p="http://schemas.openxmlformats.org/presentationml/2006/main">
   <p:cSld>
     <p:spTree>
@@ -4591,10 +5984,10 @@
           <a:lstStyle/>
           <a:p>
             <a:r>
-              <a:rPr lang="de-DE" dirty="0"/>
+              <a:rPr lang="de-DE" b="1" dirty="0"/>
               <a:t>Data structures in R: Object types</a:t>
             </a:r>
-            <a:endParaRPr lang="en-US" dirty="0"/>
+            <a:endParaRPr lang="en-US" b="1" dirty="0"/>
           </a:p>
         </p:txBody>
       </p:sp>
@@ -4706,7 +6099,7 @@
         </p:nvSpPr>
         <p:spPr>
           <a:xfrm>
-            <a:off x="2166151" y="6320901"/>
+            <a:off x="681038" y="6320901"/>
             <a:ext cx="5379868" cy="373306"/>
           </a:xfrm>
           <a:prstGeom prst="rect">
@@ -4732,935 +6125,6 @@
     <p:extLst>
       <p:ext uri="{BB962C8B-B14F-4D97-AF65-F5344CB8AC3E}">
         <p14:creationId xmlns:p14="http://schemas.microsoft.com/office/powerpoint/2010/main" val="3598034575"/>
-      </p:ext>
-    </p:extLst>
-  </p:cSld>
-  <p:clrMapOvr>
-    <a:masterClrMapping/>
-  </p:clrMapOvr>
-</p:sld>
-</file>
-
-<file path=ppt/slides/slide16.xml><?xml version="1.0" encoding="utf-8"?>
-<p:sld xmlns:a="http://schemas.openxmlformats.org/drawingml/2006/main" xmlns:r="http://schemas.openxmlformats.org/officeDocument/2006/relationships" xmlns:p="http://schemas.openxmlformats.org/presentationml/2006/main">
-  <p:cSld>
-    <p:spTree>
-      <p:nvGrpSpPr>
-        <p:cNvPr id="1" name=""/>
-        <p:cNvGrpSpPr/>
-        <p:nvPr/>
-      </p:nvGrpSpPr>
-      <p:grpSpPr>
-        <a:xfrm>
-          <a:off x="0" y="0"/>
-          <a:ext cx="0" cy="0"/>
-          <a:chOff x="0" y="0"/>
-          <a:chExt cx="0" cy="0"/>
-        </a:xfrm>
-      </p:grpSpPr>
-      <p:sp>
-        <p:nvSpPr>
-          <p:cNvPr id="2" name="Title 1">
-            <a:extLst>
-              <a:ext uri="{FF2B5EF4-FFF2-40B4-BE49-F238E27FC236}">
-                <a16:creationId xmlns:a16="http://schemas.microsoft.com/office/drawing/2014/main" id="{AF485CC0-F7B7-44B9-B89A-79E61D985DA1}"/>
-              </a:ext>
-            </a:extLst>
-          </p:cNvPr>
-          <p:cNvSpPr>
-            <a:spLocks noGrp="1"/>
-          </p:cNvSpPr>
-          <p:nvPr>
-            <p:ph type="title"/>
-          </p:nvPr>
-        </p:nvSpPr>
-        <p:spPr/>
-        <p:txBody>
-          <a:bodyPr/>
-          <a:lstStyle/>
-          <a:p>
-            <a:r>
-              <a:rPr lang="de-DE" dirty="0"/>
-              <a:t>Inspecting objects</a:t>
-            </a:r>
-            <a:endParaRPr lang="en-US" dirty="0"/>
-          </a:p>
-        </p:txBody>
-      </p:sp>
-      <p:sp>
-        <p:nvSpPr>
-          <p:cNvPr id="3" name="Content Placeholder 2">
-            <a:extLst>
-              <a:ext uri="{FF2B5EF4-FFF2-40B4-BE49-F238E27FC236}">
-                <a16:creationId xmlns:a16="http://schemas.microsoft.com/office/drawing/2014/main" id="{17CA63FC-28CC-489D-A1E7-238FC96B457C}"/>
-              </a:ext>
-            </a:extLst>
-          </p:cNvPr>
-          <p:cNvSpPr>
-            <a:spLocks noGrp="1"/>
-          </p:cNvSpPr>
-          <p:nvPr>
-            <p:ph idx="1"/>
-          </p:nvPr>
-        </p:nvSpPr>
-        <p:spPr/>
-        <p:txBody>
-          <a:bodyPr>
-            <a:normAutofit lnSpcReduction="10000"/>
-          </a:bodyPr>
-          <a:lstStyle/>
-          <a:p>
-            <a:r>
-              <a:rPr lang="de-DE" dirty="0"/>
-              <a:t>Lets create another vector called animals on top of the vector k we created earlier</a:t>
-            </a:r>
-          </a:p>
-          <a:p>
-            <a:endParaRPr lang="de-DE" dirty="0"/>
-          </a:p>
-          <a:p>
-            <a:endParaRPr lang="de-DE" dirty="0"/>
-          </a:p>
-          <a:p>
-            <a:r>
-              <a:rPr lang="de-DE" dirty="0"/>
-              <a:t>Lets inspect them. What do you see?</a:t>
-            </a:r>
-          </a:p>
-          <a:p>
-            <a:endParaRPr lang="de-DE" dirty="0"/>
-          </a:p>
-          <a:p>
-            <a:endParaRPr lang="de-DE" dirty="0"/>
-          </a:p>
-          <a:p>
-            <a:endParaRPr lang="de-DE" dirty="0"/>
-          </a:p>
-          <a:p>
-            <a:r>
-              <a:rPr lang="de-DE" dirty="0"/>
-              <a:t>What are we doing with this?</a:t>
-            </a:r>
-            <a:endParaRPr lang="en-US" dirty="0"/>
-          </a:p>
-        </p:txBody>
-      </p:sp>
-      <p:pic>
-        <p:nvPicPr>
-          <p:cNvPr id="4" name="Picture 3">
-            <a:extLst>
-              <a:ext uri="{FF2B5EF4-FFF2-40B4-BE49-F238E27FC236}">
-                <a16:creationId xmlns:a16="http://schemas.microsoft.com/office/drawing/2014/main" id="{B1BF6A8F-6E9B-4309-AC1C-E80B06C54ADF}"/>
-              </a:ext>
-            </a:extLst>
-          </p:cNvPr>
-          <p:cNvPicPr>
-            <a:picLocks noChangeAspect="1"/>
-          </p:cNvPicPr>
-          <p:nvPr/>
-        </p:nvPicPr>
-        <p:blipFill rotWithShape="1">
-          <a:blip r:embed="rId2"/>
-          <a:srcRect b="77986"/>
-          <a:stretch/>
-        </p:blipFill>
-        <p:spPr>
-          <a:xfrm>
-            <a:off x="949032" y="2944935"/>
-            <a:ext cx="7607853" cy="215515"/>
-          </a:xfrm>
-          <a:prstGeom prst="rect">
-            <a:avLst/>
-          </a:prstGeom>
-        </p:spPr>
-      </p:pic>
-      <p:pic>
-        <p:nvPicPr>
-          <p:cNvPr id="5" name="Picture 4">
-            <a:extLst>
-              <a:ext uri="{FF2B5EF4-FFF2-40B4-BE49-F238E27FC236}">
-                <a16:creationId xmlns:a16="http://schemas.microsoft.com/office/drawing/2014/main" id="{F90C31E5-485C-48EF-AEEE-2E37A5871966}"/>
-              </a:ext>
-            </a:extLst>
-          </p:cNvPr>
-          <p:cNvPicPr>
-            <a:picLocks noChangeAspect="1"/>
-          </p:cNvPicPr>
-          <p:nvPr/>
-        </p:nvPicPr>
-        <p:blipFill rotWithShape="1">
-          <a:blip r:embed="rId2"/>
-          <a:srcRect t="18235"/>
-          <a:stretch/>
-        </p:blipFill>
-        <p:spPr>
-          <a:xfrm>
-            <a:off x="949031" y="4429957"/>
-            <a:ext cx="7607853" cy="800470"/>
-          </a:xfrm>
-          <a:prstGeom prst="rect">
-            <a:avLst/>
-          </a:prstGeom>
-        </p:spPr>
-      </p:pic>
-      <p:sp>
-        <p:nvSpPr>
-          <p:cNvPr id="6" name="TextBox 5">
-            <a:extLst>
-              <a:ext uri="{FF2B5EF4-FFF2-40B4-BE49-F238E27FC236}">
-                <a16:creationId xmlns:a16="http://schemas.microsoft.com/office/drawing/2014/main" id="{12F67561-9ADF-43C5-A2C9-1E3573EF987A}"/>
-              </a:ext>
-            </a:extLst>
-          </p:cNvPr>
-          <p:cNvSpPr txBox="1"/>
-          <p:nvPr/>
-        </p:nvSpPr>
-        <p:spPr>
-          <a:xfrm>
-            <a:off x="4003829" y="4598633"/>
-            <a:ext cx="3835154" cy="369332"/>
-          </a:xfrm>
-          <a:prstGeom prst="rect">
-            <a:avLst/>
-          </a:prstGeom>
-          <a:noFill/>
-        </p:spPr>
-        <p:txBody>
-          <a:bodyPr wrap="square" rtlCol="0">
-            <a:spAutoFit/>
-          </a:bodyPr>
-          <a:lstStyle/>
-          <a:p>
-            <a:r>
-              <a:rPr lang="de-DE" dirty="0">
-                <a:solidFill>
-                  <a:schemeClr val="bg1"/>
-                </a:solidFill>
-              </a:rPr>
-              <a:t>(Remember </a:t>
-            </a:r>
-            <a:r>
-              <a:rPr lang="de-DE" b="1" dirty="0">
-                <a:solidFill>
-                  <a:schemeClr val="bg1"/>
-                </a:solidFill>
-              </a:rPr>
-              <a:t>str() </a:t>
-            </a:r>
-            <a:r>
-              <a:rPr lang="de-DE" dirty="0">
-                <a:solidFill>
-                  <a:schemeClr val="bg1"/>
-                </a:solidFill>
-              </a:rPr>
-              <a:t>you will use it a lot!)</a:t>
-            </a:r>
-            <a:endParaRPr lang="en-US" dirty="0">
-              <a:solidFill>
-                <a:schemeClr val="bg1"/>
-              </a:solidFill>
-            </a:endParaRPr>
-          </a:p>
-        </p:txBody>
-      </p:sp>
-      <p:pic>
-        <p:nvPicPr>
-          <p:cNvPr id="7" name="Shape 84">
-            <a:extLst>
-              <a:ext uri="{FF2B5EF4-FFF2-40B4-BE49-F238E27FC236}">
-                <a16:creationId xmlns:a16="http://schemas.microsoft.com/office/drawing/2014/main" id="{959663E0-DF48-469E-B1BA-B62BC55119C9}"/>
-              </a:ext>
-            </a:extLst>
-          </p:cNvPr>
-          <p:cNvPicPr preferRelativeResize="0">
-            <a:picLocks noChangeAspect="1"/>
-          </p:cNvPicPr>
-          <p:nvPr/>
-        </p:nvPicPr>
-        <p:blipFill>
-          <a:blip r:embed="rId3" cstate="print">
-            <a:alphaModFix/>
-            <a:extLst>
-              <a:ext uri="{28A0092B-C50C-407E-A947-70E740481C1C}">
-                <a14:useLocalDpi xmlns:a14="http://schemas.microsoft.com/office/drawing/2010/main"/>
-              </a:ext>
-            </a:extLst>
-          </a:blip>
-          <a:stretch>
-            <a:fillRect/>
-          </a:stretch>
-        </p:blipFill>
-        <p:spPr>
-          <a:xfrm>
-            <a:off x="8424000" y="0"/>
-            <a:ext cx="1440000" cy="1003636"/>
-          </a:xfrm>
-          <a:prstGeom prst="rect">
-            <a:avLst/>
-          </a:prstGeom>
-          <a:noFill/>
-          <a:ln>
-            <a:noFill/>
-          </a:ln>
-        </p:spPr>
-      </p:pic>
-    </p:spTree>
-    <p:extLst>
-      <p:ext uri="{BB962C8B-B14F-4D97-AF65-F5344CB8AC3E}">
-        <p14:creationId xmlns:p14="http://schemas.microsoft.com/office/powerpoint/2010/main" val="4242579676"/>
-      </p:ext>
-    </p:extLst>
-  </p:cSld>
-  <p:clrMapOvr>
-    <a:masterClrMapping/>
-  </p:clrMapOvr>
-</p:sld>
-</file>
-
-<file path=ppt/slides/slide17.xml><?xml version="1.0" encoding="utf-8"?>
-<p:sld xmlns:a="http://schemas.openxmlformats.org/drawingml/2006/main" xmlns:r="http://schemas.openxmlformats.org/officeDocument/2006/relationships" xmlns:p="http://schemas.openxmlformats.org/presentationml/2006/main">
-  <p:cSld>
-    <p:spTree>
-      <p:nvGrpSpPr>
-        <p:cNvPr id="1" name=""/>
-        <p:cNvGrpSpPr/>
-        <p:nvPr/>
-      </p:nvGrpSpPr>
-      <p:grpSpPr>
-        <a:xfrm>
-          <a:off x="0" y="0"/>
-          <a:ext cx="0" cy="0"/>
-          <a:chOff x="0" y="0"/>
-          <a:chExt cx="0" cy="0"/>
-        </a:xfrm>
-      </p:grpSpPr>
-      <p:sp>
-        <p:nvSpPr>
-          <p:cNvPr id="2" name="Title 1">
-            <a:extLst>
-              <a:ext uri="{FF2B5EF4-FFF2-40B4-BE49-F238E27FC236}">
-                <a16:creationId xmlns:a16="http://schemas.microsoft.com/office/drawing/2014/main" id="{D7402EA4-D82D-454C-8F6F-35667CAEF726}"/>
-              </a:ext>
-            </a:extLst>
-          </p:cNvPr>
-          <p:cNvSpPr>
-            <a:spLocks noGrp="1"/>
-          </p:cNvSpPr>
-          <p:nvPr>
-            <p:ph type="title"/>
-          </p:nvPr>
-        </p:nvSpPr>
-        <p:spPr/>
-        <p:txBody>
-          <a:bodyPr/>
-          <a:lstStyle/>
-          <a:p>
-            <a:r>
-              <a:rPr lang="de-DE" dirty="0"/>
-              <a:t>Modifying vectors</a:t>
-            </a:r>
-            <a:endParaRPr lang="en-US" dirty="0"/>
-          </a:p>
-        </p:txBody>
-      </p:sp>
-      <p:sp>
-        <p:nvSpPr>
-          <p:cNvPr id="3" name="Content Placeholder 2">
-            <a:extLst>
-              <a:ext uri="{FF2B5EF4-FFF2-40B4-BE49-F238E27FC236}">
-                <a16:creationId xmlns:a16="http://schemas.microsoft.com/office/drawing/2014/main" id="{F326C41E-9FFB-490D-8B53-D140A3324084}"/>
-              </a:ext>
-            </a:extLst>
-          </p:cNvPr>
-          <p:cNvSpPr>
-            <a:spLocks noGrp="1"/>
-          </p:cNvSpPr>
-          <p:nvPr>
-            <p:ph idx="1"/>
-          </p:nvPr>
-        </p:nvSpPr>
-        <p:spPr/>
-        <p:txBody>
-          <a:bodyPr/>
-          <a:lstStyle/>
-          <a:p>
-            <a:r>
-              <a:rPr lang="de-DE" sz="2400" dirty="0"/>
-              <a:t>Lets modify those vectors. Try this code and think about R is doing </a:t>
-            </a:r>
-          </a:p>
-          <a:p>
-            <a:endParaRPr lang="de-DE" sz="2400" dirty="0"/>
-          </a:p>
-          <a:p>
-            <a:pPr marL="0" indent="0">
-              <a:buNone/>
-            </a:pPr>
-            <a:endParaRPr lang="de-DE" sz="2400" dirty="0"/>
-          </a:p>
-          <a:p>
-            <a:r>
-              <a:rPr lang="de-DE" sz="2400" dirty="0"/>
-              <a:t>Remember the [] can be used to refer to elements of an object. The referal can be coordinate (e.g. first element k[1], or logical operations k[k&lt;4]). </a:t>
-            </a:r>
-          </a:p>
-          <a:p>
-            <a:r>
-              <a:rPr lang="de-DE" sz="2400" dirty="0"/>
-              <a:t>Try this now. Can you figure out what´s going on?</a:t>
-            </a:r>
-          </a:p>
-          <a:p>
-            <a:endParaRPr lang="de-DE" sz="2400" dirty="0"/>
-          </a:p>
-          <a:p>
-            <a:endParaRPr lang="en-US" dirty="0"/>
-          </a:p>
-        </p:txBody>
-      </p:sp>
-      <p:pic>
-        <p:nvPicPr>
-          <p:cNvPr id="4" name="Picture 3">
-            <a:extLst>
-              <a:ext uri="{FF2B5EF4-FFF2-40B4-BE49-F238E27FC236}">
-                <a16:creationId xmlns:a16="http://schemas.microsoft.com/office/drawing/2014/main" id="{E3515493-A7EB-4D3F-8A0B-E2467932569C}"/>
-              </a:ext>
-            </a:extLst>
-          </p:cNvPr>
-          <p:cNvPicPr>
-            <a:picLocks noChangeAspect="1"/>
-          </p:cNvPicPr>
-          <p:nvPr/>
-        </p:nvPicPr>
-        <p:blipFill>
-          <a:blip r:embed="rId2"/>
-          <a:stretch>
-            <a:fillRect/>
-          </a:stretch>
-        </p:blipFill>
-        <p:spPr>
-          <a:xfrm>
-            <a:off x="3177050" y="2373020"/>
-            <a:ext cx="2571622" cy="1055980"/>
-          </a:xfrm>
-          <a:prstGeom prst="rect">
-            <a:avLst/>
-          </a:prstGeom>
-        </p:spPr>
-      </p:pic>
-      <p:pic>
-        <p:nvPicPr>
-          <p:cNvPr id="5" name="Picture 4">
-            <a:extLst>
-              <a:ext uri="{FF2B5EF4-FFF2-40B4-BE49-F238E27FC236}">
-                <a16:creationId xmlns:a16="http://schemas.microsoft.com/office/drawing/2014/main" id="{529BE450-B1B1-46DB-AFE6-364572455A65}"/>
-              </a:ext>
-            </a:extLst>
-          </p:cNvPr>
-          <p:cNvPicPr>
-            <a:picLocks noChangeAspect="1"/>
-          </p:cNvPicPr>
-          <p:nvPr/>
-        </p:nvPicPr>
-        <p:blipFill>
-          <a:blip r:embed="rId3"/>
-          <a:stretch>
-            <a:fillRect/>
-          </a:stretch>
-        </p:blipFill>
-        <p:spPr>
-          <a:xfrm>
-            <a:off x="1828286" y="5246149"/>
-            <a:ext cx="4977040" cy="497704"/>
-          </a:xfrm>
-          <a:prstGeom prst="rect">
-            <a:avLst/>
-          </a:prstGeom>
-        </p:spPr>
-      </p:pic>
-      <p:pic>
-        <p:nvPicPr>
-          <p:cNvPr id="6" name="Shape 84">
-            <a:extLst>
-              <a:ext uri="{FF2B5EF4-FFF2-40B4-BE49-F238E27FC236}">
-                <a16:creationId xmlns:a16="http://schemas.microsoft.com/office/drawing/2014/main" id="{D7F99D25-9FF0-4BDD-9356-61DB4A7BFF6F}"/>
-              </a:ext>
-            </a:extLst>
-          </p:cNvPr>
-          <p:cNvPicPr preferRelativeResize="0">
-            <a:picLocks noChangeAspect="1"/>
-          </p:cNvPicPr>
-          <p:nvPr/>
-        </p:nvPicPr>
-        <p:blipFill>
-          <a:blip r:embed="rId4" cstate="print">
-            <a:alphaModFix/>
-            <a:extLst>
-              <a:ext uri="{28A0092B-C50C-407E-A947-70E740481C1C}">
-                <a14:useLocalDpi xmlns:a14="http://schemas.microsoft.com/office/drawing/2010/main"/>
-              </a:ext>
-            </a:extLst>
-          </a:blip>
-          <a:stretch>
-            <a:fillRect/>
-          </a:stretch>
-        </p:blipFill>
-        <p:spPr>
-          <a:xfrm>
-            <a:off x="8424000" y="0"/>
-            <a:ext cx="1440000" cy="1003636"/>
-          </a:xfrm>
-          <a:prstGeom prst="rect">
-            <a:avLst/>
-          </a:prstGeom>
-          <a:noFill/>
-          <a:ln>
-            <a:noFill/>
-          </a:ln>
-        </p:spPr>
-      </p:pic>
-    </p:spTree>
-    <p:extLst>
-      <p:ext uri="{BB962C8B-B14F-4D97-AF65-F5344CB8AC3E}">
-        <p14:creationId xmlns:p14="http://schemas.microsoft.com/office/powerpoint/2010/main" val="3281822171"/>
-      </p:ext>
-    </p:extLst>
-  </p:cSld>
-  <p:clrMapOvr>
-    <a:masterClrMapping/>
-  </p:clrMapOvr>
-</p:sld>
-</file>
-
-<file path=ppt/slides/slide18.xml><?xml version="1.0" encoding="utf-8"?>
-<p:sld xmlns:a="http://schemas.openxmlformats.org/drawingml/2006/main" xmlns:r="http://schemas.openxmlformats.org/officeDocument/2006/relationships" xmlns:p="http://schemas.openxmlformats.org/presentationml/2006/main">
-  <p:cSld>
-    <p:spTree>
-      <p:nvGrpSpPr>
-        <p:cNvPr id="1" name=""/>
-        <p:cNvGrpSpPr/>
-        <p:nvPr/>
-      </p:nvGrpSpPr>
-      <p:grpSpPr>
-        <a:xfrm>
-          <a:off x="0" y="0"/>
-          <a:ext cx="0" cy="0"/>
-          <a:chOff x="0" y="0"/>
-          <a:chExt cx="0" cy="0"/>
-        </a:xfrm>
-      </p:grpSpPr>
-      <p:sp>
-        <p:nvSpPr>
-          <p:cNvPr id="2" name="Title 1">
-            <a:extLst>
-              <a:ext uri="{FF2B5EF4-FFF2-40B4-BE49-F238E27FC236}">
-                <a16:creationId xmlns:a16="http://schemas.microsoft.com/office/drawing/2014/main" id="{4590AED3-655B-46B0-9EAC-B0D87AF03A7F}"/>
-              </a:ext>
-            </a:extLst>
-          </p:cNvPr>
-          <p:cNvSpPr>
-            <a:spLocks noGrp="1"/>
-          </p:cNvSpPr>
-          <p:nvPr>
-            <p:ph type="title"/>
-          </p:nvPr>
-        </p:nvSpPr>
-        <p:spPr/>
-        <p:txBody>
-          <a:bodyPr/>
-          <a:lstStyle/>
-          <a:p>
-            <a:r>
-              <a:rPr lang="de-DE" dirty="0"/>
-              <a:t>Data frames</a:t>
-            </a:r>
-            <a:endParaRPr lang="en-US" dirty="0"/>
-          </a:p>
-        </p:txBody>
-      </p:sp>
-      <p:sp>
-        <p:nvSpPr>
-          <p:cNvPr id="3" name="Content Placeholder 2">
-            <a:extLst>
-              <a:ext uri="{FF2B5EF4-FFF2-40B4-BE49-F238E27FC236}">
-                <a16:creationId xmlns:a16="http://schemas.microsoft.com/office/drawing/2014/main" id="{8DB4A87F-2FBD-40DB-9214-2BE89F45DA99}"/>
-              </a:ext>
-            </a:extLst>
-          </p:cNvPr>
-          <p:cNvSpPr>
-            <a:spLocks noGrp="1"/>
-          </p:cNvSpPr>
-          <p:nvPr>
-            <p:ph idx="1"/>
-          </p:nvPr>
-        </p:nvSpPr>
-        <p:spPr/>
-        <p:txBody>
-          <a:bodyPr/>
-          <a:lstStyle/>
-          <a:p>
-            <a:r>
-              <a:rPr lang="de-DE" dirty="0"/>
-              <a:t>Lets create some more compex objects </a:t>
-            </a:r>
-          </a:p>
-          <a:p>
-            <a:endParaRPr lang="de-DE" dirty="0"/>
-          </a:p>
-          <a:p>
-            <a:r>
-              <a:rPr lang="de-DE" dirty="0"/>
-              <a:t>Inspect it</a:t>
-            </a:r>
-          </a:p>
-          <a:p>
-            <a:endParaRPr lang="de-DE" dirty="0"/>
-          </a:p>
-          <a:p>
-            <a:endParaRPr lang="de-DE" dirty="0"/>
-          </a:p>
-          <a:p>
-            <a:r>
-              <a:rPr lang="de-DE" dirty="0"/>
-              <a:t>Modify it</a:t>
-            </a:r>
-          </a:p>
-          <a:p>
-            <a:endParaRPr lang="en-US" dirty="0"/>
-          </a:p>
-        </p:txBody>
-      </p:sp>
-      <p:pic>
-        <p:nvPicPr>
-          <p:cNvPr id="4" name="Picture 3">
-            <a:extLst>
-              <a:ext uri="{FF2B5EF4-FFF2-40B4-BE49-F238E27FC236}">
-                <a16:creationId xmlns:a16="http://schemas.microsoft.com/office/drawing/2014/main" id="{0EE85325-2C22-4663-A7D2-50490B3B50B1}"/>
-              </a:ext>
-            </a:extLst>
-          </p:cNvPr>
-          <p:cNvPicPr>
-            <a:picLocks noChangeAspect="1"/>
-          </p:cNvPicPr>
-          <p:nvPr/>
-        </p:nvPicPr>
-        <p:blipFill>
-          <a:blip r:embed="rId2"/>
-          <a:stretch>
-            <a:fillRect/>
-          </a:stretch>
-        </p:blipFill>
-        <p:spPr>
-          <a:xfrm>
-            <a:off x="7820578" y="3558680"/>
-            <a:ext cx="2066925" cy="3190875"/>
-          </a:xfrm>
-          <a:prstGeom prst="rect">
-            <a:avLst/>
-          </a:prstGeom>
-        </p:spPr>
-      </p:pic>
-      <p:pic>
-        <p:nvPicPr>
-          <p:cNvPr id="5" name="Picture 4">
-            <a:extLst>
-              <a:ext uri="{FF2B5EF4-FFF2-40B4-BE49-F238E27FC236}">
-                <a16:creationId xmlns:a16="http://schemas.microsoft.com/office/drawing/2014/main" id="{F6B96A48-5A0B-4C09-BA44-C7989FEC04D8}"/>
-              </a:ext>
-            </a:extLst>
-          </p:cNvPr>
-          <p:cNvPicPr>
-            <a:picLocks noChangeAspect="1"/>
-          </p:cNvPicPr>
-          <p:nvPr/>
-        </p:nvPicPr>
-        <p:blipFill>
-          <a:blip r:embed="rId3"/>
-          <a:stretch>
-            <a:fillRect/>
-          </a:stretch>
-        </p:blipFill>
-        <p:spPr>
-          <a:xfrm>
-            <a:off x="747712" y="2467522"/>
-            <a:ext cx="8477250" cy="314325"/>
-          </a:xfrm>
-          <a:prstGeom prst="rect">
-            <a:avLst/>
-          </a:prstGeom>
-        </p:spPr>
-      </p:pic>
-      <p:pic>
-        <p:nvPicPr>
-          <p:cNvPr id="6" name="Picture 5">
-            <a:extLst>
-              <a:ext uri="{FF2B5EF4-FFF2-40B4-BE49-F238E27FC236}">
-                <a16:creationId xmlns:a16="http://schemas.microsoft.com/office/drawing/2014/main" id="{20D8817D-0369-46A7-B440-DCD5C5E15E48}"/>
-              </a:ext>
-            </a:extLst>
-          </p:cNvPr>
-          <p:cNvPicPr>
-            <a:picLocks noChangeAspect="1"/>
-          </p:cNvPicPr>
-          <p:nvPr/>
-        </p:nvPicPr>
-        <p:blipFill>
-          <a:blip r:embed="rId4"/>
-          <a:stretch>
-            <a:fillRect/>
-          </a:stretch>
-        </p:blipFill>
-        <p:spPr>
-          <a:xfrm>
-            <a:off x="942279" y="3423744"/>
-            <a:ext cx="1152849" cy="588433"/>
-          </a:xfrm>
-          <a:prstGeom prst="rect">
-            <a:avLst/>
-          </a:prstGeom>
-        </p:spPr>
-      </p:pic>
-      <p:pic>
-        <p:nvPicPr>
-          <p:cNvPr id="7" name="Picture 6">
-            <a:extLst>
-              <a:ext uri="{FF2B5EF4-FFF2-40B4-BE49-F238E27FC236}">
-                <a16:creationId xmlns:a16="http://schemas.microsoft.com/office/drawing/2014/main" id="{0D4F6175-8260-47B2-99A9-654D5DE86B61}"/>
-              </a:ext>
-            </a:extLst>
-          </p:cNvPr>
-          <p:cNvPicPr>
-            <a:picLocks noChangeAspect="1"/>
-          </p:cNvPicPr>
-          <p:nvPr/>
-        </p:nvPicPr>
-        <p:blipFill>
-          <a:blip r:embed="rId5"/>
-          <a:stretch>
-            <a:fillRect/>
-          </a:stretch>
-        </p:blipFill>
-        <p:spPr>
-          <a:xfrm>
-            <a:off x="848927" y="4810773"/>
-            <a:ext cx="3733800" cy="876300"/>
-          </a:xfrm>
-          <a:prstGeom prst="rect">
-            <a:avLst/>
-          </a:prstGeom>
-        </p:spPr>
-      </p:pic>
-      <p:pic>
-        <p:nvPicPr>
-          <p:cNvPr id="8" name="Shape 84">
-            <a:extLst>
-              <a:ext uri="{FF2B5EF4-FFF2-40B4-BE49-F238E27FC236}">
-                <a16:creationId xmlns:a16="http://schemas.microsoft.com/office/drawing/2014/main" id="{5C5C14AA-D6D6-4B9C-83E9-2A9CA3D4F39D}"/>
-              </a:ext>
-            </a:extLst>
-          </p:cNvPr>
-          <p:cNvPicPr preferRelativeResize="0">
-            <a:picLocks noChangeAspect="1"/>
-          </p:cNvPicPr>
-          <p:nvPr/>
-        </p:nvPicPr>
-        <p:blipFill>
-          <a:blip r:embed="rId6" cstate="print">
-            <a:alphaModFix/>
-            <a:extLst>
-              <a:ext uri="{28A0092B-C50C-407E-A947-70E740481C1C}">
-                <a14:useLocalDpi xmlns:a14="http://schemas.microsoft.com/office/drawing/2010/main"/>
-              </a:ext>
-            </a:extLst>
-          </a:blip>
-          <a:stretch>
-            <a:fillRect/>
-          </a:stretch>
-        </p:blipFill>
-        <p:spPr>
-          <a:xfrm>
-            <a:off x="8424000" y="0"/>
-            <a:ext cx="1440000" cy="1003636"/>
-          </a:xfrm>
-          <a:prstGeom prst="rect">
-            <a:avLst/>
-          </a:prstGeom>
-          <a:noFill/>
-          <a:ln>
-            <a:noFill/>
-          </a:ln>
-        </p:spPr>
-      </p:pic>
-    </p:spTree>
-    <p:extLst>
-      <p:ext uri="{BB962C8B-B14F-4D97-AF65-F5344CB8AC3E}">
-        <p14:creationId xmlns:p14="http://schemas.microsoft.com/office/powerpoint/2010/main" val="1254472683"/>
-      </p:ext>
-    </p:extLst>
-  </p:cSld>
-  <p:clrMapOvr>
-    <a:masterClrMapping/>
-  </p:clrMapOvr>
-</p:sld>
-</file>
-
-<file path=ppt/slides/slide19.xml><?xml version="1.0" encoding="utf-8"?>
-<p:sld xmlns:a="http://schemas.openxmlformats.org/drawingml/2006/main" xmlns:r="http://schemas.openxmlformats.org/officeDocument/2006/relationships" xmlns:p="http://schemas.openxmlformats.org/presentationml/2006/main">
-  <p:cSld>
-    <p:spTree>
-      <p:nvGrpSpPr>
-        <p:cNvPr id="1" name=""/>
-        <p:cNvGrpSpPr/>
-        <p:nvPr/>
-      </p:nvGrpSpPr>
-      <p:grpSpPr>
-        <a:xfrm>
-          <a:off x="0" y="0"/>
-          <a:ext cx="0" cy="0"/>
-          <a:chOff x="0" y="0"/>
-          <a:chExt cx="0" cy="0"/>
-        </a:xfrm>
-      </p:grpSpPr>
-      <p:sp>
-        <p:nvSpPr>
-          <p:cNvPr id="2" name="Title 1">
-            <a:extLst>
-              <a:ext uri="{FF2B5EF4-FFF2-40B4-BE49-F238E27FC236}">
-                <a16:creationId xmlns:a16="http://schemas.microsoft.com/office/drawing/2014/main" id="{E1392707-145F-43EB-B577-5BDE57171842}"/>
-              </a:ext>
-            </a:extLst>
-          </p:cNvPr>
-          <p:cNvSpPr>
-            <a:spLocks noGrp="1"/>
-          </p:cNvSpPr>
-          <p:nvPr>
-            <p:ph type="title"/>
-          </p:nvPr>
-        </p:nvSpPr>
-        <p:spPr/>
-        <p:txBody>
-          <a:bodyPr/>
-          <a:lstStyle/>
-          <a:p>
-            <a:r>
-              <a:rPr lang="de-DE" dirty="0"/>
-              <a:t>Data frames</a:t>
-            </a:r>
-            <a:endParaRPr lang="en-US" dirty="0"/>
-          </a:p>
-        </p:txBody>
-      </p:sp>
-      <p:sp>
-        <p:nvSpPr>
-          <p:cNvPr id="3" name="Content Placeholder 2">
-            <a:extLst>
-              <a:ext uri="{FF2B5EF4-FFF2-40B4-BE49-F238E27FC236}">
-                <a16:creationId xmlns:a16="http://schemas.microsoft.com/office/drawing/2014/main" id="{FCDD5499-3769-4735-832B-9724604090FC}"/>
-              </a:ext>
-            </a:extLst>
-          </p:cNvPr>
-          <p:cNvSpPr>
-            <a:spLocks noGrp="1"/>
-          </p:cNvSpPr>
-          <p:nvPr>
-            <p:ph idx="1"/>
-          </p:nvPr>
-        </p:nvSpPr>
-        <p:spPr/>
-        <p:txBody>
-          <a:bodyPr/>
-          <a:lstStyle/>
-          <a:p>
-            <a:r>
-              <a:rPr lang="de-DE" dirty="0"/>
-              <a:t>Selecting data within a data frame is similar as we saw with vectors. We use [] as well, but now w have 2 coordinates. </a:t>
-            </a:r>
-          </a:p>
-          <a:p>
-            <a:pPr marL="0" indent="0">
-              <a:buNone/>
-            </a:pPr>
-            <a:endParaRPr lang="de-DE" dirty="0"/>
-          </a:p>
-          <a:p>
-            <a:pPr marL="0" indent="0">
-              <a:buNone/>
-            </a:pPr>
-            <a:endParaRPr lang="de-DE" dirty="0"/>
-          </a:p>
-          <a:p>
-            <a:pPr marL="0" indent="0">
-              <a:buNone/>
-            </a:pPr>
-            <a:r>
-              <a:rPr lang="de-DE" dirty="0"/>
-              <a:t> Use dataframe[row, column] </a:t>
-            </a:r>
-          </a:p>
-          <a:p>
-            <a:pPr marL="0" indent="0">
-              <a:buNone/>
-            </a:pPr>
-            <a:r>
-              <a:rPr lang="de-DE" sz="1800" dirty="0"/>
-              <a:t>(</a:t>
-            </a:r>
-            <a:r>
-              <a:rPr lang="de-DE" sz="1800" i="1" dirty="0"/>
-              <a:t>omission of any of the coordinates means select all)</a:t>
-            </a:r>
-          </a:p>
-          <a:p>
-            <a:pPr marL="0" indent="0">
-              <a:buNone/>
-            </a:pPr>
-            <a:endParaRPr lang="en-US" i="1" dirty="0"/>
-          </a:p>
-        </p:txBody>
-      </p:sp>
-      <p:pic>
-        <p:nvPicPr>
-          <p:cNvPr id="4" name="Shape 85">
-            <a:extLst>
-              <a:ext uri="{FF2B5EF4-FFF2-40B4-BE49-F238E27FC236}">
-                <a16:creationId xmlns:a16="http://schemas.microsoft.com/office/drawing/2014/main" id="{FF4CC65B-2BB7-47CC-AE67-BDF7949D8404}"/>
-              </a:ext>
-            </a:extLst>
-          </p:cNvPr>
-          <p:cNvPicPr preferRelativeResize="0"/>
-          <p:nvPr/>
-        </p:nvPicPr>
-        <p:blipFill>
-          <a:blip r:embed="rId2" cstate="print">
-            <a:alphaModFix/>
-            <a:extLst>
-              <a:ext uri="{28A0092B-C50C-407E-A947-70E740481C1C}">
-                <a14:useLocalDpi xmlns:a14="http://schemas.microsoft.com/office/drawing/2010/main"/>
-              </a:ext>
-            </a:extLst>
-          </a:blip>
-          <a:stretch>
-            <a:fillRect/>
-          </a:stretch>
-        </p:blipFill>
-        <p:spPr>
-          <a:xfrm>
-            <a:off x="7981025" y="0"/>
-            <a:ext cx="1918855" cy="1290918"/>
-          </a:xfrm>
-          <a:prstGeom prst="rect">
-            <a:avLst/>
-          </a:prstGeom>
-          <a:noFill/>
-          <a:ln>
-            <a:noFill/>
-          </a:ln>
-        </p:spPr>
-      </p:pic>
-    </p:spTree>
-    <p:extLst>
-      <p:ext uri="{BB962C8B-B14F-4D97-AF65-F5344CB8AC3E}">
-        <p14:creationId xmlns:p14="http://schemas.microsoft.com/office/powerpoint/2010/main" val="190514788"/>
       </p:ext>
     </p:extLst>
   </p:cSld>
@@ -5712,75 +6176,8 @@
           <a:p>
             <a:r>
               <a:rPr lang="en-US" b="1" dirty="0"/>
-              <a:t>Content (what we are going to do)</a:t>
-            </a:r>
-            <a:br>
-              <a:rPr lang="en-US" b="1" dirty="0"/>
-            </a:br>
-            <a:endParaRPr lang="en-US" dirty="0"/>
-          </a:p>
-        </p:txBody>
-      </p:sp>
-      <p:sp>
-        <p:nvSpPr>
-          <p:cNvPr id="3" name="Content Placeholder 2">
-            <a:extLst>
-              <a:ext uri="{FF2B5EF4-FFF2-40B4-BE49-F238E27FC236}">
-                <a16:creationId xmlns:a16="http://schemas.microsoft.com/office/drawing/2014/main" id="{8CA81D1B-37B4-4D3F-8085-26342C7FD786}"/>
-              </a:ext>
-            </a:extLst>
-          </p:cNvPr>
-          <p:cNvSpPr>
-            <a:spLocks noGrp="1"/>
-          </p:cNvSpPr>
-          <p:nvPr>
-            <p:ph idx="1"/>
-          </p:nvPr>
-        </p:nvSpPr>
-        <p:spPr/>
-        <p:txBody>
-          <a:bodyPr/>
-          <a:lstStyle/>
-          <a:p>
-            <a:r>
-              <a:rPr lang="en-US" dirty="0"/>
-              <a:t>Intro on R and RStudio</a:t>
-            </a:r>
-          </a:p>
-          <a:p>
-            <a:r>
-              <a:rPr lang="en-US" dirty="0"/>
-              <a:t>data handling: </a:t>
-            </a:r>
-          </a:p>
-          <a:p>
-            <a:pPr lvl="1"/>
-            <a:r>
-              <a:rPr lang="en-US" dirty="0"/>
-              <a:t>data collection and quality check</a:t>
-            </a:r>
-          </a:p>
-          <a:p>
-            <a:pPr lvl="1"/>
-            <a:r>
-              <a:rPr lang="en-US" dirty="0"/>
-              <a:t>manipulation and summary statistics</a:t>
-            </a:r>
-          </a:p>
-          <a:p>
-            <a:r>
-              <a:rPr lang="en-US" dirty="0"/>
-              <a:t>Visualization using ggplot2 </a:t>
-            </a:r>
-          </a:p>
-          <a:p>
-            <a:pPr lvl="1"/>
-            <a:r>
-              <a:rPr lang="en-US" dirty="0"/>
-              <a:t>interpretation and presentation</a:t>
-            </a:r>
-          </a:p>
-          <a:p>
+              <a:t>Timetable</a:t>
+            </a:r>
             <a:endParaRPr lang="en-US" dirty="0"/>
           </a:p>
         </p:txBody>
@@ -5800,14 +6197,14 @@
           <p:nvPr>
             <p:extLst>
               <p:ext uri="{D42A27DB-BD31-4B8C-83A1-F6EECF244321}">
-                <p14:modId xmlns:p14="http://schemas.microsoft.com/office/powerpoint/2010/main" val="850594367"/>
+                <p14:modId xmlns:p14="http://schemas.microsoft.com/office/powerpoint/2010/main" val="2041389225"/>
               </p:ext>
             </p:extLst>
           </p:nvPr>
         </p:nvGraphicFramePr>
         <p:xfrm>
-          <a:off x="1216241" y="1201054"/>
-          <a:ext cx="6977848" cy="5076569"/>
+          <a:off x="681037" y="1600549"/>
+          <a:ext cx="8194089" cy="5076569"/>
         </p:xfrm>
         <a:graphic>
           <a:graphicData uri="http://schemas.openxmlformats.org/drawingml/2006/table">
@@ -5816,21 +6213,21 @@
                 <a:tableStyleId>{5C22544A-7EE6-4342-B048-85BDC9FD1C3A}</a:tableStyleId>
               </a:tblPr>
               <a:tblGrid>
-                <a:gridCol w="1472417">
+                <a:gridCol w="1729060">
                   <a:extLst>
                     <a:ext uri="{9D8B030D-6E8A-4147-A177-3AD203B41FA5}">
                       <a16:colId xmlns:a16="http://schemas.microsoft.com/office/drawing/2014/main" val="2634341366"/>
                     </a:ext>
                   </a:extLst>
                 </a:gridCol>
-                <a:gridCol w="1303515">
+                <a:gridCol w="1530718">
                   <a:extLst>
                     <a:ext uri="{9D8B030D-6E8A-4147-A177-3AD203B41FA5}">
                       <a16:colId xmlns:a16="http://schemas.microsoft.com/office/drawing/2014/main" val="3815064481"/>
                     </a:ext>
                   </a:extLst>
                 </a:gridCol>
-                <a:gridCol w="4201916">
+                <a:gridCol w="4934311">
                   <a:extLst>
                     <a:ext uri="{9D8B030D-6E8A-4147-A177-3AD203B41FA5}">
                       <a16:colId xmlns:a16="http://schemas.microsoft.com/office/drawing/2014/main" val="1164892729"/>
@@ -5889,6 +6286,9 @@
                         <a:rPr lang="de-DE" dirty="0"/>
                         <a:t>Thu 6.2.20</a:t>
                       </a:r>
+                      <a:br>
+                        <a:rPr lang="de-DE" dirty="0"/>
+                      </a:br>
                       <a:endParaRPr lang="en-US" dirty="0"/>
                     </a:p>
                   </a:txBody>
@@ -5932,7 +6332,15 @@
                       </a:pPr>
                       <a:r>
                         <a:rPr lang="de-DE" dirty="0"/>
-                        <a:t>Intro to R and RStudio</a:t>
+                        <a:t>Intro to R and Rstudio (</a:t>
+                      </a:r>
+                      <a:r>
+                        <a:rPr lang="de-DE" i="1" dirty="0"/>
+                        <a:t>Lecture w/ exercises</a:t>
+                      </a:r>
+                      <a:r>
+                        <a:rPr lang="de-DE" dirty="0"/>
+                        <a:t>)</a:t>
                       </a:r>
                       <a:endParaRPr lang="en-US" dirty="0"/>
                     </a:p>
@@ -5980,7 +6388,15 @@
                     <a:p>
                       <a:r>
                         <a:rPr lang="de-DE" dirty="0"/>
-                        <a:t>Data import and quality check</a:t>
+                        <a:t>Data import and quality check (</a:t>
+                      </a:r>
+                      <a:r>
+                        <a:rPr lang="de-DE" i="1" dirty="0"/>
+                        <a:t>Exercise</a:t>
+                      </a:r>
+                      <a:r>
+                        <a:rPr lang="de-DE" dirty="0"/>
+                        <a:t>)</a:t>
                       </a:r>
                       <a:endParaRPr lang="en-US" dirty="0"/>
                     </a:p>
@@ -5999,7 +6415,7 @@
                     <a:bodyPr/>
                     <a:lstStyle/>
                     <a:p>
-                      <a:endParaRPr lang="en-US"/>
+                      <a:endParaRPr lang="en-US" dirty="0"/>
                     </a:p>
                   </a:txBody>
                   <a:tcPr/>
@@ -6020,10 +6436,10 @@
                     <a:lstStyle/>
                     <a:p>
                       <a:r>
-                        <a:rPr lang="de-DE" dirty="0"/>
+                        <a:rPr lang="de-DE" i="1" dirty="0"/>
                         <a:t>Lunch break</a:t>
                       </a:r>
-                      <a:endParaRPr lang="en-US" dirty="0"/>
+                      <a:endParaRPr lang="en-US" i="1" dirty="0"/>
                     </a:p>
                   </a:txBody>
                   <a:tcPr/>
@@ -6068,6 +6484,14 @@
                         <a:rPr lang="de-DE" dirty="0"/>
                         <a:t>Data manipulation (</a:t>
                       </a:r>
+                      <a:r>
+                        <a:rPr lang="de-DE" i="1" dirty="0"/>
+                        <a:t>Exercise</a:t>
+                      </a:r>
+                      <a:r>
+                        <a:rPr lang="de-DE" dirty="0"/>
+                        <a:t>)</a:t>
+                      </a:r>
                       <a:endParaRPr lang="en-US" dirty="0"/>
                     </a:p>
                   </a:txBody>
@@ -6095,7 +6519,11 @@
                     <a:bodyPr/>
                     <a:lstStyle/>
                     <a:p>
-                      <a:endParaRPr lang="en-US"/>
+                      <a:r>
+                        <a:rPr lang="de-DE" dirty="0"/>
+                        <a:t>14h</a:t>
+                      </a:r>
+                      <a:endParaRPr lang="en-US" dirty="0"/>
                     </a:p>
                   </a:txBody>
                   <a:tcPr/>
@@ -6107,7 +6535,11 @@
                     <a:p>
                       <a:r>
                         <a:rPr lang="de-DE" dirty="0"/>
-                        <a:t>Visualization with ggplot2</a:t>
+                        <a:t>Visualization with ggplot2 (</a:t>
+                      </a:r>
+                      <a:r>
+                        <a:rPr lang="de-DE" i="1" dirty="0"/>
+                        <a:t>Guided tutorial)</a:t>
                       </a:r>
                       <a:endParaRPr lang="en-US" dirty="0"/>
                     </a:p>
@@ -6136,7 +6568,11 @@
                     <a:bodyPr/>
                     <a:lstStyle/>
                     <a:p>
-                      <a:endParaRPr lang="en-US"/>
+                      <a:r>
+                        <a:rPr lang="de-DE" dirty="0"/>
+                        <a:t>15.30 – 17.30</a:t>
+                      </a:r>
+                      <a:endParaRPr lang="en-US" dirty="0"/>
                     </a:p>
                   </a:txBody>
                   <a:tcPr/>
@@ -6170,6 +6606,12 @@
                       <a:r>
                         <a:rPr lang="de-DE" dirty="0"/>
                         <a:t>Fri 14.2.20</a:t>
+                      </a:r>
+                    </a:p>
+                    <a:p>
+                      <a:r>
+                        <a:rPr lang="de-DE" dirty="0"/>
+                        <a:t>(Florent)</a:t>
                       </a:r>
                       <a:endParaRPr lang="en-US" dirty="0"/>
                     </a:p>
@@ -6212,7 +6654,7 @@
                     <a:bodyPr/>
                     <a:lstStyle/>
                     <a:p>
-                      <a:endParaRPr lang="en-US"/>
+                      <a:endParaRPr lang="en-US" dirty="0"/>
                     </a:p>
                   </a:txBody>
                   <a:tcPr/>
@@ -6286,7 +6728,7 @@
           <p:cNvPr id="2" name="Title 1">
             <a:extLst>
               <a:ext uri="{FF2B5EF4-FFF2-40B4-BE49-F238E27FC236}">
-                <a16:creationId xmlns:a16="http://schemas.microsoft.com/office/drawing/2014/main" id="{09BA1265-E299-49E3-A784-25DA66D9CA0C}"/>
+                <a16:creationId xmlns:a16="http://schemas.microsoft.com/office/drawing/2014/main" id="{AF485CC0-F7B7-44B9-B89A-79E61D985DA1}"/>
               </a:ext>
             </a:extLst>
           </p:cNvPr>
@@ -6303,10 +6745,10 @@
           <a:lstStyle/>
           <a:p>
             <a:r>
-              <a:rPr lang="de-DE" dirty="0"/>
-              <a:t>Data frames</a:t>
-            </a:r>
-            <a:endParaRPr lang="en-US" dirty="0"/>
+              <a:rPr lang="de-DE" b="1" dirty="0"/>
+              <a:t>Inspecting objects</a:t>
+            </a:r>
+            <a:endParaRPr lang="en-US" b="1" dirty="0"/>
           </a:p>
         </p:txBody>
       </p:sp>
@@ -6315,7 +6757,7 @@
           <p:cNvPr id="3" name="Content Placeholder 2">
             <a:extLst>
               <a:ext uri="{FF2B5EF4-FFF2-40B4-BE49-F238E27FC236}">
-                <a16:creationId xmlns:a16="http://schemas.microsoft.com/office/drawing/2014/main" id="{C4A61D87-750D-40E3-95B6-FDA0D4CC6B3C}"/>
+                <a16:creationId xmlns:a16="http://schemas.microsoft.com/office/drawing/2014/main" id="{17CA63FC-28CC-489D-A1E7-238FC96B457C}"/>
               </a:ext>
             </a:extLst>
           </p:cNvPr>
@@ -6328,29 +6770,49 @@
         </p:nvSpPr>
         <p:spPr/>
         <p:txBody>
-          <a:bodyPr/>
+          <a:bodyPr>
+            <a:normAutofit/>
+          </a:bodyPr>
           <a:lstStyle/>
           <a:p>
             <a:r>
-              <a:rPr lang="de-DE" b="1" dirty="0"/>
-              <a:t>Challenge</a:t>
-            </a:r>
-            <a:r>
               <a:rPr lang="de-DE" dirty="0"/>
-              <a:t>: What do these commands do?</a:t>
-            </a:r>
-          </a:p>
-          <a:p>
+              <a:t>Lets create another vector called animals on top of the vector k we created earlier</a:t>
+            </a:r>
+          </a:p>
+          <a:p>
+            <a:pPr marL="0" indent="0">
+              <a:buNone/>
+            </a:pPr>
+            <a:endParaRPr lang="de-DE" dirty="0"/>
+          </a:p>
+          <a:p>
+            <a:r>
+              <a:rPr lang="de-DE" dirty="0"/>
+              <a:t>Lets inspect them. </a:t>
+            </a:r>
+          </a:p>
+          <a:p>
+            <a:endParaRPr lang="de-DE" dirty="0"/>
+          </a:p>
+          <a:p>
+            <a:endParaRPr lang="de-DE" dirty="0"/>
+          </a:p>
+          <a:p>
+            <a:r>
+              <a:rPr lang="de-DE" dirty="0"/>
+              <a:t>What do you see? What are we doing with this?</a:t>
+            </a:r>
             <a:endParaRPr lang="en-US" dirty="0"/>
           </a:p>
         </p:txBody>
       </p:sp>
       <p:pic>
         <p:nvPicPr>
-          <p:cNvPr id="4" name="Picture 3">
-            <a:extLst>
-              <a:ext uri="{FF2B5EF4-FFF2-40B4-BE49-F238E27FC236}">
-                <a16:creationId xmlns:a16="http://schemas.microsoft.com/office/drawing/2014/main" id="{10A68C46-09D9-461F-AA14-30B851489BA7}"/>
+          <p:cNvPr id="5" name="Picture 4">
+            <a:extLst>
+              <a:ext uri="{FF2B5EF4-FFF2-40B4-BE49-F238E27FC236}">
+                <a16:creationId xmlns:a16="http://schemas.microsoft.com/office/drawing/2014/main" id="{F90C31E5-485C-48EF-AEEE-2E37A5871966}"/>
               </a:ext>
             </a:extLst>
           </p:cNvPr>
@@ -6359,58 +6821,169 @@
           </p:cNvPicPr>
           <p:nvPr/>
         </p:nvPicPr>
+        <p:blipFill rotWithShape="1">
+          <a:blip r:embed="rId2"/>
+          <a:srcRect t="18235"/>
+          <a:stretch/>
+        </p:blipFill>
+        <p:spPr>
+          <a:xfrm>
+            <a:off x="957322" y="3837551"/>
+            <a:ext cx="7607853" cy="800470"/>
+          </a:xfrm>
+          <a:prstGeom prst="rect">
+            <a:avLst/>
+          </a:prstGeom>
+        </p:spPr>
+      </p:pic>
+      <p:sp>
+        <p:nvSpPr>
+          <p:cNvPr id="6" name="TextBox 5">
+            <a:extLst>
+              <a:ext uri="{FF2B5EF4-FFF2-40B4-BE49-F238E27FC236}">
+                <a16:creationId xmlns:a16="http://schemas.microsoft.com/office/drawing/2014/main" id="{12F67561-9ADF-43C5-A2C9-1E3573EF987A}"/>
+              </a:ext>
+            </a:extLst>
+          </p:cNvPr>
+          <p:cNvSpPr txBox="1"/>
+          <p:nvPr/>
+        </p:nvSpPr>
+        <p:spPr>
+          <a:xfrm>
+            <a:off x="4145131" y="4114708"/>
+            <a:ext cx="3835154" cy="369332"/>
+          </a:xfrm>
+          <a:prstGeom prst="rect">
+            <a:avLst/>
+          </a:prstGeom>
+          <a:noFill/>
+        </p:spPr>
+        <p:txBody>
+          <a:bodyPr wrap="square" rtlCol="0">
+            <a:spAutoFit/>
+          </a:bodyPr>
+          <a:lstStyle/>
+          <a:p>
+            <a:r>
+              <a:rPr lang="de-DE" dirty="0">
+                <a:solidFill>
+                  <a:schemeClr val="bg1"/>
+                </a:solidFill>
+              </a:rPr>
+              <a:t>Remember </a:t>
+            </a:r>
+            <a:r>
+              <a:rPr lang="de-DE" b="1" dirty="0">
+                <a:solidFill>
+                  <a:schemeClr val="bg1"/>
+                </a:solidFill>
+              </a:rPr>
+              <a:t>str() </a:t>
+            </a:r>
+            <a:r>
+              <a:rPr lang="de-DE" dirty="0">
+                <a:solidFill>
+                  <a:schemeClr val="bg1"/>
+                </a:solidFill>
+              </a:rPr>
+              <a:t>you will use it a lot!</a:t>
+            </a:r>
+            <a:endParaRPr lang="en-US" dirty="0">
+              <a:solidFill>
+                <a:schemeClr val="bg1"/>
+              </a:solidFill>
+            </a:endParaRPr>
+          </a:p>
+        </p:txBody>
+      </p:sp>
+      <p:pic>
+        <p:nvPicPr>
+          <p:cNvPr id="7" name="Shape 84">
+            <a:extLst>
+              <a:ext uri="{FF2B5EF4-FFF2-40B4-BE49-F238E27FC236}">
+                <a16:creationId xmlns:a16="http://schemas.microsoft.com/office/drawing/2014/main" id="{959663E0-DF48-469E-B1BA-B62BC55119C9}"/>
+              </a:ext>
+            </a:extLst>
+          </p:cNvPr>
+          <p:cNvPicPr preferRelativeResize="0">
+            <a:picLocks noChangeAspect="1"/>
+          </p:cNvPicPr>
+          <p:nvPr/>
+        </p:nvPicPr>
         <p:blipFill>
-          <a:blip r:embed="rId2"/>
+          <a:blip r:embed="rId3" cstate="print">
+            <a:alphaModFix/>
+            <a:extLst>
+              <a:ext uri="{28A0092B-C50C-407E-A947-70E740481C1C}">
+                <a14:useLocalDpi xmlns:a14="http://schemas.microsoft.com/office/drawing/2010/main"/>
+              </a:ext>
+            </a:extLst>
+          </a:blip>
           <a:stretch>
             <a:fillRect/>
           </a:stretch>
         </p:blipFill>
         <p:spPr>
           <a:xfrm>
-            <a:off x="1063286" y="4274122"/>
-            <a:ext cx="2447365" cy="231343"/>
+            <a:off x="8424000" y="0"/>
+            <a:ext cx="1440000" cy="1003636"/>
           </a:xfrm>
           <a:prstGeom prst="rect">
             <a:avLst/>
           </a:prstGeom>
+          <a:noFill/>
+          <a:ln>
+            <a:noFill/>
+          </a:ln>
         </p:spPr>
       </p:pic>
       <p:pic>
         <p:nvPicPr>
-          <p:cNvPr id="5" name="Picture 4">
-            <a:extLst>
-              <a:ext uri="{FF2B5EF4-FFF2-40B4-BE49-F238E27FC236}">
-                <a16:creationId xmlns:a16="http://schemas.microsoft.com/office/drawing/2014/main" id="{2819193E-67E7-4C58-8BB8-ED84EBDA3E41}"/>
-              </a:ext>
-            </a:extLst>
-          </p:cNvPr>
-          <p:cNvPicPr>
+          <p:cNvPr id="8" name="Shape 84">
+            <a:extLst>
+              <a:ext uri="{FF2B5EF4-FFF2-40B4-BE49-F238E27FC236}">
+                <a16:creationId xmlns:a16="http://schemas.microsoft.com/office/drawing/2014/main" id="{C9747CE6-CF5C-46AC-8738-0CD629E8B342}"/>
+              </a:ext>
+            </a:extLst>
+          </p:cNvPr>
+          <p:cNvPicPr preferRelativeResize="0">
             <a:picLocks noChangeAspect="1"/>
           </p:cNvPicPr>
           <p:nvPr/>
         </p:nvPicPr>
         <p:blipFill>
-          <a:blip r:embed="rId3"/>
+          <a:blip r:embed="rId3" cstate="print">
+            <a:alphaModFix/>
+            <a:extLst>
+              <a:ext uri="{28A0092B-C50C-407E-A947-70E740481C1C}">
+                <a14:useLocalDpi xmlns:a14="http://schemas.microsoft.com/office/drawing/2010/main"/>
+              </a:ext>
+            </a:extLst>
+          </a:blip>
           <a:stretch>
             <a:fillRect/>
           </a:stretch>
         </p:blipFill>
         <p:spPr>
           <a:xfrm>
-            <a:off x="1063286" y="2814081"/>
-            <a:ext cx="1773702" cy="240308"/>
+            <a:off x="7962105" y="-1"/>
+            <a:ext cx="1901895" cy="1325563"/>
           </a:xfrm>
           <a:prstGeom prst="rect">
             <a:avLst/>
           </a:prstGeom>
+          <a:noFill/>
+          <a:ln>
+            <a:noFill/>
+          </a:ln>
         </p:spPr>
       </p:pic>
       <p:pic>
         <p:nvPicPr>
-          <p:cNvPr id="8" name="Picture 7">
-            <a:extLst>
-              <a:ext uri="{FF2B5EF4-FFF2-40B4-BE49-F238E27FC236}">
-                <a16:creationId xmlns:a16="http://schemas.microsoft.com/office/drawing/2014/main" id="{08DA2E67-CA70-42AC-8C5E-9CF666BC4497}"/>
+          <p:cNvPr id="10" name="Picture 9">
+            <a:extLst>
+              <a:ext uri="{FF2B5EF4-FFF2-40B4-BE49-F238E27FC236}">
+                <a16:creationId xmlns:a16="http://schemas.microsoft.com/office/drawing/2014/main" id="{794D7591-7C69-4C58-BDDC-FB09382A27F6}"/>
               </a:ext>
             </a:extLst>
           </p:cNvPr>
@@ -6427,8 +7000,8 @@
         </p:blipFill>
         <p:spPr>
           <a:xfrm>
-            <a:off x="1063285" y="5625185"/>
-            <a:ext cx="2447365" cy="200025"/>
+            <a:off x="1098499" y="5259921"/>
+            <a:ext cx="7325501" cy="1598079"/>
           </a:xfrm>
           <a:prstGeom prst="rect">
             <a:avLst/>
@@ -6437,53 +7010,247 @@
       </p:pic>
       <p:pic>
         <p:nvPicPr>
-          <p:cNvPr id="9" name="Shape 85">
-            <a:extLst>
-              <a:ext uri="{FF2B5EF4-FFF2-40B4-BE49-F238E27FC236}">
-                <a16:creationId xmlns:a16="http://schemas.microsoft.com/office/drawing/2014/main" id="{6A1BA77A-1CE9-4D8D-91F0-2BE73E80188C}"/>
-              </a:ext>
-            </a:extLst>
-          </p:cNvPr>
-          <p:cNvPicPr preferRelativeResize="0"/>
+          <p:cNvPr id="11" name="Picture 10">
+            <a:extLst>
+              <a:ext uri="{FF2B5EF4-FFF2-40B4-BE49-F238E27FC236}">
+                <a16:creationId xmlns:a16="http://schemas.microsoft.com/office/drawing/2014/main" id="{4CFA9DDB-41D3-4574-A88D-9CE39E927F3E}"/>
+              </a:ext>
+            </a:extLst>
+          </p:cNvPr>
+          <p:cNvPicPr>
+            <a:picLocks noChangeAspect="1"/>
+          </p:cNvPicPr>
           <p:nvPr/>
         </p:nvPicPr>
         <p:blipFill>
-          <a:blip r:embed="rId5" cstate="print">
-            <a:alphaModFix/>
-            <a:extLst>
-              <a:ext uri="{28A0092B-C50C-407E-A947-70E740481C1C}">
-                <a14:useLocalDpi xmlns:a14="http://schemas.microsoft.com/office/drawing/2010/main"/>
-              </a:ext>
-            </a:extLst>
-          </a:blip>
+          <a:blip r:embed="rId5"/>
           <a:stretch>
             <a:fillRect/>
           </a:stretch>
         </p:blipFill>
         <p:spPr>
           <a:xfrm>
-            <a:off x="7981025" y="0"/>
-            <a:ext cx="1918855" cy="1290918"/>
+            <a:off x="1071865" y="2777101"/>
+            <a:ext cx="8360522" cy="214678"/>
           </a:xfrm>
           <a:prstGeom prst="rect">
             <a:avLst/>
           </a:prstGeom>
-          <a:noFill/>
-          <a:ln>
-            <a:noFill/>
-          </a:ln>
         </p:spPr>
       </p:pic>
     </p:spTree>
     <p:extLst>
       <p:ext uri="{BB962C8B-B14F-4D97-AF65-F5344CB8AC3E}">
-        <p14:creationId xmlns:p14="http://schemas.microsoft.com/office/powerpoint/2010/main" val="177569167"/>
+        <p14:creationId xmlns:p14="http://schemas.microsoft.com/office/powerpoint/2010/main" val="4242579676"/>
       </p:ext>
     </p:extLst>
   </p:cSld>
   <p:clrMapOvr>
     <a:masterClrMapping/>
   </p:clrMapOvr>
+  <p:timing>
+    <p:tnLst>
+      <p:par>
+        <p:cTn id="1" dur="indefinite" restart="never" nodeType="tmRoot">
+          <p:childTnLst>
+            <p:seq concurrent="1" nextAc="seek">
+              <p:cTn id="2" dur="indefinite" nodeType="mainSeq">
+                <p:childTnLst>
+                  <p:par>
+                    <p:cTn id="3" fill="hold">
+                      <p:stCondLst>
+                        <p:cond delay="indefinite"/>
+                      </p:stCondLst>
+                      <p:childTnLst>
+                        <p:par>
+                          <p:cTn id="4" fill="hold">
+                            <p:stCondLst>
+                              <p:cond delay="0"/>
+                            </p:stCondLst>
+                            <p:childTnLst>
+                              <p:par>
+                                <p:cTn id="5" presetID="1" presetClass="entr" presetSubtype="0" fill="hold" grpId="0" nodeType="clickEffect">
+                                  <p:stCondLst>
+                                    <p:cond delay="0"/>
+                                  </p:stCondLst>
+                                  <p:childTnLst>
+                                    <p:set>
+                                      <p:cBhvr>
+                                        <p:cTn id="6" dur="1" fill="hold">
+                                          <p:stCondLst>
+                                            <p:cond delay="0"/>
+                                          </p:stCondLst>
+                                        </p:cTn>
+                                        <p:tgtEl>
+                                          <p:spTgt spid="3">
+                                            <p:txEl>
+                                              <p:pRg st="2" end="2"/>
+                                            </p:txEl>
+                                          </p:spTgt>
+                                        </p:tgtEl>
+                                        <p:attrNameLst>
+                                          <p:attrName>style.visibility</p:attrName>
+                                        </p:attrNameLst>
+                                      </p:cBhvr>
+                                      <p:to>
+                                        <p:strVal val="visible"/>
+                                      </p:to>
+                                    </p:set>
+                                  </p:childTnLst>
+                                </p:cTn>
+                              </p:par>
+                            </p:childTnLst>
+                          </p:cTn>
+                        </p:par>
+                      </p:childTnLst>
+                    </p:cTn>
+                  </p:par>
+                  <p:par>
+                    <p:cTn id="7" fill="hold">
+                      <p:stCondLst>
+                        <p:cond delay="indefinite"/>
+                      </p:stCondLst>
+                      <p:childTnLst>
+                        <p:par>
+                          <p:cTn id="8" fill="hold">
+                            <p:stCondLst>
+                              <p:cond delay="0"/>
+                            </p:stCondLst>
+                            <p:childTnLst>
+                              <p:par>
+                                <p:cTn id="9" presetID="1" presetClass="entr" presetSubtype="0" fill="hold" grpId="0" nodeType="clickEffect">
+                                  <p:stCondLst>
+                                    <p:cond delay="0"/>
+                                  </p:stCondLst>
+                                  <p:childTnLst>
+                                    <p:set>
+                                      <p:cBhvr>
+                                        <p:cTn id="10" dur="1" fill="hold">
+                                          <p:stCondLst>
+                                            <p:cond delay="0"/>
+                                          </p:stCondLst>
+                                        </p:cTn>
+                                        <p:tgtEl>
+                                          <p:spTgt spid="3">
+                                            <p:txEl>
+                                              <p:pRg st="5" end="5"/>
+                                            </p:txEl>
+                                          </p:spTgt>
+                                        </p:tgtEl>
+                                        <p:attrNameLst>
+                                          <p:attrName>style.visibility</p:attrName>
+                                        </p:attrNameLst>
+                                      </p:cBhvr>
+                                      <p:to>
+                                        <p:strVal val="visible"/>
+                                      </p:to>
+                                    </p:set>
+                                  </p:childTnLst>
+                                </p:cTn>
+                              </p:par>
+                              <p:par>
+                                <p:cTn id="11" presetID="1" presetClass="entr" presetSubtype="0" fill="hold" nodeType="withEffect">
+                                  <p:stCondLst>
+                                    <p:cond delay="0"/>
+                                  </p:stCondLst>
+                                  <p:childTnLst>
+                                    <p:set>
+                                      <p:cBhvr>
+                                        <p:cTn id="12" dur="1" fill="hold">
+                                          <p:stCondLst>
+                                            <p:cond delay="0"/>
+                                          </p:stCondLst>
+                                        </p:cTn>
+                                        <p:tgtEl>
+                                          <p:spTgt spid="5"/>
+                                        </p:tgtEl>
+                                        <p:attrNameLst>
+                                          <p:attrName>style.visibility</p:attrName>
+                                        </p:attrNameLst>
+                                      </p:cBhvr>
+                                      <p:to>
+                                        <p:strVal val="visible"/>
+                                      </p:to>
+                                    </p:set>
+                                  </p:childTnLst>
+                                </p:cTn>
+                              </p:par>
+                            </p:childTnLst>
+                          </p:cTn>
+                        </p:par>
+                      </p:childTnLst>
+                    </p:cTn>
+                  </p:par>
+                  <p:par>
+                    <p:cTn id="13" fill="hold">
+                      <p:stCondLst>
+                        <p:cond delay="indefinite"/>
+                      </p:stCondLst>
+                      <p:childTnLst>
+                        <p:par>
+                          <p:cTn id="14" fill="hold">
+                            <p:stCondLst>
+                              <p:cond delay="0"/>
+                            </p:stCondLst>
+                            <p:childTnLst>
+                              <p:par>
+                                <p:cTn id="15" presetID="1" presetClass="entr" presetSubtype="0" fill="hold" nodeType="clickEffect">
+                                  <p:stCondLst>
+                                    <p:cond delay="0"/>
+                                  </p:stCondLst>
+                                  <p:childTnLst>
+                                    <p:set>
+                                      <p:cBhvr>
+                                        <p:cTn id="16" dur="1" fill="hold">
+                                          <p:stCondLst>
+                                            <p:cond delay="0"/>
+                                          </p:stCondLst>
+                                        </p:cTn>
+                                        <p:tgtEl>
+                                          <p:spTgt spid="10"/>
+                                        </p:tgtEl>
+                                        <p:attrNameLst>
+                                          <p:attrName>style.visibility</p:attrName>
+                                        </p:attrNameLst>
+                                      </p:cBhvr>
+                                      <p:to>
+                                        <p:strVal val="visible"/>
+                                      </p:to>
+                                    </p:set>
+                                  </p:childTnLst>
+                                </p:cTn>
+                              </p:par>
+                            </p:childTnLst>
+                          </p:cTn>
+                        </p:par>
+                      </p:childTnLst>
+                    </p:cTn>
+                  </p:par>
+                </p:childTnLst>
+              </p:cTn>
+              <p:prevCondLst>
+                <p:cond evt="onPrev" delay="0">
+                  <p:tgtEl>
+                    <p:sldTgt/>
+                  </p:tgtEl>
+                </p:cond>
+              </p:prevCondLst>
+              <p:nextCondLst>
+                <p:cond evt="onNext" delay="0">
+                  <p:tgtEl>
+                    <p:sldTgt/>
+                  </p:tgtEl>
+                </p:cond>
+              </p:nextCondLst>
+            </p:seq>
+          </p:childTnLst>
+        </p:cTn>
+      </p:par>
+    </p:tnLst>
+    <p:bldLst>
+      <p:bldP spid="3" grpId="0" uiExpand="1" build="p"/>
+    </p:bldLst>
+  </p:timing>
 </p:sld>
 </file>
 
@@ -6506,7 +7273,13 @@
       </p:grpSpPr>
       <p:sp>
         <p:nvSpPr>
-          <p:cNvPr id="2" name="Title 1"/>
+          <p:cNvPr id="2" name="Title 1">
+            <a:extLst>
+              <a:ext uri="{FF2B5EF4-FFF2-40B4-BE49-F238E27FC236}">
+                <a16:creationId xmlns:a16="http://schemas.microsoft.com/office/drawing/2014/main" id="{D7402EA4-D82D-454C-8F6F-35667CAEF726}"/>
+              </a:ext>
+            </a:extLst>
+          </p:cNvPr>
           <p:cNvSpPr>
             <a:spLocks noGrp="1"/>
           </p:cNvSpPr>
@@ -6516,52 +7289,26 @@
         </p:nvSpPr>
         <p:spPr/>
         <p:txBody>
-          <a:bodyPr>
-            <a:normAutofit fontScale="90000"/>
-          </a:bodyPr>
+          <a:bodyPr/>
           <a:lstStyle/>
           <a:p>
             <a:r>
-              <a:rPr lang="en-US" dirty="0">
-                <a:solidFill>
-                  <a:prstClr val="black"/>
-                </a:solidFill>
-                <a:latin typeface="Calibri"/>
-              </a:rPr>
-              <a:t>If You’re Typing too much, </a:t>
-            </a:r>
-            <a:br>
-              <a:rPr lang="en-US" dirty="0">
-                <a:solidFill>
-                  <a:prstClr val="black"/>
-                </a:solidFill>
-                <a:latin typeface="Calibri"/>
-              </a:rPr>
-            </a:br>
-            <a:r>
-              <a:rPr lang="en-US" dirty="0">
-                <a:solidFill>
-                  <a:prstClr val="black"/>
-                </a:solidFill>
-                <a:latin typeface="Calibri"/>
-              </a:rPr>
-              <a:t>You’re Doing Something Wrong!</a:t>
-            </a:r>
-            <a:br>
-              <a:rPr lang="en-US" dirty="0">
-                <a:solidFill>
-                  <a:prstClr val="black"/>
-                </a:solidFill>
-                <a:latin typeface="Calibri"/>
-              </a:rPr>
-            </a:br>
-            <a:endParaRPr lang="fr-FR" dirty="0"/>
-          </a:p>
-        </p:txBody>
-      </p:sp>
-      <p:sp>
-        <p:nvSpPr>
-          <p:cNvPr id="3" name="Content Placeholder 2"/>
+              <a:rPr lang="de-DE" b="1" dirty="0"/>
+              <a:t>Modifying vectors</a:t>
+            </a:r>
+            <a:endParaRPr lang="en-US" b="1" dirty="0"/>
+          </a:p>
+        </p:txBody>
+      </p:sp>
+      <p:sp>
+        <p:nvSpPr>
+          <p:cNvPr id="3" name="Content Placeholder 2">
+            <a:extLst>
+              <a:ext uri="{FF2B5EF4-FFF2-40B4-BE49-F238E27FC236}">
+                <a16:creationId xmlns:a16="http://schemas.microsoft.com/office/drawing/2014/main" id="{F326C41E-9FFB-490D-8B53-D140A3324084}"/>
+              </a:ext>
+            </a:extLst>
+          </p:cNvPr>
           <p:cNvSpPr>
             <a:spLocks noGrp="1"/>
           </p:cNvSpPr>
@@ -6569,78 +7316,128 @@
             <p:ph idx="1"/>
           </p:nvPr>
         </p:nvSpPr>
+        <p:spPr/>
+        <p:txBody>
+          <a:bodyPr/>
+          <a:lstStyle/>
+          <a:p>
+            <a:r>
+              <a:rPr lang="de-DE" sz="2400" dirty="0"/>
+              <a:t>Lets modify those vectors. Try this code chunks and think about R is doing </a:t>
+            </a:r>
+          </a:p>
+          <a:p>
+            <a:endParaRPr lang="de-DE" sz="2400" dirty="0"/>
+          </a:p>
+          <a:p>
+            <a:pPr marL="0" indent="0">
+              <a:buNone/>
+            </a:pPr>
+            <a:endParaRPr lang="de-DE" sz="2400" dirty="0"/>
+          </a:p>
+          <a:p>
+            <a:r>
+              <a:rPr lang="de-DE" sz="2400" dirty="0"/>
+              <a:t>Remember the </a:t>
+            </a:r>
+            <a:r>
+              <a:rPr lang="de-DE" sz="2400" b="1" dirty="0"/>
+              <a:t>[] can be used to refer to elements of an object</a:t>
+            </a:r>
+            <a:r>
+              <a:rPr lang="de-DE" sz="2400" dirty="0"/>
+              <a:t>. The referal can be a coordinate (e.g. first element k[1], or logical operations k[k&lt;4]). </a:t>
+            </a:r>
+          </a:p>
+          <a:p>
+            <a:r>
+              <a:rPr lang="de-DE" sz="2400" dirty="0"/>
+              <a:t>Can you figure out what´s going on?</a:t>
+            </a:r>
+          </a:p>
+          <a:p>
+            <a:endParaRPr lang="de-DE" sz="2400" dirty="0"/>
+          </a:p>
+          <a:p>
+            <a:endParaRPr lang="en-US" dirty="0"/>
+          </a:p>
+        </p:txBody>
+      </p:sp>
+      <p:pic>
+        <p:nvPicPr>
+          <p:cNvPr id="4" name="Picture 3">
+            <a:extLst>
+              <a:ext uri="{FF2B5EF4-FFF2-40B4-BE49-F238E27FC236}">
+                <a16:creationId xmlns:a16="http://schemas.microsoft.com/office/drawing/2014/main" id="{E3515493-A7EB-4D3F-8A0B-E2467932569C}"/>
+              </a:ext>
+            </a:extLst>
+          </p:cNvPr>
+          <p:cNvPicPr>
+            <a:picLocks noChangeAspect="1"/>
+          </p:cNvPicPr>
+          <p:nvPr/>
+        </p:nvPicPr>
+        <p:blipFill rotWithShape="1">
+          <a:blip r:embed="rId2"/>
+          <a:srcRect t="-1" b="40458"/>
+          <a:stretch/>
+        </p:blipFill>
         <p:spPr>
           <a:xfrm>
-            <a:off x="681038" y="2849731"/>
-            <a:ext cx="8543925" cy="3327231"/>
+            <a:off x="6805326" y="2441093"/>
+            <a:ext cx="2571622" cy="628757"/>
           </a:xfrm>
+          <a:prstGeom prst="rect">
+            <a:avLst/>
+          </a:prstGeom>
         </p:spPr>
-        <p:txBody>
-          <a:bodyPr/>
-          <a:lstStyle/>
-          <a:p>
-            <a:pPr algn="ctr" defTabSz="457200">
-              <a:buClrTx/>
-              <a:buFontTx/>
-              <a:buNone/>
-            </a:pPr>
-            <a:r>
-              <a:rPr lang="en-US" b="1" dirty="0">
-                <a:solidFill>
-                  <a:prstClr val="black"/>
-                </a:solidFill>
-              </a:rPr>
-              <a:t>Tab complete </a:t>
-            </a:r>
-            <a:r>
-              <a:rPr lang="en-US" dirty="0">
-                <a:solidFill>
-                  <a:prstClr val="black"/>
-                </a:solidFill>
-              </a:rPr>
-              <a:t>is a nice trick to save you typing, functions, dataset names, variables etc. that have been defined in the R environment will be autocompleted.</a:t>
-            </a:r>
-          </a:p>
-          <a:p>
-            <a:pPr algn="ctr" defTabSz="457200">
-              <a:buClrTx/>
-              <a:buFontTx/>
-              <a:buNone/>
-            </a:pPr>
-            <a:endParaRPr lang="en-US" dirty="0">
-              <a:solidFill>
-                <a:prstClr val="black"/>
-              </a:solidFill>
-            </a:endParaRPr>
-          </a:p>
-          <a:p>
-            <a:pPr algn="ctr" defTabSz="457200">
-              <a:buClrTx/>
-              <a:buFontTx/>
-              <a:buNone/>
-            </a:pPr>
-            <a:endParaRPr lang="en-US" dirty="0">
-              <a:solidFill>
-                <a:prstClr val="black"/>
-              </a:solidFill>
-            </a:endParaRPr>
-          </a:p>
-        </p:txBody>
-      </p:sp>
+      </p:pic>
       <p:pic>
         <p:nvPicPr>
-          <p:cNvPr id="4" name="Shape 85">
-            <a:extLst>
-              <a:ext uri="{FF2B5EF4-FFF2-40B4-BE49-F238E27FC236}">
-                <a16:creationId xmlns:a16="http://schemas.microsoft.com/office/drawing/2014/main" id="{6330A854-B8BF-49D9-BCFC-4E2D24BED510}"/>
-              </a:ext>
-            </a:extLst>
-          </p:cNvPr>
-          <p:cNvPicPr preferRelativeResize="0"/>
+          <p:cNvPr id="5" name="Picture 4">
+            <a:extLst>
+              <a:ext uri="{FF2B5EF4-FFF2-40B4-BE49-F238E27FC236}">
+                <a16:creationId xmlns:a16="http://schemas.microsoft.com/office/drawing/2014/main" id="{529BE450-B1B1-46DB-AFE6-364572455A65}"/>
+              </a:ext>
+            </a:extLst>
+          </p:cNvPr>
+          <p:cNvPicPr>
+            <a:picLocks noChangeAspect="1"/>
+          </p:cNvPicPr>
           <p:nvPr/>
         </p:nvPicPr>
         <p:blipFill>
-          <a:blip r:embed="rId2" cstate="print">
+          <a:blip r:embed="rId3"/>
+          <a:stretch>
+            <a:fillRect/>
+          </a:stretch>
+        </p:blipFill>
+        <p:spPr>
+          <a:xfrm>
+            <a:off x="1828286" y="5246149"/>
+            <a:ext cx="4977040" cy="497704"/>
+          </a:xfrm>
+          <a:prstGeom prst="rect">
+            <a:avLst/>
+          </a:prstGeom>
+        </p:spPr>
+      </p:pic>
+      <p:pic>
+        <p:nvPicPr>
+          <p:cNvPr id="6" name="Shape 84">
+            <a:extLst>
+              <a:ext uri="{FF2B5EF4-FFF2-40B4-BE49-F238E27FC236}">
+                <a16:creationId xmlns:a16="http://schemas.microsoft.com/office/drawing/2014/main" id="{D7F99D25-9FF0-4BDD-9356-61DB4A7BFF6F}"/>
+              </a:ext>
+            </a:extLst>
+          </p:cNvPr>
+          <p:cNvPicPr preferRelativeResize="0">
+            <a:picLocks noChangeAspect="1"/>
+          </p:cNvPicPr>
+          <p:nvPr/>
+        </p:nvPicPr>
+        <p:blipFill>
+          <a:blip r:embed="rId4" cstate="print">
             <a:alphaModFix/>
             <a:extLst>
               <a:ext uri="{28A0092B-C50C-407E-A947-70E740481C1C}">
@@ -6654,8 +7451,8 @@
         </p:blipFill>
         <p:spPr>
           <a:xfrm>
-            <a:off x="7981025" y="0"/>
-            <a:ext cx="1918855" cy="1290918"/>
+            <a:off x="8424000" y="0"/>
+            <a:ext cx="1440000" cy="1003636"/>
           </a:xfrm>
           <a:prstGeom prst="rect">
             <a:avLst/>
@@ -6666,16 +7463,288 @@
           </a:ln>
         </p:spPr>
       </p:pic>
+      <p:pic>
+        <p:nvPicPr>
+          <p:cNvPr id="7" name="Shape 84">
+            <a:extLst>
+              <a:ext uri="{FF2B5EF4-FFF2-40B4-BE49-F238E27FC236}">
+                <a16:creationId xmlns:a16="http://schemas.microsoft.com/office/drawing/2014/main" id="{BD81C08F-0A54-4D66-842D-5C7903122B3B}"/>
+              </a:ext>
+            </a:extLst>
+          </p:cNvPr>
+          <p:cNvPicPr preferRelativeResize="0">
+            <a:picLocks noChangeAspect="1"/>
+          </p:cNvPicPr>
+          <p:nvPr/>
+        </p:nvPicPr>
+        <p:blipFill>
+          <a:blip r:embed="rId4" cstate="print">
+            <a:alphaModFix/>
+            <a:extLst>
+              <a:ext uri="{28A0092B-C50C-407E-A947-70E740481C1C}">
+                <a14:useLocalDpi xmlns:a14="http://schemas.microsoft.com/office/drawing/2010/main"/>
+              </a:ext>
+            </a:extLst>
+          </a:blip>
+          <a:stretch>
+            <a:fillRect/>
+          </a:stretch>
+        </p:blipFill>
+        <p:spPr>
+          <a:xfrm>
+            <a:off x="7962105" y="-1"/>
+            <a:ext cx="1901895" cy="1325563"/>
+          </a:xfrm>
+          <a:prstGeom prst="rect">
+            <a:avLst/>
+          </a:prstGeom>
+          <a:noFill/>
+          <a:ln>
+            <a:noFill/>
+          </a:ln>
+        </p:spPr>
+      </p:pic>
+      <p:pic>
+        <p:nvPicPr>
+          <p:cNvPr id="10" name="Picture 9">
+            <a:extLst>
+              <a:ext uri="{FF2B5EF4-FFF2-40B4-BE49-F238E27FC236}">
+                <a16:creationId xmlns:a16="http://schemas.microsoft.com/office/drawing/2014/main" id="{203F58C3-6F1C-4E6E-A252-BAE321C434BB}"/>
+              </a:ext>
+            </a:extLst>
+          </p:cNvPr>
+          <p:cNvPicPr>
+            <a:picLocks noChangeAspect="1"/>
+          </p:cNvPicPr>
+          <p:nvPr/>
+        </p:nvPicPr>
+        <p:blipFill rotWithShape="1">
+          <a:blip r:embed="rId2"/>
+          <a:srcRect t="60136"/>
+          <a:stretch/>
+        </p:blipFill>
+        <p:spPr>
+          <a:xfrm>
+            <a:off x="2255250" y="2544996"/>
+            <a:ext cx="2571622" cy="420950"/>
+          </a:xfrm>
+          <a:prstGeom prst="rect">
+            <a:avLst/>
+          </a:prstGeom>
+        </p:spPr>
+      </p:pic>
+      <p:pic>
+        <p:nvPicPr>
+          <p:cNvPr id="11" name="Picture 10">
+            <a:extLst>
+              <a:ext uri="{FF2B5EF4-FFF2-40B4-BE49-F238E27FC236}">
+                <a16:creationId xmlns:a16="http://schemas.microsoft.com/office/drawing/2014/main" id="{89A3D33C-D769-41D2-B719-D5A061638964}"/>
+              </a:ext>
+            </a:extLst>
+          </p:cNvPr>
+          <p:cNvPicPr>
+            <a:picLocks noChangeAspect="1"/>
+          </p:cNvPicPr>
+          <p:nvPr/>
+        </p:nvPicPr>
+        <p:blipFill rotWithShape="1">
+          <a:blip r:embed="rId5"/>
+          <a:srcRect r="73677" b="16760"/>
+          <a:stretch/>
+        </p:blipFill>
+        <p:spPr>
+          <a:xfrm>
+            <a:off x="8244930" y="4310109"/>
+            <a:ext cx="1609678" cy="2547891"/>
+          </a:xfrm>
+          <a:prstGeom prst="rect">
+            <a:avLst/>
+          </a:prstGeom>
+        </p:spPr>
+      </p:pic>
     </p:spTree>
     <p:extLst>
       <p:ext uri="{BB962C8B-B14F-4D97-AF65-F5344CB8AC3E}">
-        <p14:creationId xmlns:p14="http://schemas.microsoft.com/office/powerpoint/2010/main" val="1531203535"/>
+        <p14:creationId xmlns:p14="http://schemas.microsoft.com/office/powerpoint/2010/main" val="3281822171"/>
       </p:ext>
     </p:extLst>
   </p:cSld>
   <p:clrMapOvr>
     <a:masterClrMapping/>
   </p:clrMapOvr>
+  <p:timing>
+    <p:tnLst>
+      <p:par>
+        <p:cTn id="1" dur="indefinite" restart="never" nodeType="tmRoot">
+          <p:childTnLst>
+            <p:seq concurrent="1" nextAc="seek">
+              <p:cTn id="2" dur="indefinite" nodeType="mainSeq">
+                <p:childTnLst>
+                  <p:par>
+                    <p:cTn id="3" fill="hold">
+                      <p:stCondLst>
+                        <p:cond delay="indefinite"/>
+                      </p:stCondLst>
+                      <p:childTnLst>
+                        <p:par>
+                          <p:cTn id="4" fill="hold">
+                            <p:stCondLst>
+                              <p:cond delay="0"/>
+                            </p:stCondLst>
+                            <p:childTnLst>
+                              <p:par>
+                                <p:cTn id="5" presetID="1" presetClass="entr" presetSubtype="0" fill="hold" nodeType="clickEffect">
+                                  <p:stCondLst>
+                                    <p:cond delay="0"/>
+                                  </p:stCondLst>
+                                  <p:childTnLst>
+                                    <p:set>
+                                      <p:cBhvr>
+                                        <p:cTn id="6" dur="1" fill="hold">
+                                          <p:stCondLst>
+                                            <p:cond delay="0"/>
+                                          </p:stCondLst>
+                                        </p:cTn>
+                                        <p:tgtEl>
+                                          <p:spTgt spid="3">
+                                            <p:txEl>
+                                              <p:pRg st="4" end="4"/>
+                                            </p:txEl>
+                                          </p:spTgt>
+                                        </p:tgtEl>
+                                        <p:attrNameLst>
+                                          <p:attrName>style.visibility</p:attrName>
+                                        </p:attrNameLst>
+                                      </p:cBhvr>
+                                      <p:to>
+                                        <p:strVal val="visible"/>
+                                      </p:to>
+                                    </p:set>
+                                  </p:childTnLst>
+                                </p:cTn>
+                              </p:par>
+                            </p:childTnLst>
+                          </p:cTn>
+                        </p:par>
+                      </p:childTnLst>
+                    </p:cTn>
+                  </p:par>
+                  <p:par>
+                    <p:cTn id="7" fill="hold">
+                      <p:stCondLst>
+                        <p:cond delay="indefinite"/>
+                      </p:stCondLst>
+                      <p:childTnLst>
+                        <p:par>
+                          <p:cTn id="8" fill="hold">
+                            <p:stCondLst>
+                              <p:cond delay="0"/>
+                            </p:stCondLst>
+                            <p:childTnLst>
+                              <p:par>
+                                <p:cTn id="9" presetID="1" presetClass="entr" presetSubtype="0" fill="hold" nodeType="clickEffect">
+                                  <p:stCondLst>
+                                    <p:cond delay="0"/>
+                                  </p:stCondLst>
+                                  <p:childTnLst>
+                                    <p:set>
+                                      <p:cBhvr>
+                                        <p:cTn id="10" dur="1" fill="hold">
+                                          <p:stCondLst>
+                                            <p:cond delay="0"/>
+                                          </p:stCondLst>
+                                        </p:cTn>
+                                        <p:tgtEl>
+                                          <p:spTgt spid="5"/>
+                                        </p:tgtEl>
+                                        <p:attrNameLst>
+                                          <p:attrName>style.visibility</p:attrName>
+                                        </p:attrNameLst>
+                                      </p:cBhvr>
+                                      <p:to>
+                                        <p:strVal val="visible"/>
+                                      </p:to>
+                                    </p:set>
+                                  </p:childTnLst>
+                                </p:cTn>
+                              </p:par>
+                            </p:childTnLst>
+                          </p:cTn>
+                        </p:par>
+                      </p:childTnLst>
+                    </p:cTn>
+                  </p:par>
+                  <p:par>
+                    <p:cTn id="11" fill="hold">
+                      <p:stCondLst>
+                        <p:cond delay="indefinite"/>
+                      </p:stCondLst>
+                      <p:childTnLst>
+                        <p:par>
+                          <p:cTn id="12" fill="hold">
+                            <p:stCondLst>
+                              <p:cond delay="0"/>
+                            </p:stCondLst>
+                            <p:childTnLst>
+                              <p:par>
+                                <p:cTn id="13" presetID="1" presetClass="entr" presetSubtype="0" fill="hold" nodeType="clickEffect">
+                                  <p:stCondLst>
+                                    <p:cond delay="0"/>
+                                  </p:stCondLst>
+                                  <p:childTnLst>
+                                    <p:set>
+                                      <p:cBhvr>
+                                        <p:cTn id="14" dur="1" fill="hold">
+                                          <p:stCondLst>
+                                            <p:cond delay="0"/>
+                                          </p:stCondLst>
+                                        </p:cTn>
+                                        <p:tgtEl>
+                                          <p:spTgt spid="3">
+                                            <p:txEl>
+                                              <p:pRg st="3" end="3"/>
+                                            </p:txEl>
+                                          </p:spTgt>
+                                        </p:tgtEl>
+                                        <p:attrNameLst>
+                                          <p:attrName>style.visibility</p:attrName>
+                                        </p:attrNameLst>
+                                      </p:cBhvr>
+                                      <p:to>
+                                        <p:strVal val="visible"/>
+                                      </p:to>
+                                    </p:set>
+                                  </p:childTnLst>
+                                </p:cTn>
+                              </p:par>
+                            </p:childTnLst>
+                          </p:cTn>
+                        </p:par>
+                      </p:childTnLst>
+                    </p:cTn>
+                  </p:par>
+                </p:childTnLst>
+              </p:cTn>
+              <p:prevCondLst>
+                <p:cond evt="onPrev" delay="0">
+                  <p:tgtEl>
+                    <p:sldTgt/>
+                  </p:tgtEl>
+                </p:cond>
+              </p:prevCondLst>
+              <p:nextCondLst>
+                <p:cond evt="onNext" delay="0">
+                  <p:tgtEl>
+                    <p:sldTgt/>
+                  </p:tgtEl>
+                </p:cond>
+              </p:nextCondLst>
+            </p:seq>
+          </p:childTnLst>
+        </p:cTn>
+      </p:par>
+    </p:tnLst>
+  </p:timing>
 </p:sld>
 </file>
 
@@ -6698,7 +7767,13 @@
       </p:grpSpPr>
       <p:sp>
         <p:nvSpPr>
-          <p:cNvPr id="2" name="Title 1"/>
+          <p:cNvPr id="2" name="Title 1">
+            <a:extLst>
+              <a:ext uri="{FF2B5EF4-FFF2-40B4-BE49-F238E27FC236}">
+                <a16:creationId xmlns:a16="http://schemas.microsoft.com/office/drawing/2014/main" id="{4590AED3-655B-46B0-9EAC-B0D87AF03A7F}"/>
+              </a:ext>
+            </a:extLst>
+          </p:cNvPr>
           <p:cNvSpPr>
             <a:spLocks noGrp="1"/>
           </p:cNvSpPr>
@@ -6713,27 +7788,204 @@
           <a:p>
             <a:r>
               <a:rPr lang="de-DE" dirty="0"/>
-              <a:t>Questions?</a:t>
-            </a:r>
-            <a:endParaRPr lang="fr-FR" dirty="0"/>
+              <a:t>Data frames</a:t>
+            </a:r>
+            <a:endParaRPr lang="en-US" dirty="0"/>
+          </a:p>
+        </p:txBody>
+      </p:sp>
+      <p:sp>
+        <p:nvSpPr>
+          <p:cNvPr id="3" name="Content Placeholder 2">
+            <a:extLst>
+              <a:ext uri="{FF2B5EF4-FFF2-40B4-BE49-F238E27FC236}">
+                <a16:creationId xmlns:a16="http://schemas.microsoft.com/office/drawing/2014/main" id="{8DB4A87F-2FBD-40DB-9214-2BE89F45DA99}"/>
+              </a:ext>
+            </a:extLst>
+          </p:cNvPr>
+          <p:cNvSpPr>
+            <a:spLocks noGrp="1"/>
+          </p:cNvSpPr>
+          <p:nvPr>
+            <p:ph idx="1"/>
+          </p:nvPr>
+        </p:nvSpPr>
+        <p:spPr/>
+        <p:txBody>
+          <a:bodyPr/>
+          <a:lstStyle/>
+          <a:p>
+            <a:r>
+              <a:rPr lang="de-DE" dirty="0"/>
+              <a:t>Lets create some more compex objects </a:t>
+            </a:r>
+          </a:p>
+          <a:p>
+            <a:endParaRPr lang="de-DE" dirty="0"/>
+          </a:p>
+          <a:p>
+            <a:r>
+              <a:rPr lang="de-DE" dirty="0"/>
+              <a:t>Inspect it</a:t>
+            </a:r>
+          </a:p>
+          <a:p>
+            <a:endParaRPr lang="de-DE" dirty="0"/>
+          </a:p>
+          <a:p>
+            <a:endParaRPr lang="de-DE" dirty="0"/>
+          </a:p>
+          <a:p>
+            <a:r>
+              <a:rPr lang="de-DE" dirty="0"/>
+              <a:t>Modify it</a:t>
+            </a:r>
+          </a:p>
+          <a:p>
+            <a:endParaRPr lang="en-US" dirty="0"/>
           </a:p>
         </p:txBody>
       </p:sp>
       <p:pic>
         <p:nvPicPr>
-          <p:cNvPr id="4" name="Content Placeholder 3"/>
+          <p:cNvPr id="4" name="Picture 3">
+            <a:extLst>
+              <a:ext uri="{FF2B5EF4-FFF2-40B4-BE49-F238E27FC236}">
+                <a16:creationId xmlns:a16="http://schemas.microsoft.com/office/drawing/2014/main" id="{0EE85325-2C22-4663-A7D2-50490B3B50B1}"/>
+              </a:ext>
+            </a:extLst>
+          </p:cNvPr>
           <p:cNvPicPr>
-            <a:picLocks noGrp="1" noChangeAspect="1"/>
+            <a:picLocks noChangeAspect="1"/>
           </p:cNvPicPr>
-          <p:nvPr>
-            <p:ph idx="1"/>
-          </p:nvPr>
+          <p:nvPr/>
         </p:nvPicPr>
         <p:blipFill>
-          <a:blip r:embed="rId2">
+          <a:blip r:embed="rId2"/>
+          <a:stretch>
+            <a:fillRect/>
+          </a:stretch>
+        </p:blipFill>
+        <p:spPr>
+          <a:xfrm>
+            <a:off x="7820578" y="3558680"/>
+            <a:ext cx="2066925" cy="3190875"/>
+          </a:xfrm>
+          <a:prstGeom prst="rect">
+            <a:avLst/>
+          </a:prstGeom>
+        </p:spPr>
+      </p:pic>
+      <p:pic>
+        <p:nvPicPr>
+          <p:cNvPr id="5" name="Picture 4">
+            <a:extLst>
+              <a:ext uri="{FF2B5EF4-FFF2-40B4-BE49-F238E27FC236}">
+                <a16:creationId xmlns:a16="http://schemas.microsoft.com/office/drawing/2014/main" id="{F6B96A48-5A0B-4C09-BA44-C7989FEC04D8}"/>
+              </a:ext>
+            </a:extLst>
+          </p:cNvPr>
+          <p:cNvPicPr>
+            <a:picLocks noChangeAspect="1"/>
+          </p:cNvPicPr>
+          <p:nvPr/>
+        </p:nvPicPr>
+        <p:blipFill>
+          <a:blip r:embed="rId3"/>
+          <a:stretch>
+            <a:fillRect/>
+          </a:stretch>
+        </p:blipFill>
+        <p:spPr>
+          <a:xfrm>
+            <a:off x="747712" y="2467522"/>
+            <a:ext cx="8477250" cy="314325"/>
+          </a:xfrm>
+          <a:prstGeom prst="rect">
+            <a:avLst/>
+          </a:prstGeom>
+        </p:spPr>
+      </p:pic>
+      <p:pic>
+        <p:nvPicPr>
+          <p:cNvPr id="6" name="Picture 5">
+            <a:extLst>
+              <a:ext uri="{FF2B5EF4-FFF2-40B4-BE49-F238E27FC236}">
+                <a16:creationId xmlns:a16="http://schemas.microsoft.com/office/drawing/2014/main" id="{20D8817D-0369-46A7-B440-DCD5C5E15E48}"/>
+              </a:ext>
+            </a:extLst>
+          </p:cNvPr>
+          <p:cNvPicPr>
+            <a:picLocks noChangeAspect="1"/>
+          </p:cNvPicPr>
+          <p:nvPr/>
+        </p:nvPicPr>
+        <p:blipFill>
+          <a:blip r:embed="rId4"/>
+          <a:stretch>
+            <a:fillRect/>
+          </a:stretch>
+        </p:blipFill>
+        <p:spPr>
+          <a:xfrm>
+            <a:off x="942279" y="3423744"/>
+            <a:ext cx="1152849" cy="588433"/>
+          </a:xfrm>
+          <a:prstGeom prst="rect">
+            <a:avLst/>
+          </a:prstGeom>
+        </p:spPr>
+      </p:pic>
+      <p:pic>
+        <p:nvPicPr>
+          <p:cNvPr id="7" name="Picture 6">
+            <a:extLst>
+              <a:ext uri="{FF2B5EF4-FFF2-40B4-BE49-F238E27FC236}">
+                <a16:creationId xmlns:a16="http://schemas.microsoft.com/office/drawing/2014/main" id="{0D4F6175-8260-47B2-99A9-654D5DE86B61}"/>
+              </a:ext>
+            </a:extLst>
+          </p:cNvPr>
+          <p:cNvPicPr>
+            <a:picLocks noChangeAspect="1"/>
+          </p:cNvPicPr>
+          <p:nvPr/>
+        </p:nvPicPr>
+        <p:blipFill>
+          <a:blip r:embed="rId5"/>
+          <a:stretch>
+            <a:fillRect/>
+          </a:stretch>
+        </p:blipFill>
+        <p:spPr>
+          <a:xfrm>
+            <a:off x="848927" y="4810773"/>
+            <a:ext cx="3733800" cy="876300"/>
+          </a:xfrm>
+          <a:prstGeom prst="rect">
+            <a:avLst/>
+          </a:prstGeom>
+        </p:spPr>
+      </p:pic>
+      <p:pic>
+        <p:nvPicPr>
+          <p:cNvPr id="8" name="Shape 84">
+            <a:extLst>
+              <a:ext uri="{FF2B5EF4-FFF2-40B4-BE49-F238E27FC236}">
+                <a16:creationId xmlns:a16="http://schemas.microsoft.com/office/drawing/2014/main" id="{5C5C14AA-D6D6-4B9C-83E9-2A9CA3D4F39D}"/>
+              </a:ext>
+            </a:extLst>
+          </p:cNvPr>
+          <p:cNvPicPr preferRelativeResize="0">
+            <a:picLocks noChangeAspect="1"/>
+          </p:cNvPicPr>
+          <p:nvPr/>
+        </p:nvPicPr>
+        <p:blipFill>
+          <a:blip r:embed="rId6" cstate="print">
+            <a:alphaModFix/>
             <a:extLst>
               <a:ext uri="{28A0092B-C50C-407E-A947-70E740481C1C}">
-                <a14:useLocalDpi xmlns:a14="http://schemas.microsoft.com/office/drawing/2010/main" val="0"/>
+                <a14:useLocalDpi xmlns:a14="http://schemas.microsoft.com/office/drawing/2010/main"/>
               </a:ext>
             </a:extLst>
           </a:blip>
@@ -6743,15 +7995,63 @@
         </p:blipFill>
         <p:spPr>
           <a:xfrm>
-            <a:off x="759279" y="1777886"/>
-            <a:ext cx="2857500" cy="4076700"/>
+            <a:off x="8424000" y="0"/>
+            <a:ext cx="1440000" cy="1003636"/>
           </a:xfrm>
+          <a:prstGeom prst="rect">
+            <a:avLst/>
+          </a:prstGeom>
+          <a:noFill/>
+          <a:ln>
+            <a:noFill/>
+          </a:ln>
+        </p:spPr>
+      </p:pic>
+      <p:pic>
+        <p:nvPicPr>
+          <p:cNvPr id="9" name="Shape 84">
+            <a:extLst>
+              <a:ext uri="{FF2B5EF4-FFF2-40B4-BE49-F238E27FC236}">
+                <a16:creationId xmlns:a16="http://schemas.microsoft.com/office/drawing/2014/main" id="{9BB582A4-39CA-43D7-A067-347BE264703F}"/>
+              </a:ext>
+            </a:extLst>
+          </p:cNvPr>
+          <p:cNvPicPr preferRelativeResize="0">
+            <a:picLocks noChangeAspect="1"/>
+          </p:cNvPicPr>
+          <p:nvPr/>
+        </p:nvPicPr>
+        <p:blipFill>
+          <a:blip r:embed="rId6" cstate="print">
+            <a:alphaModFix/>
+            <a:extLst>
+              <a:ext uri="{28A0092B-C50C-407E-A947-70E740481C1C}">
+                <a14:useLocalDpi xmlns:a14="http://schemas.microsoft.com/office/drawing/2010/main"/>
+              </a:ext>
+            </a:extLst>
+          </a:blip>
+          <a:stretch>
+            <a:fillRect/>
+          </a:stretch>
+        </p:blipFill>
+        <p:spPr>
+          <a:xfrm>
+            <a:off x="7962105" y="-1"/>
+            <a:ext cx="1901895" cy="1325563"/>
+          </a:xfrm>
+          <a:prstGeom prst="rect">
+            <a:avLst/>
+          </a:prstGeom>
+          <a:noFill/>
+          <a:ln>
+            <a:noFill/>
+          </a:ln>
         </p:spPr>
       </p:pic>
     </p:spTree>
     <p:extLst>
       <p:ext uri="{BB962C8B-B14F-4D97-AF65-F5344CB8AC3E}">
-        <p14:creationId xmlns:p14="http://schemas.microsoft.com/office/powerpoint/2010/main" val="3332327165"/>
+        <p14:creationId xmlns:p14="http://schemas.microsoft.com/office/powerpoint/2010/main" val="1254472683"/>
       </p:ext>
     </p:extLst>
   </p:cSld>
@@ -6783,7 +8083,7 @@
           <p:cNvPr id="2" name="Title 1">
             <a:extLst>
               <a:ext uri="{FF2B5EF4-FFF2-40B4-BE49-F238E27FC236}">
-                <a16:creationId xmlns:a16="http://schemas.microsoft.com/office/drawing/2014/main" id="{85804835-9C90-42F6-A300-A70B7095A17F}"/>
+                <a16:creationId xmlns:a16="http://schemas.microsoft.com/office/drawing/2014/main" id="{E1392707-145F-43EB-B577-5BDE57171842}"/>
               </a:ext>
             </a:extLst>
           </p:cNvPr>
@@ -6791,7 +8091,7 @@
             <a:spLocks noGrp="1"/>
           </p:cNvSpPr>
           <p:nvPr>
-            <p:ph type="ctrTitle"/>
+            <p:ph type="title"/>
           </p:nvPr>
         </p:nvSpPr>
         <p:spPr/>
@@ -6800,19 +8100,19 @@
           <a:lstStyle/>
           <a:p>
             <a:r>
-              <a:rPr lang="de-DE" dirty="0"/>
-              <a:t>Data collecting quality check</a:t>
-            </a:r>
-            <a:endParaRPr lang="en-US" dirty="0"/>
-          </a:p>
-        </p:txBody>
-      </p:sp>
-      <p:sp>
-        <p:nvSpPr>
-          <p:cNvPr id="3" name="Subtitle 2">
-            <a:extLst>
-              <a:ext uri="{FF2B5EF4-FFF2-40B4-BE49-F238E27FC236}">
-                <a16:creationId xmlns:a16="http://schemas.microsoft.com/office/drawing/2014/main" id="{15B0168F-D427-4A6E-B879-DC278EE2BBE4}"/>
+              <a:rPr lang="de-DE" b="1" dirty="0"/>
+              <a:t>Data frames</a:t>
+            </a:r>
+            <a:endParaRPr lang="en-US" b="1" dirty="0"/>
+          </a:p>
+        </p:txBody>
+      </p:sp>
+      <p:sp>
+        <p:nvSpPr>
+          <p:cNvPr id="3" name="Content Placeholder 2">
+            <a:extLst>
+              <a:ext uri="{FF2B5EF4-FFF2-40B4-BE49-F238E27FC236}">
+                <a16:creationId xmlns:a16="http://schemas.microsoft.com/office/drawing/2014/main" id="{FCDD5499-3769-4735-832B-9724604090FC}"/>
               </a:ext>
             </a:extLst>
           </p:cNvPr>
@@ -6820,7 +8120,7 @@
             <a:spLocks noGrp="1"/>
           </p:cNvSpPr>
           <p:nvPr>
-            <p:ph type="subTitle" idx="1"/>
+            <p:ph idx="1"/>
           </p:nvPr>
         </p:nvSpPr>
         <p:spPr/>
@@ -6828,14 +8128,132 @@
           <a:bodyPr/>
           <a:lstStyle/>
           <a:p>
-            <a:endParaRPr lang="en-US" dirty="0"/>
-          </a:p>
-        </p:txBody>
-      </p:sp>
+            <a:r>
+              <a:rPr lang="de-DE" dirty="0"/>
+              <a:t>Selecting data within a data frame is similar as we saw with vectors. We use [] as well, but now we have 2 coordinates. </a:t>
+            </a:r>
+          </a:p>
+          <a:p>
+            <a:pPr marL="0" indent="0">
+              <a:buNone/>
+            </a:pPr>
+            <a:endParaRPr lang="de-DE" dirty="0"/>
+          </a:p>
+          <a:p>
+            <a:pPr marL="0" indent="0">
+              <a:buNone/>
+            </a:pPr>
+            <a:endParaRPr lang="de-DE" dirty="0"/>
+          </a:p>
+          <a:p>
+            <a:pPr marL="0" indent="0">
+              <a:buNone/>
+            </a:pPr>
+            <a:r>
+              <a:rPr lang="de-DE" i="1" dirty="0"/>
+              <a:t>dataframe[row, column] </a:t>
+            </a:r>
+            <a:br>
+              <a:rPr lang="de-DE" dirty="0"/>
+            </a:br>
+            <a:r>
+              <a:rPr lang="de-DE" dirty="0"/>
+              <a:t>to select rows and columns of a dataframe</a:t>
+            </a:r>
+          </a:p>
+          <a:p>
+            <a:pPr marL="0" indent="0">
+              <a:buNone/>
+            </a:pPr>
+            <a:r>
+              <a:rPr lang="de-DE" sz="1800" dirty="0"/>
+              <a:t>(</a:t>
+            </a:r>
+            <a:r>
+              <a:rPr lang="de-DE" sz="1800" i="1" dirty="0"/>
+              <a:t>omission of any of the coordinates means select all)</a:t>
+            </a:r>
+          </a:p>
+          <a:p>
+            <a:pPr marL="0" indent="0">
+              <a:buNone/>
+            </a:pPr>
+            <a:endParaRPr lang="en-US" i="1" dirty="0"/>
+          </a:p>
+        </p:txBody>
+      </p:sp>
+      <p:pic>
+        <p:nvPicPr>
+          <p:cNvPr id="4" name="Shape 85">
+            <a:extLst>
+              <a:ext uri="{FF2B5EF4-FFF2-40B4-BE49-F238E27FC236}">
+                <a16:creationId xmlns:a16="http://schemas.microsoft.com/office/drawing/2014/main" id="{FF4CC65B-2BB7-47CC-AE67-BDF7949D8404}"/>
+              </a:ext>
+            </a:extLst>
+          </p:cNvPr>
+          <p:cNvPicPr preferRelativeResize="0"/>
+          <p:nvPr/>
+        </p:nvPicPr>
+        <p:blipFill>
+          <a:blip r:embed="rId2" cstate="print">
+            <a:alphaModFix/>
+            <a:extLst>
+              <a:ext uri="{28A0092B-C50C-407E-A947-70E740481C1C}">
+                <a14:useLocalDpi xmlns:a14="http://schemas.microsoft.com/office/drawing/2010/main"/>
+              </a:ext>
+            </a:extLst>
+          </a:blip>
+          <a:stretch>
+            <a:fillRect/>
+          </a:stretch>
+        </p:blipFill>
+        <p:spPr>
+          <a:xfrm>
+            <a:off x="7981025" y="0"/>
+            <a:ext cx="1918855" cy="1290918"/>
+          </a:xfrm>
+          <a:prstGeom prst="rect">
+            <a:avLst/>
+          </a:prstGeom>
+          <a:noFill/>
+          <a:ln>
+            <a:noFill/>
+          </a:ln>
+        </p:spPr>
+      </p:pic>
+      <p:pic>
+        <p:nvPicPr>
+          <p:cNvPr id="5" name="Picture 4">
+            <a:extLst>
+              <a:ext uri="{FF2B5EF4-FFF2-40B4-BE49-F238E27FC236}">
+                <a16:creationId xmlns:a16="http://schemas.microsoft.com/office/drawing/2014/main" id="{61B72E5E-E125-4286-8AFB-FB3B9BD6DAB5}"/>
+              </a:ext>
+            </a:extLst>
+          </p:cNvPr>
+          <p:cNvPicPr>
+            <a:picLocks noChangeAspect="1"/>
+          </p:cNvPicPr>
+          <p:nvPr/>
+        </p:nvPicPr>
+        <p:blipFill rotWithShape="1">
+          <a:blip r:embed="rId3"/>
+          <a:srcRect l="28886" t="13593" r="49068" b="15121"/>
+          <a:stretch/>
+        </p:blipFill>
+        <p:spPr>
+          <a:xfrm>
+            <a:off x="7847860" y="3768570"/>
+            <a:ext cx="1908699" cy="3089430"/>
+          </a:xfrm>
+          <a:prstGeom prst="rect">
+            <a:avLst/>
+          </a:prstGeom>
+        </p:spPr>
+      </p:pic>
     </p:spTree>
     <p:extLst>
       <p:ext uri="{BB962C8B-B14F-4D97-AF65-F5344CB8AC3E}">
-        <p14:creationId xmlns:p14="http://schemas.microsoft.com/office/powerpoint/2010/main" val="3420298257"/>
+        <p14:creationId xmlns:p14="http://schemas.microsoft.com/office/powerpoint/2010/main" val="190514788"/>
       </p:ext>
     </p:extLst>
   </p:cSld>
@@ -6867,6 +8285,823 @@
           <p:cNvPr id="2" name="Title 1">
             <a:extLst>
               <a:ext uri="{FF2B5EF4-FFF2-40B4-BE49-F238E27FC236}">
+                <a16:creationId xmlns:a16="http://schemas.microsoft.com/office/drawing/2014/main" id="{EF5B80E4-1A83-4532-B638-286174189C4D}"/>
+              </a:ext>
+            </a:extLst>
+          </p:cNvPr>
+          <p:cNvSpPr>
+            <a:spLocks noGrp="1"/>
+          </p:cNvSpPr>
+          <p:nvPr>
+            <p:ph type="title"/>
+          </p:nvPr>
+        </p:nvSpPr>
+        <p:spPr/>
+        <p:txBody>
+          <a:bodyPr/>
+          <a:lstStyle/>
+          <a:p>
+            <a:r>
+              <a:rPr lang="de-DE" b="1" dirty="0"/>
+              <a:t>Data frames</a:t>
+            </a:r>
+            <a:endParaRPr lang="en-US" dirty="0"/>
+          </a:p>
+        </p:txBody>
+      </p:sp>
+      <p:sp>
+        <p:nvSpPr>
+          <p:cNvPr id="3" name="Content Placeholder 2">
+            <a:extLst>
+              <a:ext uri="{FF2B5EF4-FFF2-40B4-BE49-F238E27FC236}">
+                <a16:creationId xmlns:a16="http://schemas.microsoft.com/office/drawing/2014/main" id="{18277B2F-8111-4A34-B8BC-0E7F5D310465}"/>
+              </a:ext>
+            </a:extLst>
+          </p:cNvPr>
+          <p:cNvSpPr>
+            <a:spLocks noGrp="1"/>
+          </p:cNvSpPr>
+          <p:nvPr>
+            <p:ph idx="1"/>
+          </p:nvPr>
+        </p:nvSpPr>
+        <p:spPr/>
+        <p:txBody>
+          <a:bodyPr/>
+          <a:lstStyle/>
+          <a:p>
+            <a:r>
+              <a:rPr lang="de-DE" dirty="0"/>
+              <a:t>Create the following dataset (called „data“) typing this code:</a:t>
+            </a:r>
+          </a:p>
+          <a:p>
+            <a:endParaRPr lang="de-DE" dirty="0"/>
+          </a:p>
+          <a:p>
+            <a:endParaRPr lang="de-DE" dirty="0"/>
+          </a:p>
+          <a:p>
+            <a:pPr marL="0" indent="0">
+              <a:buNone/>
+            </a:pPr>
+            <a:r>
+              <a:rPr lang="de-DE" dirty="0"/>
+              <a:t>Visualize to understand what we just created</a:t>
+            </a:r>
+          </a:p>
+          <a:p>
+            <a:pPr marL="0" indent="0">
+              <a:buNone/>
+            </a:pPr>
+            <a:endParaRPr lang="de-DE" dirty="0"/>
+          </a:p>
+          <a:p>
+            <a:pPr marL="0" indent="0">
+              <a:buNone/>
+            </a:pPr>
+            <a:endParaRPr lang="de-DE" dirty="0"/>
+          </a:p>
+          <a:p>
+            <a:endParaRPr lang="en-US" dirty="0"/>
+          </a:p>
+        </p:txBody>
+      </p:sp>
+      <p:pic>
+        <p:nvPicPr>
+          <p:cNvPr id="4" name="Picture 3">
+            <a:extLst>
+              <a:ext uri="{FF2B5EF4-FFF2-40B4-BE49-F238E27FC236}">
+                <a16:creationId xmlns:a16="http://schemas.microsoft.com/office/drawing/2014/main" id="{0D7BD274-9A8D-4D4A-B5B4-A1B9B7B5DE9D}"/>
+              </a:ext>
+            </a:extLst>
+          </p:cNvPr>
+          <p:cNvPicPr>
+            <a:picLocks noChangeAspect="1"/>
+          </p:cNvPicPr>
+          <p:nvPr/>
+        </p:nvPicPr>
+        <p:blipFill>
+          <a:blip r:embed="rId2"/>
+          <a:stretch>
+            <a:fillRect/>
+          </a:stretch>
+        </p:blipFill>
+        <p:spPr>
+          <a:xfrm>
+            <a:off x="110609" y="2769278"/>
+            <a:ext cx="9684781" cy="382294"/>
+          </a:xfrm>
+          <a:prstGeom prst="rect">
+            <a:avLst/>
+          </a:prstGeom>
+        </p:spPr>
+      </p:pic>
+      <p:pic>
+        <p:nvPicPr>
+          <p:cNvPr id="5" name="Picture 4">
+            <a:extLst>
+              <a:ext uri="{FF2B5EF4-FFF2-40B4-BE49-F238E27FC236}">
+                <a16:creationId xmlns:a16="http://schemas.microsoft.com/office/drawing/2014/main" id="{6AC566D6-D340-4AC4-B0ED-EA4CDC9398B7}"/>
+              </a:ext>
+            </a:extLst>
+          </p:cNvPr>
+          <p:cNvPicPr>
+            <a:picLocks noChangeAspect="1"/>
+          </p:cNvPicPr>
+          <p:nvPr/>
+        </p:nvPicPr>
+        <p:blipFill>
+          <a:blip r:embed="rId3"/>
+          <a:stretch>
+            <a:fillRect/>
+          </a:stretch>
+        </p:blipFill>
+        <p:spPr>
+          <a:xfrm>
+            <a:off x="815681" y="4521878"/>
+            <a:ext cx="1219596" cy="653804"/>
+          </a:xfrm>
+          <a:prstGeom prst="rect">
+            <a:avLst/>
+          </a:prstGeom>
+        </p:spPr>
+      </p:pic>
+      <p:pic>
+        <p:nvPicPr>
+          <p:cNvPr id="6" name="Shape 84">
+            <a:extLst>
+              <a:ext uri="{FF2B5EF4-FFF2-40B4-BE49-F238E27FC236}">
+                <a16:creationId xmlns:a16="http://schemas.microsoft.com/office/drawing/2014/main" id="{59552FB0-C386-4840-9353-529AD8E00A25}"/>
+              </a:ext>
+            </a:extLst>
+          </p:cNvPr>
+          <p:cNvPicPr preferRelativeResize="0">
+            <a:picLocks noChangeAspect="1"/>
+          </p:cNvPicPr>
+          <p:nvPr/>
+        </p:nvPicPr>
+        <p:blipFill>
+          <a:blip r:embed="rId4" cstate="print">
+            <a:alphaModFix/>
+            <a:extLst>
+              <a:ext uri="{28A0092B-C50C-407E-A947-70E740481C1C}">
+                <a14:useLocalDpi xmlns:a14="http://schemas.microsoft.com/office/drawing/2010/main"/>
+              </a:ext>
+            </a:extLst>
+          </a:blip>
+          <a:stretch>
+            <a:fillRect/>
+          </a:stretch>
+        </p:blipFill>
+        <p:spPr>
+          <a:xfrm>
+            <a:off x="7962105" y="-1"/>
+            <a:ext cx="1901895" cy="1325563"/>
+          </a:xfrm>
+          <a:prstGeom prst="rect">
+            <a:avLst/>
+          </a:prstGeom>
+          <a:noFill/>
+          <a:ln>
+            <a:noFill/>
+          </a:ln>
+        </p:spPr>
+      </p:pic>
+      <p:pic>
+        <p:nvPicPr>
+          <p:cNvPr id="7" name="Picture 6">
+            <a:extLst>
+              <a:ext uri="{FF2B5EF4-FFF2-40B4-BE49-F238E27FC236}">
+                <a16:creationId xmlns:a16="http://schemas.microsoft.com/office/drawing/2014/main" id="{794BF1A4-2677-443E-80A7-37E83E01DAD4}"/>
+              </a:ext>
+            </a:extLst>
+          </p:cNvPr>
+          <p:cNvPicPr>
+            <a:picLocks noChangeAspect="1"/>
+          </p:cNvPicPr>
+          <p:nvPr/>
+        </p:nvPicPr>
+        <p:blipFill rotWithShape="1">
+          <a:blip r:embed="rId5"/>
+          <a:srcRect l="28886" t="13593" r="49068" b="15121"/>
+          <a:stretch/>
+        </p:blipFill>
+        <p:spPr>
+          <a:xfrm>
+            <a:off x="7847860" y="3768570"/>
+            <a:ext cx="1908699" cy="3089430"/>
+          </a:xfrm>
+          <a:prstGeom prst="rect">
+            <a:avLst/>
+          </a:prstGeom>
+        </p:spPr>
+      </p:pic>
+    </p:spTree>
+    <p:extLst>
+      <p:ext uri="{BB962C8B-B14F-4D97-AF65-F5344CB8AC3E}">
+        <p14:creationId xmlns:p14="http://schemas.microsoft.com/office/powerpoint/2010/main" val="39662655"/>
+      </p:ext>
+    </p:extLst>
+  </p:cSld>
+  <p:clrMapOvr>
+    <a:masterClrMapping/>
+  </p:clrMapOvr>
+</p:sld>
+</file>
+
+<file path=ppt/slides/slide25.xml><?xml version="1.0" encoding="utf-8"?>
+<p:sld xmlns:a="http://schemas.openxmlformats.org/drawingml/2006/main" xmlns:r="http://schemas.openxmlformats.org/officeDocument/2006/relationships" xmlns:p="http://schemas.openxmlformats.org/presentationml/2006/main">
+  <p:cSld>
+    <p:spTree>
+      <p:nvGrpSpPr>
+        <p:cNvPr id="1" name=""/>
+        <p:cNvGrpSpPr/>
+        <p:nvPr/>
+      </p:nvGrpSpPr>
+      <p:grpSpPr>
+        <a:xfrm>
+          <a:off x="0" y="0"/>
+          <a:ext cx="0" cy="0"/>
+          <a:chOff x="0" y="0"/>
+          <a:chExt cx="0" cy="0"/>
+        </a:xfrm>
+      </p:grpSpPr>
+      <p:sp>
+        <p:nvSpPr>
+          <p:cNvPr id="2" name="Title 1">
+            <a:extLst>
+              <a:ext uri="{FF2B5EF4-FFF2-40B4-BE49-F238E27FC236}">
+                <a16:creationId xmlns:a16="http://schemas.microsoft.com/office/drawing/2014/main" id="{09BA1265-E299-49E3-A784-25DA66D9CA0C}"/>
+              </a:ext>
+            </a:extLst>
+          </p:cNvPr>
+          <p:cNvSpPr>
+            <a:spLocks noGrp="1"/>
+          </p:cNvSpPr>
+          <p:nvPr>
+            <p:ph type="title"/>
+          </p:nvPr>
+        </p:nvSpPr>
+        <p:spPr/>
+        <p:txBody>
+          <a:bodyPr/>
+          <a:lstStyle/>
+          <a:p>
+            <a:r>
+              <a:rPr lang="de-DE" dirty="0"/>
+              <a:t>Data frames</a:t>
+            </a:r>
+            <a:endParaRPr lang="en-US" dirty="0"/>
+          </a:p>
+        </p:txBody>
+      </p:sp>
+      <p:sp>
+        <p:nvSpPr>
+          <p:cNvPr id="3" name="Content Placeholder 2">
+            <a:extLst>
+              <a:ext uri="{FF2B5EF4-FFF2-40B4-BE49-F238E27FC236}">
+                <a16:creationId xmlns:a16="http://schemas.microsoft.com/office/drawing/2014/main" id="{C4A61D87-750D-40E3-95B6-FDA0D4CC6B3C}"/>
+              </a:ext>
+            </a:extLst>
+          </p:cNvPr>
+          <p:cNvSpPr>
+            <a:spLocks noGrp="1"/>
+          </p:cNvSpPr>
+          <p:nvPr>
+            <p:ph idx="1"/>
+          </p:nvPr>
+        </p:nvSpPr>
+        <p:spPr/>
+        <p:txBody>
+          <a:bodyPr/>
+          <a:lstStyle/>
+          <a:p>
+            <a:r>
+              <a:rPr lang="de-DE" b="1" dirty="0"/>
+              <a:t>Challenge</a:t>
+            </a:r>
+            <a:r>
+              <a:rPr lang="de-DE" dirty="0"/>
+              <a:t>: What do these commands do?</a:t>
+            </a:r>
+          </a:p>
+          <a:p>
+            <a:endParaRPr lang="en-US" dirty="0"/>
+          </a:p>
+        </p:txBody>
+      </p:sp>
+      <p:pic>
+        <p:nvPicPr>
+          <p:cNvPr id="8" name="Picture 7">
+            <a:extLst>
+              <a:ext uri="{FF2B5EF4-FFF2-40B4-BE49-F238E27FC236}">
+                <a16:creationId xmlns:a16="http://schemas.microsoft.com/office/drawing/2014/main" id="{08DA2E67-CA70-42AC-8C5E-9CF666BC4497}"/>
+              </a:ext>
+            </a:extLst>
+          </p:cNvPr>
+          <p:cNvPicPr>
+            <a:picLocks noChangeAspect="1"/>
+          </p:cNvPicPr>
+          <p:nvPr/>
+        </p:nvPicPr>
+        <p:blipFill>
+          <a:blip r:embed="rId2"/>
+          <a:stretch>
+            <a:fillRect/>
+          </a:stretch>
+        </p:blipFill>
+        <p:spPr>
+          <a:xfrm>
+            <a:off x="1001139" y="3177601"/>
+            <a:ext cx="2447365" cy="200025"/>
+          </a:xfrm>
+          <a:prstGeom prst="rect">
+            <a:avLst/>
+          </a:prstGeom>
+        </p:spPr>
+      </p:pic>
+      <p:pic>
+        <p:nvPicPr>
+          <p:cNvPr id="10" name="Picture 9">
+            <a:extLst>
+              <a:ext uri="{FF2B5EF4-FFF2-40B4-BE49-F238E27FC236}">
+                <a16:creationId xmlns:a16="http://schemas.microsoft.com/office/drawing/2014/main" id="{9D4D32E8-F2FD-4424-8842-BCD90DB0E1E4}"/>
+              </a:ext>
+            </a:extLst>
+          </p:cNvPr>
+          <p:cNvPicPr>
+            <a:picLocks noChangeAspect="1"/>
+          </p:cNvPicPr>
+          <p:nvPr/>
+        </p:nvPicPr>
+        <p:blipFill rotWithShape="1">
+          <a:blip r:embed="rId3"/>
+          <a:srcRect l="28886" t="13593" r="49068" b="69404"/>
+          <a:stretch/>
+        </p:blipFill>
+        <p:spPr>
+          <a:xfrm>
+            <a:off x="7847860" y="3768570"/>
+            <a:ext cx="1908699" cy="736895"/>
+          </a:xfrm>
+          <a:prstGeom prst="rect">
+            <a:avLst/>
+          </a:prstGeom>
+        </p:spPr>
+      </p:pic>
+      <p:pic>
+        <p:nvPicPr>
+          <p:cNvPr id="11" name="Shape 84">
+            <a:extLst>
+              <a:ext uri="{FF2B5EF4-FFF2-40B4-BE49-F238E27FC236}">
+                <a16:creationId xmlns:a16="http://schemas.microsoft.com/office/drawing/2014/main" id="{7C5D6470-EFF3-4F80-B706-B72F349DB9FA}"/>
+              </a:ext>
+            </a:extLst>
+          </p:cNvPr>
+          <p:cNvPicPr preferRelativeResize="0">
+            <a:picLocks noChangeAspect="1"/>
+          </p:cNvPicPr>
+          <p:nvPr/>
+        </p:nvPicPr>
+        <p:blipFill>
+          <a:blip r:embed="rId4" cstate="print">
+            <a:alphaModFix/>
+            <a:extLst>
+              <a:ext uri="{28A0092B-C50C-407E-A947-70E740481C1C}">
+                <a14:useLocalDpi xmlns:a14="http://schemas.microsoft.com/office/drawing/2010/main"/>
+              </a:ext>
+            </a:extLst>
+          </a:blip>
+          <a:stretch>
+            <a:fillRect/>
+          </a:stretch>
+        </p:blipFill>
+        <p:spPr>
+          <a:xfrm>
+            <a:off x="7962105" y="-1"/>
+            <a:ext cx="1901895" cy="1325563"/>
+          </a:xfrm>
+          <a:prstGeom prst="rect">
+            <a:avLst/>
+          </a:prstGeom>
+          <a:noFill/>
+          <a:ln>
+            <a:noFill/>
+          </a:ln>
+        </p:spPr>
+      </p:pic>
+      <p:pic>
+        <p:nvPicPr>
+          <p:cNvPr id="6" name="Picture 5">
+            <a:extLst>
+              <a:ext uri="{FF2B5EF4-FFF2-40B4-BE49-F238E27FC236}">
+                <a16:creationId xmlns:a16="http://schemas.microsoft.com/office/drawing/2014/main" id="{7A1DB0D0-DF94-462B-8AF6-95D5ACCD314F}"/>
+              </a:ext>
+            </a:extLst>
+          </p:cNvPr>
+          <p:cNvPicPr>
+            <a:picLocks noChangeAspect="1"/>
+          </p:cNvPicPr>
+          <p:nvPr/>
+        </p:nvPicPr>
+        <p:blipFill>
+          <a:blip r:embed="rId5"/>
+          <a:stretch>
+            <a:fillRect/>
+          </a:stretch>
+        </p:blipFill>
+        <p:spPr>
+          <a:xfrm>
+            <a:off x="8005394" y="4445278"/>
+            <a:ext cx="1781175" cy="1495425"/>
+          </a:xfrm>
+          <a:prstGeom prst="rect">
+            <a:avLst/>
+          </a:prstGeom>
+        </p:spPr>
+      </p:pic>
+      <p:pic>
+        <p:nvPicPr>
+          <p:cNvPr id="7" name="Picture 6">
+            <a:extLst>
+              <a:ext uri="{FF2B5EF4-FFF2-40B4-BE49-F238E27FC236}">
+                <a16:creationId xmlns:a16="http://schemas.microsoft.com/office/drawing/2014/main" id="{132B3DD9-3CCF-46CC-B80E-716E3A7DA2FE}"/>
+              </a:ext>
+            </a:extLst>
+          </p:cNvPr>
+          <p:cNvPicPr>
+            <a:picLocks noChangeAspect="1"/>
+          </p:cNvPicPr>
+          <p:nvPr/>
+        </p:nvPicPr>
+        <p:blipFill>
+          <a:blip r:embed="rId6"/>
+          <a:stretch>
+            <a:fillRect/>
+          </a:stretch>
+        </p:blipFill>
+        <p:spPr>
+          <a:xfrm>
+            <a:off x="1001139" y="5401961"/>
+            <a:ext cx="1862920" cy="231343"/>
+          </a:xfrm>
+          <a:prstGeom prst="rect">
+            <a:avLst/>
+          </a:prstGeom>
+        </p:spPr>
+      </p:pic>
+      <p:pic>
+        <p:nvPicPr>
+          <p:cNvPr id="12" name="Picture 11">
+            <a:extLst>
+              <a:ext uri="{FF2B5EF4-FFF2-40B4-BE49-F238E27FC236}">
+                <a16:creationId xmlns:a16="http://schemas.microsoft.com/office/drawing/2014/main" id="{2FCEB4EF-B8E1-4E7A-B0F5-723BAB2A4C8E}"/>
+              </a:ext>
+            </a:extLst>
+          </p:cNvPr>
+          <p:cNvPicPr>
+            <a:picLocks noChangeAspect="1"/>
+          </p:cNvPicPr>
+          <p:nvPr/>
+        </p:nvPicPr>
+        <p:blipFill>
+          <a:blip r:embed="rId7"/>
+          <a:stretch>
+            <a:fillRect/>
+          </a:stretch>
+        </p:blipFill>
+        <p:spPr>
+          <a:xfrm>
+            <a:off x="1001138" y="4137017"/>
+            <a:ext cx="1953555" cy="231342"/>
+          </a:xfrm>
+          <a:prstGeom prst="rect">
+            <a:avLst/>
+          </a:prstGeom>
+        </p:spPr>
+      </p:pic>
+    </p:spTree>
+    <p:extLst>
+      <p:ext uri="{BB962C8B-B14F-4D97-AF65-F5344CB8AC3E}">
+        <p14:creationId xmlns:p14="http://schemas.microsoft.com/office/powerpoint/2010/main" val="177569167"/>
+      </p:ext>
+    </p:extLst>
+  </p:cSld>
+  <p:clrMapOvr>
+    <a:masterClrMapping/>
+  </p:clrMapOvr>
+  <p:timing>
+    <p:tnLst>
+      <p:par>
+        <p:cTn id="1" dur="indefinite" restart="never" nodeType="tmRoot">
+          <p:childTnLst>
+            <p:seq concurrent="1" nextAc="seek">
+              <p:cTn id="2" dur="indefinite" nodeType="mainSeq">
+                <p:childTnLst>
+                  <p:par>
+                    <p:cTn id="3" fill="hold">
+                      <p:stCondLst>
+                        <p:cond delay="indefinite"/>
+                      </p:stCondLst>
+                      <p:childTnLst>
+                        <p:par>
+                          <p:cTn id="4" fill="hold">
+                            <p:stCondLst>
+                              <p:cond delay="0"/>
+                            </p:stCondLst>
+                            <p:childTnLst>
+                              <p:par>
+                                <p:cTn id="5" presetID="1" presetClass="entr" presetSubtype="0" fill="hold" nodeType="clickEffect">
+                                  <p:stCondLst>
+                                    <p:cond delay="0"/>
+                                  </p:stCondLst>
+                                  <p:childTnLst>
+                                    <p:set>
+                                      <p:cBhvr>
+                                        <p:cTn id="6" dur="1" fill="hold">
+                                          <p:stCondLst>
+                                            <p:cond delay="0"/>
+                                          </p:stCondLst>
+                                        </p:cTn>
+                                        <p:tgtEl>
+                                          <p:spTgt spid="12"/>
+                                        </p:tgtEl>
+                                        <p:attrNameLst>
+                                          <p:attrName>style.visibility</p:attrName>
+                                        </p:attrNameLst>
+                                      </p:cBhvr>
+                                      <p:to>
+                                        <p:strVal val="visible"/>
+                                      </p:to>
+                                    </p:set>
+                                  </p:childTnLst>
+                                </p:cTn>
+                              </p:par>
+                            </p:childTnLst>
+                          </p:cTn>
+                        </p:par>
+                      </p:childTnLst>
+                    </p:cTn>
+                  </p:par>
+                  <p:par>
+                    <p:cTn id="7" fill="hold">
+                      <p:stCondLst>
+                        <p:cond delay="indefinite"/>
+                      </p:stCondLst>
+                      <p:childTnLst>
+                        <p:par>
+                          <p:cTn id="8" fill="hold">
+                            <p:stCondLst>
+                              <p:cond delay="0"/>
+                            </p:stCondLst>
+                            <p:childTnLst>
+                              <p:par>
+                                <p:cTn id="9" presetID="1" presetClass="entr" presetSubtype="0" fill="hold" nodeType="clickEffect">
+                                  <p:stCondLst>
+                                    <p:cond delay="0"/>
+                                  </p:stCondLst>
+                                  <p:childTnLst>
+                                    <p:set>
+                                      <p:cBhvr>
+                                        <p:cTn id="10" dur="1" fill="hold">
+                                          <p:stCondLst>
+                                            <p:cond delay="0"/>
+                                          </p:stCondLst>
+                                        </p:cTn>
+                                        <p:tgtEl>
+                                          <p:spTgt spid="7"/>
+                                        </p:tgtEl>
+                                        <p:attrNameLst>
+                                          <p:attrName>style.visibility</p:attrName>
+                                        </p:attrNameLst>
+                                      </p:cBhvr>
+                                      <p:to>
+                                        <p:strVal val="visible"/>
+                                      </p:to>
+                                    </p:set>
+                                  </p:childTnLst>
+                                </p:cTn>
+                              </p:par>
+                            </p:childTnLst>
+                          </p:cTn>
+                        </p:par>
+                      </p:childTnLst>
+                    </p:cTn>
+                  </p:par>
+                </p:childTnLst>
+              </p:cTn>
+              <p:prevCondLst>
+                <p:cond evt="onPrev" delay="0">
+                  <p:tgtEl>
+                    <p:sldTgt/>
+                  </p:tgtEl>
+                </p:cond>
+              </p:prevCondLst>
+              <p:nextCondLst>
+                <p:cond evt="onNext" delay="0">
+                  <p:tgtEl>
+                    <p:sldTgt/>
+                  </p:tgtEl>
+                </p:cond>
+              </p:nextCondLst>
+            </p:seq>
+          </p:childTnLst>
+        </p:cTn>
+      </p:par>
+    </p:tnLst>
+  </p:timing>
+</p:sld>
+</file>
+
+<file path=ppt/slides/slide26.xml><?xml version="1.0" encoding="utf-8"?>
+<p:sld xmlns:a="http://schemas.openxmlformats.org/drawingml/2006/main" xmlns:r="http://schemas.openxmlformats.org/officeDocument/2006/relationships" xmlns:p="http://schemas.openxmlformats.org/presentationml/2006/main">
+  <p:cSld>
+    <p:spTree>
+      <p:nvGrpSpPr>
+        <p:cNvPr id="1" name=""/>
+        <p:cNvGrpSpPr/>
+        <p:nvPr/>
+      </p:nvGrpSpPr>
+      <p:grpSpPr>
+        <a:xfrm>
+          <a:off x="0" y="0"/>
+          <a:ext cx="0" cy="0"/>
+          <a:chOff x="0" y="0"/>
+          <a:chExt cx="0" cy="0"/>
+        </a:xfrm>
+      </p:grpSpPr>
+      <p:sp>
+        <p:nvSpPr>
+          <p:cNvPr id="2" name="Title 1"/>
+          <p:cNvSpPr>
+            <a:spLocks noGrp="1"/>
+          </p:cNvSpPr>
+          <p:nvPr>
+            <p:ph type="title"/>
+          </p:nvPr>
+        </p:nvSpPr>
+        <p:spPr/>
+        <p:txBody>
+          <a:bodyPr/>
+          <a:lstStyle/>
+          <a:p>
+            <a:r>
+              <a:rPr lang="de-DE" dirty="0"/>
+              <a:t>Questions?</a:t>
+            </a:r>
+            <a:endParaRPr lang="fr-FR" dirty="0"/>
+          </a:p>
+        </p:txBody>
+      </p:sp>
+      <p:pic>
+        <p:nvPicPr>
+          <p:cNvPr id="4" name="Content Placeholder 3"/>
+          <p:cNvPicPr>
+            <a:picLocks noGrp="1" noChangeAspect="1"/>
+          </p:cNvPicPr>
+          <p:nvPr>
+            <p:ph idx="1"/>
+          </p:nvPr>
+        </p:nvPicPr>
+        <p:blipFill>
+          <a:blip r:embed="rId2">
+            <a:extLst>
+              <a:ext uri="{28A0092B-C50C-407E-A947-70E740481C1C}">
+                <a14:useLocalDpi xmlns:a14="http://schemas.microsoft.com/office/drawing/2010/main" val="0"/>
+              </a:ext>
+            </a:extLst>
+          </a:blip>
+          <a:stretch>
+            <a:fillRect/>
+          </a:stretch>
+        </p:blipFill>
+        <p:spPr>
+          <a:xfrm>
+            <a:off x="759279" y="1777886"/>
+            <a:ext cx="2857500" cy="4076700"/>
+          </a:xfrm>
+        </p:spPr>
+      </p:pic>
+    </p:spTree>
+    <p:extLst>
+      <p:ext uri="{BB962C8B-B14F-4D97-AF65-F5344CB8AC3E}">
+        <p14:creationId xmlns:p14="http://schemas.microsoft.com/office/powerpoint/2010/main" val="3332327165"/>
+      </p:ext>
+    </p:extLst>
+  </p:cSld>
+  <p:clrMapOvr>
+    <a:masterClrMapping/>
+  </p:clrMapOvr>
+</p:sld>
+</file>
+
+<file path=ppt/slides/slide27.xml><?xml version="1.0" encoding="utf-8"?>
+<p:sld xmlns:a="http://schemas.openxmlformats.org/drawingml/2006/main" xmlns:r="http://schemas.openxmlformats.org/officeDocument/2006/relationships" xmlns:p="http://schemas.openxmlformats.org/presentationml/2006/main">
+  <p:cSld>
+    <p:spTree>
+      <p:nvGrpSpPr>
+        <p:cNvPr id="1" name=""/>
+        <p:cNvGrpSpPr/>
+        <p:nvPr/>
+      </p:nvGrpSpPr>
+      <p:grpSpPr>
+        <a:xfrm>
+          <a:off x="0" y="0"/>
+          <a:ext cx="0" cy="0"/>
+          <a:chOff x="0" y="0"/>
+          <a:chExt cx="0" cy="0"/>
+        </a:xfrm>
+      </p:grpSpPr>
+      <p:sp>
+        <p:nvSpPr>
+          <p:cNvPr id="2" name="Title 1">
+            <a:extLst>
+              <a:ext uri="{FF2B5EF4-FFF2-40B4-BE49-F238E27FC236}">
+                <a16:creationId xmlns:a16="http://schemas.microsoft.com/office/drawing/2014/main" id="{85804835-9C90-42F6-A300-A70B7095A17F}"/>
+              </a:ext>
+            </a:extLst>
+          </p:cNvPr>
+          <p:cNvSpPr>
+            <a:spLocks noGrp="1"/>
+          </p:cNvSpPr>
+          <p:nvPr>
+            <p:ph type="ctrTitle"/>
+          </p:nvPr>
+        </p:nvSpPr>
+        <p:spPr/>
+        <p:txBody>
+          <a:bodyPr/>
+          <a:lstStyle/>
+          <a:p>
+            <a:r>
+              <a:rPr lang="de-DE" dirty="0"/>
+              <a:t>Data collecting quality check</a:t>
+            </a:r>
+            <a:endParaRPr lang="en-US" dirty="0"/>
+          </a:p>
+        </p:txBody>
+      </p:sp>
+      <p:sp>
+        <p:nvSpPr>
+          <p:cNvPr id="3" name="Subtitle 2">
+            <a:extLst>
+              <a:ext uri="{FF2B5EF4-FFF2-40B4-BE49-F238E27FC236}">
+                <a16:creationId xmlns:a16="http://schemas.microsoft.com/office/drawing/2014/main" id="{15B0168F-D427-4A6E-B879-DC278EE2BBE4}"/>
+              </a:ext>
+            </a:extLst>
+          </p:cNvPr>
+          <p:cNvSpPr>
+            <a:spLocks noGrp="1"/>
+          </p:cNvSpPr>
+          <p:nvPr>
+            <p:ph type="subTitle" idx="1"/>
+          </p:nvPr>
+        </p:nvSpPr>
+        <p:spPr/>
+        <p:txBody>
+          <a:bodyPr/>
+          <a:lstStyle/>
+          <a:p>
+            <a:endParaRPr lang="en-US" dirty="0"/>
+          </a:p>
+        </p:txBody>
+      </p:sp>
+    </p:spTree>
+    <p:extLst>
+      <p:ext uri="{BB962C8B-B14F-4D97-AF65-F5344CB8AC3E}">
+        <p14:creationId xmlns:p14="http://schemas.microsoft.com/office/powerpoint/2010/main" val="3420298257"/>
+      </p:ext>
+    </p:extLst>
+  </p:cSld>
+  <p:clrMapOvr>
+    <a:masterClrMapping/>
+  </p:clrMapOvr>
+</p:sld>
+</file>
+
+<file path=ppt/slides/slide28.xml><?xml version="1.0" encoding="utf-8"?>
+<p:sld xmlns:a="http://schemas.openxmlformats.org/drawingml/2006/main" xmlns:r="http://schemas.openxmlformats.org/officeDocument/2006/relationships" xmlns:p="http://schemas.openxmlformats.org/presentationml/2006/main">
+  <p:cSld>
+    <p:spTree>
+      <p:nvGrpSpPr>
+        <p:cNvPr id="1" name=""/>
+        <p:cNvGrpSpPr/>
+        <p:nvPr/>
+      </p:nvGrpSpPr>
+      <p:grpSpPr>
+        <a:xfrm>
+          <a:off x="0" y="0"/>
+          <a:ext cx="0" cy="0"/>
+          <a:chOff x="0" y="0"/>
+          <a:chExt cx="0" cy="0"/>
+        </a:xfrm>
+      </p:grpSpPr>
+      <p:sp>
+        <p:nvSpPr>
+          <p:cNvPr id="2" name="Title 1">
+            <a:extLst>
+              <a:ext uri="{FF2B5EF4-FFF2-40B4-BE49-F238E27FC236}">
                 <a16:creationId xmlns:a16="http://schemas.microsoft.com/office/drawing/2014/main" id="{D38F1121-1F4F-422E-BD7B-D35B30BF7E0D}"/>
               </a:ext>
             </a:extLst>
@@ -6889,9 +9124,12 @@
               <a:rPr lang="en-US" b="1" dirty="0"/>
               <a:t>Data handling: collecting and </a:t>
             </a:r>
+            <a:br>
+              <a:rPr lang="en-US" b="1" dirty="0"/>
+            </a:br>
             <a:r>
               <a:rPr lang="en-US" b="1" dirty="0" err="1"/>
-              <a:t>organisation</a:t>
+              <a:t>organizating</a:t>
             </a:r>
             <a:br>
               <a:rPr lang="en-US" b="1" dirty="0"/>
@@ -7021,7 +9259,7 @@
 </p:sld>
 </file>
 
-<file path=ppt/slides/slide25.xml><?xml version="1.0" encoding="utf-8"?>
+<file path=ppt/slides/slide29.xml><?xml version="1.0" encoding="utf-8"?>
 <p:sld xmlns:a="http://schemas.openxmlformats.org/drawingml/2006/main" xmlns:r="http://schemas.openxmlformats.org/officeDocument/2006/relationships" xmlns:p="http://schemas.openxmlformats.org/presentationml/2006/main">
   <p:cSld>
     <p:spTree>
@@ -7065,9 +9303,12 @@
               <a:rPr lang="en-US" b="1" dirty="0"/>
               <a:t>Data handling: collecting and </a:t>
             </a:r>
-            <a:r>
-              <a:rPr lang="en-US" b="1" dirty="0" err="1"/>
-              <a:t>organisation</a:t>
+            <a:br>
+              <a:rPr lang="en-US" b="1" dirty="0"/>
+            </a:br>
+            <a:r>
+              <a:rPr lang="en-US" b="1" dirty="0"/>
+              <a:t>organization</a:t>
             </a:r>
             <a:br>
               <a:rPr lang="en-US" b="1" dirty="0"/>
@@ -7186,7 +9427,7 @@
 </p:sld>
 </file>
 
-<file path=ppt/slides/slide26.xml><?xml version="1.0" encoding="utf-8"?>
+<file path=ppt/slides/slide3.xml><?xml version="1.0" encoding="utf-8"?>
 <p:sld xmlns:a="http://schemas.openxmlformats.org/drawingml/2006/main" xmlns:r="http://schemas.openxmlformats.org/officeDocument/2006/relationships" xmlns:p="http://schemas.openxmlformats.org/presentationml/2006/main">
   <p:cSld>
     <p:spTree>
@@ -7205,13 +9446,7 @@
       </p:grpSpPr>
       <p:sp>
         <p:nvSpPr>
-          <p:cNvPr id="2" name="Title 1">
-            <a:extLst>
-              <a:ext uri="{FF2B5EF4-FFF2-40B4-BE49-F238E27FC236}">
-                <a16:creationId xmlns:a16="http://schemas.microsoft.com/office/drawing/2014/main" id="{CEE11B0D-355F-4F89-B62B-A4305405F437}"/>
-              </a:ext>
-            </a:extLst>
-          </p:cNvPr>
+          <p:cNvPr id="2" name="Title 1"/>
           <p:cNvSpPr>
             <a:spLocks noGrp="1"/>
           </p:cNvSpPr>
@@ -7224,26 +9459,37 @@
           <a:bodyPr/>
           <a:lstStyle/>
           <a:p>
-            <a:r>
-              <a:rPr lang="en-US" b="1" dirty="0"/>
-              <a:t>Error messages</a:t>
+            <a:pPr lvl="0"/>
+            <a:r>
+              <a:rPr lang="en-GB" b="1" dirty="0">
+                <a:latin typeface="Calibri Light" panose="020F0302020204030204" pitchFamily="34" charset="0"/>
+                <a:ea typeface="Calibri"/>
+                <a:cs typeface="Calibri Light" panose="020F0302020204030204" pitchFamily="34" charset="0"/>
+                <a:sym typeface="Calibri"/>
+              </a:rPr>
+              <a:t>Good Practice during this tutorial</a:t>
             </a:r>
             <a:br>
-              <a:rPr lang="en-US" b="1" dirty="0"/>
+              <a:rPr lang="en-GB" b="1" dirty="0">
+                <a:solidFill>
+                  <a:srgbClr val="000000"/>
+                </a:solidFill>
+                <a:latin typeface="Calibri Light" panose="020F0302020204030204" pitchFamily="34" charset="0"/>
+                <a:ea typeface="Calibri"/>
+                <a:cs typeface="Calibri Light" panose="020F0302020204030204" pitchFamily="34" charset="0"/>
+                <a:sym typeface="Calibri"/>
+              </a:rPr>
             </a:br>
-            <a:endParaRPr lang="en-US" dirty="0"/>
-          </a:p>
-        </p:txBody>
-      </p:sp>
-      <p:sp>
-        <p:nvSpPr>
-          <p:cNvPr id="3" name="Content Placeholder 2">
-            <a:extLst>
-              <a:ext uri="{FF2B5EF4-FFF2-40B4-BE49-F238E27FC236}">
-                <a16:creationId xmlns:a16="http://schemas.microsoft.com/office/drawing/2014/main" id="{E7AD7006-C7AE-484B-9D6C-F037A5503CF6}"/>
-              </a:ext>
-            </a:extLst>
-          </p:cNvPr>
+            <a:endParaRPr lang="fr-FR" b="1" dirty="0">
+              <a:latin typeface="Calibri Light" panose="020F0302020204030204" pitchFamily="34" charset="0"/>
+              <a:cs typeface="Calibri Light" panose="020F0302020204030204" pitchFamily="34" charset="0"/>
+            </a:endParaRPr>
+          </a:p>
+        </p:txBody>
+      </p:sp>
+      <p:sp>
+        <p:nvSpPr>
+          <p:cNvPr id="3" name="Content Placeholder 2"/>
           <p:cNvSpPr>
             <a:spLocks noGrp="1"/>
           </p:cNvSpPr>
@@ -7251,96 +9497,161 @@
             <p:ph idx="1"/>
           </p:nvPr>
         </p:nvSpPr>
-        <p:spPr/>
+        <p:spPr>
+          <a:xfrm>
+            <a:off x="681038" y="1761079"/>
+            <a:ext cx="8543925" cy="4351338"/>
+          </a:xfrm>
+        </p:spPr>
         <p:txBody>
           <a:bodyPr/>
           <a:lstStyle/>
           <a:p>
-            <a:r>
-              <a:rPr lang="en-US" dirty="0"/>
-              <a:t>Warnings should be acknowledged but can be ignored.</a:t>
-            </a:r>
-          </a:p>
-          <a:p>
-            <a:r>
-              <a:rPr lang="en-US" dirty="0"/>
-              <a:t>Specific hint? e.g.  </a:t>
-            </a:r>
-          </a:p>
-          <a:p>
-            <a:pPr lvl="1"/>
-            <a:r>
-              <a:rPr lang="en-US" dirty="0"/>
-              <a:t>wrong data format, characters/factors instead of numbers</a:t>
-            </a:r>
-          </a:p>
-          <a:p>
-            <a:pPr lvl="1"/>
-            <a:r>
-              <a:rPr lang="en-US" dirty="0"/>
-              <a:t>library not loaded, package not installed</a:t>
-            </a:r>
-          </a:p>
-          <a:p>
-            <a:r>
-              <a:rPr lang="en-US" dirty="0"/>
-              <a:t>Try running example code, and check the example input</a:t>
-            </a:r>
-          </a:p>
-          <a:p>
-            <a:r>
-              <a:rPr lang="en-US" dirty="0"/>
-              <a:t>Google is your friend – cheating is allowed</a:t>
-            </a:r>
-          </a:p>
-          <a:p>
-            <a:endParaRPr lang="en-US" dirty="0"/>
-          </a:p>
-        </p:txBody>
-      </p:sp>
-      <p:pic>
-        <p:nvPicPr>
-          <p:cNvPr id="4" name="Shape 85">
-            <a:extLst>
-              <a:ext uri="{FF2B5EF4-FFF2-40B4-BE49-F238E27FC236}">
-                <a16:creationId xmlns:a16="http://schemas.microsoft.com/office/drawing/2014/main" id="{948293B7-9CB6-4D5C-A617-36CE10A55B62}"/>
-              </a:ext>
-            </a:extLst>
-          </p:cNvPr>
-          <p:cNvPicPr preferRelativeResize="0"/>
-          <p:nvPr/>
-        </p:nvPicPr>
-        <p:blipFill>
-          <a:blip r:embed="rId2" cstate="print">
-            <a:alphaModFix/>
-            <a:extLst>
-              <a:ext uri="{28A0092B-C50C-407E-A947-70E740481C1C}">
-                <a14:useLocalDpi xmlns:a14="http://schemas.microsoft.com/office/drawing/2010/main"/>
-              </a:ext>
-            </a:extLst>
-          </a:blip>
-          <a:stretch>
-            <a:fillRect/>
-          </a:stretch>
-        </p:blipFill>
-        <p:spPr>
-          <a:xfrm>
-            <a:off x="7981025" y="0"/>
-            <a:ext cx="1918855" cy="1290918"/>
-          </a:xfrm>
-          <a:prstGeom prst="rect">
-            <a:avLst/>
-          </a:prstGeom>
-          <a:noFill/>
-          <a:ln>
-            <a:noFill/>
-          </a:ln>
-        </p:spPr>
-      </p:pic>
+            <a:pPr marL="342900" lvl="0" indent="-342900">
+              <a:spcBef>
+                <a:spcPts val="640"/>
+              </a:spcBef>
+              <a:buClr>
+                <a:srgbClr val="000000"/>
+              </a:buClr>
+              <a:buSzPts val="3200"/>
+            </a:pPr>
+            <a:r>
+              <a:rPr lang="en-US" dirty="0">
+                <a:solidFill>
+                  <a:srgbClr val="000000"/>
+                </a:solidFill>
+                <a:ea typeface="Calibri"/>
+                <a:cs typeface="Calibri"/>
+                <a:sym typeface="Calibri"/>
+              </a:rPr>
+              <a:t>PowerPoint interspersed with Challenges and Cats</a:t>
+            </a:r>
+          </a:p>
+          <a:p>
+            <a:pPr marL="342900" lvl="0" indent="-342900">
+              <a:spcBef>
+                <a:spcPts val="640"/>
+              </a:spcBef>
+              <a:buClr>
+                <a:srgbClr val="000000"/>
+              </a:buClr>
+              <a:buSzPts val="3200"/>
+            </a:pPr>
+            <a:r>
+              <a:rPr lang="en-US" dirty="0">
+                <a:solidFill>
+                  <a:srgbClr val="000000"/>
+                </a:solidFill>
+                <a:ea typeface="Calibri"/>
+                <a:cs typeface="Calibri"/>
+                <a:sym typeface="Calibri"/>
+              </a:rPr>
+              <a:t>Try things out</a:t>
+            </a:r>
+          </a:p>
+          <a:p>
+            <a:pPr marL="342900" lvl="0" indent="-342900">
+              <a:spcBef>
+                <a:spcPts val="640"/>
+              </a:spcBef>
+              <a:buClr>
+                <a:srgbClr val="000000"/>
+              </a:buClr>
+              <a:buSzPts val="3200"/>
+            </a:pPr>
+            <a:r>
+              <a:rPr lang="en-US" dirty="0">
+                <a:solidFill>
+                  <a:srgbClr val="000000"/>
+                </a:solidFill>
+                <a:ea typeface="Calibri"/>
+                <a:cs typeface="Calibri"/>
+                <a:sym typeface="Calibri"/>
+              </a:rPr>
+              <a:t>Ask lots of questions</a:t>
+            </a:r>
+          </a:p>
+          <a:p>
+            <a:pPr marL="342900" lvl="0" indent="-342900">
+              <a:spcBef>
+                <a:spcPts val="640"/>
+              </a:spcBef>
+              <a:buClr>
+                <a:srgbClr val="000000"/>
+              </a:buClr>
+              <a:buSzPts val="3200"/>
+            </a:pPr>
+            <a:r>
+              <a:rPr lang="en-US" dirty="0">
+                <a:solidFill>
+                  <a:srgbClr val="000000"/>
+                </a:solidFill>
+                <a:ea typeface="Calibri"/>
+                <a:cs typeface="Calibri"/>
+                <a:sym typeface="Calibri"/>
+              </a:rPr>
+              <a:t>Help your neighbor</a:t>
+            </a:r>
+          </a:p>
+          <a:p>
+            <a:pPr marL="342900" lvl="0" indent="-342900">
+              <a:spcBef>
+                <a:spcPts val="640"/>
+              </a:spcBef>
+              <a:buClr>
+                <a:srgbClr val="000000"/>
+              </a:buClr>
+              <a:buSzPts val="3200"/>
+            </a:pPr>
+            <a:r>
+              <a:rPr lang="en-US" dirty="0">
+                <a:ea typeface="Calibri"/>
+                <a:cs typeface="Calibri"/>
+                <a:sym typeface="Calibri"/>
+              </a:rPr>
+              <a:t>Take breaks if needed</a:t>
+            </a:r>
+            <a:endParaRPr lang="en-US" dirty="0">
+              <a:solidFill>
+                <a:srgbClr val="000000"/>
+              </a:solidFill>
+              <a:ea typeface="Calibri"/>
+              <a:cs typeface="Calibri"/>
+              <a:sym typeface="Calibri"/>
+            </a:endParaRPr>
+          </a:p>
+          <a:p>
+            <a:pPr marL="342900" lvl="0" indent="-342900">
+              <a:spcBef>
+                <a:spcPts val="640"/>
+              </a:spcBef>
+              <a:buClr>
+                <a:srgbClr val="000000"/>
+              </a:buClr>
+              <a:buSzPts val="3200"/>
+            </a:pPr>
+            <a:r>
+              <a:rPr lang="en-US" dirty="0">
+                <a:solidFill>
+                  <a:srgbClr val="000000"/>
+                </a:solidFill>
+                <a:ea typeface="Calibri"/>
+                <a:cs typeface="Calibri"/>
+                <a:sym typeface="Calibri"/>
+              </a:rPr>
+              <a:t>Cheat!</a:t>
+            </a:r>
+          </a:p>
+          <a:p>
+            <a:endParaRPr lang="fr-FR" dirty="0"/>
+          </a:p>
+        </p:txBody>
+      </p:sp>
     </p:spTree>
     <p:extLst>
       <p:ext uri="{BB962C8B-B14F-4D97-AF65-F5344CB8AC3E}">
-        <p14:creationId xmlns:p14="http://schemas.microsoft.com/office/powerpoint/2010/main" val="1269108127"/>
+        <p14:creationId xmlns:p14="http://schemas.microsoft.com/office/powerpoint/2010/main" val="2914230523"/>
       </p:ext>
     </p:extLst>
   </p:cSld>
@@ -7350,7 +9661,7 @@
 </p:sld>
 </file>
 
-<file path=ppt/slides/slide27.xml><?xml version="1.0" encoding="utf-8"?>
+<file path=ppt/slides/slide30.xml><?xml version="1.0" encoding="utf-8"?>
 <p:sld xmlns:a="http://schemas.openxmlformats.org/drawingml/2006/main" xmlns:r="http://schemas.openxmlformats.org/officeDocument/2006/relationships" xmlns:p="http://schemas.openxmlformats.org/presentationml/2006/main">
   <p:cSld>
     <p:spTree>
@@ -7382,152 +9693,18 @@
           <a:bodyPr/>
           <a:lstStyle/>
           <a:p>
-            <a:endParaRPr lang="fr-FR"/>
-          </a:p>
-        </p:txBody>
-      </p:sp>
-      <p:sp>
-        <p:nvSpPr>
-          <p:cNvPr id="4" name="Rectangle 3"/>
-          <p:cNvSpPr/>
-          <p:nvPr/>
-        </p:nvSpPr>
-        <p:spPr>
-          <a:xfrm>
-            <a:off x="729343" y="1807030"/>
-            <a:ext cx="8318599" cy="3693319"/>
-          </a:xfrm>
-          <a:prstGeom prst="rect">
-            <a:avLst/>
-          </a:prstGeom>
-        </p:spPr>
-        <p:txBody>
-          <a:bodyPr wrap="square">
-            <a:spAutoFit/>
-          </a:bodyPr>
-          <a:lstStyle/>
-          <a:p>
-            <a:pPr algn="ctr"/>
-            <a:r>
-              <a:rPr lang="en-US" dirty="0">
-                <a:cs typeface="Calibri"/>
-              </a:rPr>
-              <a:t>Your task before we get started!</a:t>
-            </a:r>
-          </a:p>
-          <a:p>
-            <a:pPr algn="ctr"/>
-            <a:endParaRPr lang="en-US" dirty="0">
-              <a:cs typeface="Calibri"/>
-            </a:endParaRPr>
-          </a:p>
-          <a:p>
-            <a:pPr algn="ctr"/>
-            <a:r>
-              <a:rPr lang="en-US" dirty="0">
-                <a:cs typeface="Calibri"/>
-              </a:rPr>
-              <a:t>Make sure that:</a:t>
-            </a:r>
-          </a:p>
-          <a:p>
-            <a:pPr algn="ctr"/>
-            <a:endParaRPr lang="en-US" dirty="0">
-              <a:cs typeface="Calibri"/>
-            </a:endParaRPr>
-          </a:p>
-          <a:p>
-            <a:pPr algn="ctr"/>
-            <a:r>
-              <a:rPr lang="en-US" dirty="0" err="1">
-                <a:cs typeface="Calibri"/>
-              </a:rPr>
-              <a:t>Rstudio</a:t>
-            </a:r>
-            <a:r>
-              <a:rPr lang="en-US" dirty="0">
-                <a:cs typeface="Calibri"/>
-              </a:rPr>
-              <a:t> is installed properly in your computer </a:t>
-            </a:r>
-          </a:p>
-          <a:p>
-            <a:pPr algn="ctr"/>
-            <a:endParaRPr lang="en-US" dirty="0">
-              <a:cs typeface="Calibri"/>
-            </a:endParaRPr>
-          </a:p>
-          <a:p>
-            <a:pPr algn="ctr"/>
-            <a:r>
-              <a:rPr lang="en-US" dirty="0">
-                <a:cs typeface="Calibri"/>
-              </a:rPr>
-              <a:t>The following packages have been installed:</a:t>
-            </a:r>
-          </a:p>
-          <a:p>
-            <a:pPr algn="ctr"/>
-            <a:endParaRPr lang="en-US" dirty="0">
-              <a:cs typeface="Calibri"/>
-            </a:endParaRPr>
-          </a:p>
-          <a:p>
-            <a:pPr algn="ctr"/>
-            <a:r>
-              <a:rPr lang="en-US" dirty="0" err="1">
-                <a:cs typeface="Calibri"/>
-              </a:rPr>
-              <a:t>tidyverse</a:t>
-            </a:r>
-            <a:endParaRPr lang="en-US" dirty="0">
-              <a:cs typeface="Calibri"/>
-            </a:endParaRPr>
-          </a:p>
-          <a:p>
-            <a:pPr algn="ctr"/>
-            <a:r>
-              <a:rPr lang="en-US" dirty="0" err="1">
-                <a:cs typeface="Calibri"/>
-              </a:rPr>
-              <a:t>dplyr</a:t>
-            </a:r>
-            <a:endParaRPr lang="en-US" dirty="0">
-              <a:cs typeface="Calibri"/>
-            </a:endParaRPr>
-          </a:p>
-          <a:p>
-            <a:pPr algn="ctr"/>
-            <a:endParaRPr lang="en-US" dirty="0">
-              <a:cs typeface="Calibri"/>
-            </a:endParaRPr>
-          </a:p>
-          <a:p>
-            <a:pPr algn="ctr"/>
-            <a:endParaRPr lang="en-US" dirty="0">
-              <a:cs typeface="Calibri"/>
-            </a:endParaRPr>
-          </a:p>
-          <a:p>
-            <a:pPr algn="ctr"/>
-            <a:r>
-              <a:rPr lang="en-US" dirty="0">
-                <a:cs typeface="Calibri"/>
-              </a:rPr>
-              <a:t>use </a:t>
-            </a:r>
-            <a:r>
-              <a:rPr lang="en-US" dirty="0" err="1">
-                <a:cs typeface="Calibri"/>
-              </a:rPr>
-              <a:t>install.packages</a:t>
-            </a:r>
-            <a:r>
-              <a:rPr lang="en-US" dirty="0">
-                <a:cs typeface="Calibri"/>
-              </a:rPr>
-              <a:t>() function to install them</a:t>
-            </a:r>
+            <a:r>
+              <a:rPr lang="en-US" b="1" dirty="0"/>
+              <a:t>Data handling: </a:t>
+            </a:r>
+            <a:br>
+              <a:rPr lang="en-US" b="1" dirty="0"/>
+            </a:br>
+            <a:r>
+              <a:rPr lang="en-US" b="1" dirty="0"/>
+              <a:t>Tutorial</a:t>
+            </a:r>
+            <a:endParaRPr lang="fr-FR" dirty="0"/>
           </a:p>
         </p:txBody>
       </p:sp>
@@ -7572,10 +9749,150 @@
           </a:ln>
         </p:spPr>
       </p:pic>
+      <p:pic>
+        <p:nvPicPr>
+          <p:cNvPr id="6" name="Shape 84">
+            <a:extLst>
+              <a:ext uri="{FF2B5EF4-FFF2-40B4-BE49-F238E27FC236}">
+                <a16:creationId xmlns:a16="http://schemas.microsoft.com/office/drawing/2014/main" id="{2DA40785-C47F-4925-BF03-FEA831E617EB}"/>
+              </a:ext>
+            </a:extLst>
+          </p:cNvPr>
+          <p:cNvPicPr preferRelativeResize="0">
+            <a:picLocks noChangeAspect="1"/>
+          </p:cNvPicPr>
+          <p:nvPr/>
+        </p:nvPicPr>
+        <p:blipFill>
+          <a:blip r:embed="rId2" cstate="print">
+            <a:alphaModFix/>
+            <a:extLst>
+              <a:ext uri="{28A0092B-C50C-407E-A947-70E740481C1C}">
+                <a14:useLocalDpi xmlns:a14="http://schemas.microsoft.com/office/drawing/2010/main"/>
+              </a:ext>
+            </a:extLst>
+          </a:blip>
+          <a:stretch>
+            <a:fillRect/>
+          </a:stretch>
+        </p:blipFill>
+        <p:spPr>
+          <a:xfrm>
+            <a:off x="7962105" y="-1"/>
+            <a:ext cx="1901895" cy="1325563"/>
+          </a:xfrm>
+          <a:prstGeom prst="rect">
+            <a:avLst/>
+          </a:prstGeom>
+          <a:noFill/>
+          <a:ln>
+            <a:noFill/>
+          </a:ln>
+        </p:spPr>
+      </p:pic>
+      <p:sp>
+        <p:nvSpPr>
+          <p:cNvPr id="7" name="Content Placeholder 2">
+            <a:extLst>
+              <a:ext uri="{FF2B5EF4-FFF2-40B4-BE49-F238E27FC236}">
+                <a16:creationId xmlns:a16="http://schemas.microsoft.com/office/drawing/2014/main" id="{A88B4B2A-E93B-476F-848A-60E4E64DBEE5}"/>
+              </a:ext>
+            </a:extLst>
+          </p:cNvPr>
+          <p:cNvSpPr>
+            <a:spLocks noGrp="1"/>
+          </p:cNvSpPr>
+          <p:nvPr>
+            <p:ph idx="1"/>
+          </p:nvPr>
+        </p:nvSpPr>
+        <p:spPr>
+          <a:xfrm>
+            <a:off x="681038" y="1825625"/>
+            <a:ext cx="8942356" cy="4351338"/>
+          </a:xfrm>
+        </p:spPr>
+        <p:txBody>
+          <a:bodyPr/>
+          <a:lstStyle/>
+          <a:p>
+            <a:pPr marL="0" indent="0">
+              <a:buNone/>
+            </a:pPr>
+            <a:endParaRPr lang="en-US" b="1" dirty="0"/>
+          </a:p>
+          <a:p>
+            <a:pPr marL="0" indent="0">
+              <a:buNone/>
+            </a:pPr>
+            <a:r>
+              <a:rPr lang="en-US" dirty="0"/>
+              <a:t>Open tutorial file: </a:t>
+            </a:r>
+          </a:p>
+          <a:p>
+            <a:pPr marL="0" indent="0">
+              <a:buNone/>
+            </a:pPr>
+            <a:r>
+              <a:rPr lang="en-US" dirty="0"/>
+              <a:t>./Tutorials/ 1_Intro_to_Data_Manipulation_EXERCISE.</a:t>
+            </a:r>
+            <a:r>
+              <a:rPr lang="en-US" b="1" dirty="0"/>
+              <a:t>html</a:t>
+            </a:r>
+          </a:p>
+          <a:p>
+            <a:pPr marL="0" indent="0">
+              <a:buNone/>
+            </a:pPr>
+            <a:endParaRPr lang="en-US" b="1" dirty="0"/>
+          </a:p>
+          <a:p>
+            <a:pPr marL="0" indent="0">
+              <a:buNone/>
+            </a:pPr>
+            <a:endParaRPr lang="en-US" b="1" dirty="0"/>
+          </a:p>
+          <a:p>
+            <a:pPr marL="0" indent="0">
+              <a:buNone/>
+            </a:pPr>
+            <a:r>
+              <a:rPr lang="en-US" dirty="0"/>
+              <a:t>Rules for this tutorial: </a:t>
+            </a:r>
+            <a:br>
+              <a:rPr lang="en-US" dirty="0"/>
+            </a:br>
+            <a:r>
+              <a:rPr lang="en-US" dirty="0"/>
+              <a:t>	</a:t>
+            </a:r>
+            <a:r>
+              <a:rPr lang="en-US" sz="2400" dirty="0"/>
+              <a:t>Run all the code on your laptop</a:t>
+            </a:r>
+          </a:p>
+          <a:p>
+            <a:pPr marL="0" indent="0">
+              <a:buNone/>
+            </a:pPr>
+            <a:r>
+              <a:rPr lang="en-US" sz="2400" b="1" dirty="0"/>
+              <a:t>	NO COPY PASTING ALLOWED</a:t>
+            </a:r>
+          </a:p>
+          <a:p>
+            <a:endParaRPr lang="en-US" dirty="0"/>
+          </a:p>
+        </p:txBody>
+      </p:sp>
     </p:spTree>
     <p:extLst>
       <p:ext uri="{BB962C8B-B14F-4D97-AF65-F5344CB8AC3E}">
-        <p14:creationId xmlns:p14="http://schemas.microsoft.com/office/powerpoint/2010/main" val="4139681385"/>
+        <p14:creationId xmlns:p14="http://schemas.microsoft.com/office/powerpoint/2010/main" val="2501590302"/>
       </p:ext>
     </p:extLst>
   </p:cSld>
@@ -7585,7 +9902,7 @@
 </p:sld>
 </file>
 
-<file path=ppt/slides/slide3.xml><?xml version="1.0" encoding="utf-8"?>
+<file path=ppt/slides/slide31.xml><?xml version="1.0" encoding="utf-8"?>
 <p:sld xmlns:a="http://schemas.openxmlformats.org/drawingml/2006/main" xmlns:r="http://schemas.openxmlformats.org/officeDocument/2006/relationships" xmlns:p="http://schemas.openxmlformats.org/presentationml/2006/main">
   <p:cSld>
     <p:spTree>
@@ -7617,34 +9934,112 @@
           <a:bodyPr/>
           <a:lstStyle/>
           <a:p>
-            <a:pPr lvl="0"/>
-            <a:r>
-              <a:rPr lang="en-GB" dirty="0">
-                <a:latin typeface="Calibri"/>
-                <a:ea typeface="Calibri"/>
-                <a:cs typeface="Calibri"/>
-                <a:sym typeface="Calibri"/>
-              </a:rPr>
-              <a:t>Good Practice during this tutorial</a:t>
+            <a:r>
+              <a:rPr lang="en-US" b="1" dirty="0"/>
+              <a:t>Data handling: </a:t>
             </a:r>
             <a:br>
-              <a:rPr lang="en-GB" dirty="0">
-                <a:solidFill>
-                  <a:srgbClr val="000000"/>
-                </a:solidFill>
-                <a:latin typeface="Calibri"/>
-                <a:ea typeface="Calibri"/>
-                <a:cs typeface="Calibri"/>
-                <a:sym typeface="Calibri"/>
-              </a:rPr>
+              <a:rPr lang="en-US" b="1" dirty="0"/>
             </a:br>
+            <a:r>
+              <a:rPr lang="en-US" b="1" dirty="0"/>
+              <a:t>Practice time!</a:t>
+            </a:r>
             <a:endParaRPr lang="fr-FR" dirty="0"/>
           </a:p>
         </p:txBody>
       </p:sp>
-      <p:sp>
-        <p:nvSpPr>
-          <p:cNvPr id="3" name="Content Placeholder 2"/>
+      <p:pic>
+        <p:nvPicPr>
+          <p:cNvPr id="5" name="Shape 84">
+            <a:extLst>
+              <a:ext uri="{FF2B5EF4-FFF2-40B4-BE49-F238E27FC236}">
+                <a16:creationId xmlns:a16="http://schemas.microsoft.com/office/drawing/2014/main" id="{17B676F2-A107-45D0-BE9D-8BD2BE42E50C}"/>
+              </a:ext>
+            </a:extLst>
+          </p:cNvPr>
+          <p:cNvPicPr preferRelativeResize="0">
+            <a:picLocks noChangeAspect="1"/>
+          </p:cNvPicPr>
+          <p:nvPr/>
+        </p:nvPicPr>
+        <p:blipFill>
+          <a:blip r:embed="rId2" cstate="print">
+            <a:alphaModFix/>
+            <a:extLst>
+              <a:ext uri="{28A0092B-C50C-407E-A947-70E740481C1C}">
+                <a14:useLocalDpi xmlns:a14="http://schemas.microsoft.com/office/drawing/2010/main"/>
+              </a:ext>
+            </a:extLst>
+          </a:blip>
+          <a:stretch>
+            <a:fillRect/>
+          </a:stretch>
+        </p:blipFill>
+        <p:spPr>
+          <a:xfrm>
+            <a:off x="8327943" y="49997"/>
+            <a:ext cx="1440000" cy="1003636"/>
+          </a:xfrm>
+          <a:prstGeom prst="rect">
+            <a:avLst/>
+          </a:prstGeom>
+          <a:noFill/>
+          <a:ln>
+            <a:noFill/>
+          </a:ln>
+        </p:spPr>
+      </p:pic>
+      <p:pic>
+        <p:nvPicPr>
+          <p:cNvPr id="6" name="Shape 84">
+            <a:extLst>
+              <a:ext uri="{FF2B5EF4-FFF2-40B4-BE49-F238E27FC236}">
+                <a16:creationId xmlns:a16="http://schemas.microsoft.com/office/drawing/2014/main" id="{2DA40785-C47F-4925-BF03-FEA831E617EB}"/>
+              </a:ext>
+            </a:extLst>
+          </p:cNvPr>
+          <p:cNvPicPr preferRelativeResize="0">
+            <a:picLocks noChangeAspect="1"/>
+          </p:cNvPicPr>
+          <p:nvPr/>
+        </p:nvPicPr>
+        <p:blipFill>
+          <a:blip r:embed="rId2" cstate="print">
+            <a:alphaModFix/>
+            <a:extLst>
+              <a:ext uri="{28A0092B-C50C-407E-A947-70E740481C1C}">
+                <a14:useLocalDpi xmlns:a14="http://schemas.microsoft.com/office/drawing/2010/main"/>
+              </a:ext>
+            </a:extLst>
+          </a:blip>
+          <a:stretch>
+            <a:fillRect/>
+          </a:stretch>
+        </p:blipFill>
+        <p:spPr>
+          <a:xfrm>
+            <a:off x="7962105" y="-1"/>
+            <a:ext cx="1901895" cy="1325563"/>
+          </a:xfrm>
+          <a:prstGeom prst="rect">
+            <a:avLst/>
+          </a:prstGeom>
+          <a:noFill/>
+          <a:ln>
+            <a:noFill/>
+          </a:ln>
+        </p:spPr>
+      </p:pic>
+      <p:sp>
+        <p:nvSpPr>
+          <p:cNvPr id="7" name="Content Placeholder 2">
+            <a:extLst>
+              <a:ext uri="{FF2B5EF4-FFF2-40B4-BE49-F238E27FC236}">
+                <a16:creationId xmlns:a16="http://schemas.microsoft.com/office/drawing/2014/main" id="{A88B4B2A-E93B-476F-848A-60E4E64DBEE5}"/>
+              </a:ext>
+            </a:extLst>
+          </p:cNvPr>
           <p:cNvSpPr>
             <a:spLocks noGrp="1"/>
           </p:cNvSpPr>
@@ -7654,7 +10049,7 @@
         </p:nvSpPr>
         <p:spPr>
           <a:xfrm>
-            <a:off x="681038" y="1761079"/>
+            <a:off x="681038" y="1825625"/>
             <a:ext cx="8543925" cy="4351338"/>
           </a:xfrm>
         </p:spPr>
@@ -7662,129 +10057,38 @@
           <a:bodyPr/>
           <a:lstStyle/>
           <a:p>
-            <a:pPr marL="342900" lvl="0" indent="-342900">
-              <a:spcBef>
-                <a:spcPts val="640"/>
-              </a:spcBef>
-              <a:buClr>
-                <a:srgbClr val="000000"/>
-              </a:buClr>
-              <a:buSzPts val="3200"/>
+            <a:pPr marL="0" indent="0">
+              <a:buNone/>
             </a:pPr>
             <a:r>
-              <a:rPr lang="en-US" dirty="0">
-                <a:solidFill>
-                  <a:srgbClr val="000000"/>
-                </a:solidFill>
-                <a:ea typeface="Calibri"/>
-                <a:cs typeface="Calibri"/>
-                <a:sym typeface="Calibri"/>
-              </a:rPr>
-              <a:t>PowerPoint interspersed with Challenges</a:t>
-            </a:r>
-          </a:p>
-          <a:p>
-            <a:pPr marL="342900" lvl="0" indent="-342900">
-              <a:spcBef>
-                <a:spcPts val="640"/>
-              </a:spcBef>
-              <a:buClr>
-                <a:srgbClr val="000000"/>
-              </a:buClr>
-              <a:buSzPts val="3200"/>
+              <a:rPr lang="en-US" b="1" dirty="0"/>
+              <a:t>Tutorial file:</a:t>
+            </a:r>
+          </a:p>
+          <a:p>
+            <a:pPr marL="0" indent="0">
+              <a:buNone/>
             </a:pPr>
             <a:r>
-              <a:rPr lang="en-US" dirty="0">
-                <a:solidFill>
-                  <a:srgbClr val="000000"/>
-                </a:solidFill>
-                <a:ea typeface="Calibri"/>
-                <a:cs typeface="Calibri"/>
-                <a:sym typeface="Calibri"/>
-              </a:rPr>
-              <a:t>Ask lots of questions!</a:t>
-            </a:r>
-          </a:p>
-          <a:p>
-            <a:pPr marL="342900" lvl="0" indent="-342900">
-              <a:spcBef>
-                <a:spcPts val="640"/>
-              </a:spcBef>
-              <a:buClr>
-                <a:srgbClr val="000000"/>
-              </a:buClr>
-              <a:buSzPts val="3200"/>
+              <a:rPr lang="en-US" b="1" dirty="0"/>
+              <a:t> 1_Intro_to_Data_Manipulation_EXERCISE.html</a:t>
+            </a:r>
+          </a:p>
+          <a:p>
+            <a:pPr marL="0" indent="0">
+              <a:buNone/>
             </a:pPr>
-            <a:r>
-              <a:rPr lang="en-US" dirty="0">
-                <a:solidFill>
-                  <a:srgbClr val="000000"/>
-                </a:solidFill>
-                <a:ea typeface="Calibri"/>
-                <a:cs typeface="Calibri"/>
-                <a:sym typeface="Calibri"/>
-              </a:rPr>
-              <a:t>Work together</a:t>
-            </a:r>
-          </a:p>
-          <a:p>
-            <a:pPr marL="342900" lvl="0" indent="-342900">
-              <a:spcBef>
-                <a:spcPts val="640"/>
-              </a:spcBef>
-              <a:buClr>
-                <a:srgbClr val="000000"/>
-              </a:buClr>
-              <a:buSzPts val="3200"/>
-            </a:pPr>
-            <a:r>
-              <a:rPr lang="en-US" dirty="0">
-                <a:ea typeface="Calibri"/>
-                <a:cs typeface="Calibri"/>
-                <a:sym typeface="Calibri"/>
-              </a:rPr>
-              <a:t>Take breaks</a:t>
-            </a:r>
-            <a:endParaRPr lang="en-US" dirty="0">
-              <a:solidFill>
-                <a:srgbClr val="000000"/>
-              </a:solidFill>
-              <a:ea typeface="Calibri"/>
-              <a:cs typeface="Calibri"/>
-              <a:sym typeface="Calibri"/>
-            </a:endParaRPr>
-          </a:p>
-          <a:p>
-            <a:pPr marL="342900" lvl="0" indent="-342900">
-              <a:spcBef>
-                <a:spcPts val="640"/>
-              </a:spcBef>
-              <a:buClr>
-                <a:srgbClr val="000000"/>
-              </a:buClr>
-              <a:buSzPts val="3200"/>
-            </a:pPr>
-            <a:r>
-              <a:rPr lang="en-US" dirty="0">
-                <a:solidFill>
-                  <a:srgbClr val="000000"/>
-                </a:solidFill>
-                <a:ea typeface="Calibri"/>
-                <a:cs typeface="Calibri"/>
-                <a:sym typeface="Calibri"/>
-              </a:rPr>
-              <a:t>Cheat!</a:t>
-            </a:r>
-          </a:p>
-          <a:p>
-            <a:endParaRPr lang="fr-FR" dirty="0"/>
+            <a:endParaRPr lang="en-US" dirty="0"/>
+          </a:p>
+          <a:p>
+            <a:endParaRPr lang="en-US" dirty="0"/>
           </a:p>
         </p:txBody>
       </p:sp>
     </p:spTree>
     <p:extLst>
       <p:ext uri="{BB962C8B-B14F-4D97-AF65-F5344CB8AC3E}">
-        <p14:creationId xmlns:p14="http://schemas.microsoft.com/office/powerpoint/2010/main" val="2914230523"/>
+        <p14:creationId xmlns:p14="http://schemas.microsoft.com/office/powerpoint/2010/main" val="4139681385"/>
       </p:ext>
     </p:extLst>
   </p:cSld>
@@ -8194,6 +10498,421 @@
       </p:grpSpPr>
       <p:sp>
         <p:nvSpPr>
+          <p:cNvPr id="4" name="Shape 83"/>
+          <p:cNvSpPr txBox="1"/>
+          <p:nvPr/>
+        </p:nvSpPr>
+        <p:spPr>
+          <a:xfrm>
+            <a:off x="576300" y="231475"/>
+            <a:ext cx="7991400" cy="911400"/>
+          </a:xfrm>
+          <a:prstGeom prst="rect">
+            <a:avLst/>
+          </a:prstGeom>
+          <a:noFill/>
+          <a:ln>
+            <a:noFill/>
+          </a:ln>
+        </p:spPr>
+        <p:txBody>
+          <a:bodyPr spcFirstLastPara="1" wrap="square" lIns="91425" tIns="45700" rIns="91425" bIns="45700" anchor="ctr" anchorCtr="0">
+            <a:noAutofit/>
+          </a:bodyPr>
+          <a:lstStyle/>
+          <a:p>
+            <a:pPr marL="0" lvl="0" indent="0" algn="ctr" rtl="0">
+              <a:spcBef>
+                <a:spcPts val="0"/>
+              </a:spcBef>
+              <a:spcAft>
+                <a:spcPts val="0"/>
+              </a:spcAft>
+              <a:buNone/>
+            </a:pPr>
+            <a:r>
+              <a:rPr lang="en-GB" sz="4400" dirty="0">
+                <a:latin typeface="Calibri"/>
+                <a:ea typeface="Calibri"/>
+                <a:cs typeface="Calibri"/>
+                <a:sym typeface="Calibri"/>
+              </a:rPr>
+              <a:t>Watching </a:t>
+            </a:r>
+            <a:r>
+              <a:rPr lang="en-GB" sz="4400" i="1" dirty="0">
+                <a:latin typeface="Calibri"/>
+                <a:ea typeface="Calibri"/>
+                <a:cs typeface="Calibri"/>
+                <a:sym typeface="Calibri"/>
+              </a:rPr>
+              <a:t>vs.</a:t>
+            </a:r>
+            <a:r>
+              <a:rPr lang="en-GB" sz="4400" dirty="0">
+                <a:latin typeface="Calibri"/>
+                <a:ea typeface="Calibri"/>
+                <a:cs typeface="Calibri"/>
+                <a:sym typeface="Calibri"/>
+              </a:rPr>
+              <a:t> Doing</a:t>
+            </a:r>
+            <a:endParaRPr sz="4400" dirty="0">
+              <a:solidFill>
+                <a:srgbClr val="000000"/>
+              </a:solidFill>
+              <a:latin typeface="Calibri"/>
+              <a:ea typeface="Calibri"/>
+              <a:cs typeface="Calibri"/>
+              <a:sym typeface="Calibri"/>
+            </a:endParaRPr>
+          </a:p>
+        </p:txBody>
+      </p:sp>
+      <p:pic>
+        <p:nvPicPr>
+          <p:cNvPr id="5" name="Shape 84"/>
+          <p:cNvPicPr preferRelativeResize="0"/>
+          <p:nvPr/>
+        </p:nvPicPr>
+        <p:blipFill>
+          <a:blip r:embed="rId2">
+            <a:alphaModFix/>
+            <a:extLst>
+              <a:ext uri="{28A0092B-C50C-407E-A947-70E740481C1C}">
+                <a14:useLocalDpi xmlns:a14="http://schemas.microsoft.com/office/drawing/2010/main"/>
+              </a:ext>
+            </a:extLst>
+          </a:blip>
+          <a:stretch>
+            <a:fillRect/>
+          </a:stretch>
+        </p:blipFill>
+        <p:spPr>
+          <a:xfrm>
+            <a:off x="5533837" y="2140693"/>
+            <a:ext cx="2793225" cy="1935100"/>
+          </a:xfrm>
+          <a:prstGeom prst="rect">
+            <a:avLst/>
+          </a:prstGeom>
+          <a:noFill/>
+          <a:ln>
+            <a:noFill/>
+          </a:ln>
+        </p:spPr>
+      </p:pic>
+      <p:pic>
+        <p:nvPicPr>
+          <p:cNvPr id="6" name="Shape 85"/>
+          <p:cNvPicPr preferRelativeResize="0"/>
+          <p:nvPr/>
+        </p:nvPicPr>
+        <p:blipFill>
+          <a:blip r:embed="rId3" cstate="print">
+            <a:alphaModFix/>
+            <a:extLst>
+              <a:ext uri="{28A0092B-C50C-407E-A947-70E740481C1C}">
+                <a14:useLocalDpi xmlns:a14="http://schemas.microsoft.com/office/drawing/2010/main"/>
+              </a:ext>
+            </a:extLst>
+          </a:blip>
+          <a:stretch>
+            <a:fillRect/>
+          </a:stretch>
+        </p:blipFill>
+        <p:spPr>
+          <a:xfrm>
+            <a:off x="816937" y="2140693"/>
+            <a:ext cx="2979675" cy="1984124"/>
+          </a:xfrm>
+          <a:prstGeom prst="rect">
+            <a:avLst/>
+          </a:prstGeom>
+          <a:noFill/>
+          <a:ln>
+            <a:noFill/>
+          </a:ln>
+        </p:spPr>
+      </p:pic>
+      <p:sp>
+        <p:nvSpPr>
+          <p:cNvPr id="7" name="Shape 86"/>
+          <p:cNvSpPr txBox="1"/>
+          <p:nvPr/>
+        </p:nvSpPr>
+        <p:spPr>
+          <a:xfrm>
+            <a:off x="985375" y="4245418"/>
+            <a:ext cx="2877000" cy="417300"/>
+          </a:xfrm>
+          <a:prstGeom prst="rect">
+            <a:avLst/>
+          </a:prstGeom>
+          <a:noFill/>
+          <a:ln>
+            <a:noFill/>
+          </a:ln>
+        </p:spPr>
+        <p:txBody>
+          <a:bodyPr spcFirstLastPara="1" wrap="square" lIns="91425" tIns="91425" rIns="91425" bIns="91425" anchor="t" anchorCtr="0">
+            <a:noAutofit/>
+          </a:bodyPr>
+          <a:lstStyle/>
+          <a:p>
+            <a:pPr marL="0" lvl="0" indent="0" algn="ctr">
+              <a:spcBef>
+                <a:spcPts val="0"/>
+              </a:spcBef>
+              <a:spcAft>
+                <a:spcPts val="0"/>
+              </a:spcAft>
+              <a:buNone/>
+            </a:pPr>
+            <a:r>
+              <a:rPr lang="en-GB" sz="1600" b="1" dirty="0"/>
+              <a:t>Listen</a:t>
+            </a:r>
+            <a:r>
+              <a:rPr lang="en-GB" sz="1600" dirty="0"/>
+              <a:t> when you see this cat</a:t>
+            </a:r>
+            <a:endParaRPr sz="1600" dirty="0"/>
+          </a:p>
+        </p:txBody>
+      </p:sp>
+      <p:sp>
+        <p:nvSpPr>
+          <p:cNvPr id="8" name="Shape 87"/>
+          <p:cNvSpPr txBox="1"/>
+          <p:nvPr/>
+        </p:nvSpPr>
+        <p:spPr>
+          <a:xfrm>
+            <a:off x="5579700" y="4245418"/>
+            <a:ext cx="2701500" cy="417300"/>
+          </a:xfrm>
+          <a:prstGeom prst="rect">
+            <a:avLst/>
+          </a:prstGeom>
+          <a:noFill/>
+          <a:ln>
+            <a:noFill/>
+          </a:ln>
+        </p:spPr>
+        <p:txBody>
+          <a:bodyPr spcFirstLastPara="1" wrap="square" lIns="91425" tIns="91425" rIns="91425" bIns="91425" anchor="t" anchorCtr="0">
+            <a:noAutofit/>
+          </a:bodyPr>
+          <a:lstStyle/>
+          <a:p>
+            <a:pPr marL="0" lvl="0" indent="0" algn="ctr" rtl="0">
+              <a:spcBef>
+                <a:spcPts val="0"/>
+              </a:spcBef>
+              <a:spcAft>
+                <a:spcPts val="0"/>
+              </a:spcAft>
+              <a:buNone/>
+            </a:pPr>
+            <a:r>
+              <a:rPr lang="en-GB" sz="1600" b="1" dirty="0"/>
+              <a:t>Do</a:t>
+            </a:r>
+            <a:r>
+              <a:rPr lang="en-GB" sz="1600" dirty="0"/>
+              <a:t> when you see this cat</a:t>
+            </a:r>
+            <a:endParaRPr sz="1600" dirty="0"/>
+          </a:p>
+        </p:txBody>
+      </p:sp>
+    </p:spTree>
+    <p:extLst>
+      <p:ext uri="{BB962C8B-B14F-4D97-AF65-F5344CB8AC3E}">
+        <p14:creationId xmlns:p14="http://schemas.microsoft.com/office/powerpoint/2010/main" val="2656301899"/>
+      </p:ext>
+    </p:extLst>
+  </p:cSld>
+  <p:clrMapOvr>
+    <a:masterClrMapping/>
+  </p:clrMapOvr>
+</p:sld>
+</file>
+
+<file path=ppt/slides/slide6.xml><?xml version="1.0" encoding="utf-8"?>
+<p:sld xmlns:a="http://schemas.openxmlformats.org/drawingml/2006/main" xmlns:r="http://schemas.openxmlformats.org/officeDocument/2006/relationships" xmlns:p="http://schemas.openxmlformats.org/presentationml/2006/main">
+  <p:cSld>
+    <p:spTree>
+      <p:nvGrpSpPr>
+        <p:cNvPr id="1" name=""/>
+        <p:cNvGrpSpPr/>
+        <p:nvPr/>
+      </p:nvGrpSpPr>
+      <p:grpSpPr>
+        <a:xfrm>
+          <a:off x="0" y="0"/>
+          <a:ext cx="0" cy="0"/>
+          <a:chOff x="0" y="0"/>
+          <a:chExt cx="0" cy="0"/>
+        </a:xfrm>
+      </p:grpSpPr>
+      <p:sp>
+        <p:nvSpPr>
+          <p:cNvPr id="3" name="Content Placeholder 2"/>
+          <p:cNvSpPr>
+            <a:spLocks noGrp="1"/>
+          </p:cNvSpPr>
+          <p:nvPr>
+            <p:ph idx="1"/>
+          </p:nvPr>
+        </p:nvSpPr>
+        <p:spPr/>
+        <p:txBody>
+          <a:bodyPr/>
+          <a:lstStyle/>
+          <a:p>
+            <a:r>
+              <a:rPr lang="fr-FR" dirty="0">
+                <a:hlinkClick r:id="rId2"/>
+              </a:rPr>
+              <a:t>https://github.com/ramsyagha/tutorials</a:t>
+            </a:r>
+            <a:endParaRPr lang="fr-FR" dirty="0"/>
+          </a:p>
+          <a:p>
+            <a:endParaRPr lang="de-DE" dirty="0"/>
+          </a:p>
+          <a:p>
+            <a:endParaRPr lang="fr-FR" dirty="0"/>
+          </a:p>
+        </p:txBody>
+      </p:sp>
+      <p:sp>
+        <p:nvSpPr>
+          <p:cNvPr id="5" name="Title 1"/>
+          <p:cNvSpPr txBox="1">
+            <a:spLocks/>
+          </p:cNvSpPr>
+          <p:nvPr/>
+        </p:nvSpPr>
+        <p:spPr>
+          <a:xfrm>
+            <a:off x="833438" y="517526"/>
+            <a:ext cx="8543925" cy="1325563"/>
+          </a:xfrm>
+          <a:prstGeom prst="rect">
+            <a:avLst/>
+          </a:prstGeom>
+        </p:spPr>
+        <p:txBody>
+          <a:bodyPr vert="horz" lIns="91440" tIns="45720" rIns="91440" bIns="45720" rtlCol="0" anchor="ctr">
+            <a:normAutofit/>
+          </a:bodyPr>
+          <a:lstStyle>
+            <a:lvl1pPr algn="l" defTabSz="914400" rtl="0" eaLnBrk="1" latinLnBrk="0" hangingPunct="1">
+              <a:lnSpc>
+                <a:spcPct val="90000"/>
+              </a:lnSpc>
+              <a:spcBef>
+                <a:spcPct val="0"/>
+              </a:spcBef>
+              <a:buNone/>
+              <a:defRPr sz="4400" kern="1200">
+                <a:solidFill>
+                  <a:schemeClr val="tx1"/>
+                </a:solidFill>
+                <a:latin typeface="+mj-lt"/>
+                <a:ea typeface="+mj-ea"/>
+                <a:cs typeface="+mj-cs"/>
+              </a:defRPr>
+            </a:lvl1pPr>
+          </a:lstStyle>
+          <a:p>
+            <a:r>
+              <a:rPr lang="en-GB" dirty="0">
+                <a:latin typeface="Calibri"/>
+                <a:ea typeface="Calibri"/>
+                <a:cs typeface="Calibri"/>
+                <a:sym typeface="Calibri"/>
+              </a:rPr>
+              <a:t>All materials are available</a:t>
+            </a:r>
+            <a:endParaRPr lang="fr-FR" dirty="0"/>
+          </a:p>
+        </p:txBody>
+      </p:sp>
+      <p:pic>
+        <p:nvPicPr>
+          <p:cNvPr id="8" name="Shape 85">
+            <a:extLst>
+              <a:ext uri="{FF2B5EF4-FFF2-40B4-BE49-F238E27FC236}">
+                <a16:creationId xmlns:a16="http://schemas.microsoft.com/office/drawing/2014/main" id="{AA5CC3CA-672D-4ADA-BAF6-59136568E279}"/>
+              </a:ext>
+            </a:extLst>
+          </p:cNvPr>
+          <p:cNvPicPr preferRelativeResize="0"/>
+          <p:nvPr/>
+        </p:nvPicPr>
+        <p:blipFill>
+          <a:blip r:embed="rId3" cstate="print">
+            <a:alphaModFix/>
+            <a:extLst>
+              <a:ext uri="{28A0092B-C50C-407E-A947-70E740481C1C}">
+                <a14:useLocalDpi xmlns:a14="http://schemas.microsoft.com/office/drawing/2010/main"/>
+              </a:ext>
+            </a:extLst>
+          </a:blip>
+          <a:stretch>
+            <a:fillRect/>
+          </a:stretch>
+        </p:blipFill>
+        <p:spPr>
+          <a:xfrm>
+            <a:off x="7981025" y="0"/>
+            <a:ext cx="1918855" cy="1290918"/>
+          </a:xfrm>
+          <a:prstGeom prst="rect">
+            <a:avLst/>
+          </a:prstGeom>
+          <a:noFill/>
+          <a:ln>
+            <a:noFill/>
+          </a:ln>
+        </p:spPr>
+      </p:pic>
+    </p:spTree>
+    <p:extLst>
+      <p:ext uri="{BB962C8B-B14F-4D97-AF65-F5344CB8AC3E}">
+        <p14:creationId xmlns:p14="http://schemas.microsoft.com/office/powerpoint/2010/main" val="2540469347"/>
+      </p:ext>
+    </p:extLst>
+  </p:cSld>
+  <p:clrMapOvr>
+    <a:masterClrMapping/>
+  </p:clrMapOvr>
+</p:sld>
+</file>
+
+<file path=ppt/slides/slide7.xml><?xml version="1.0" encoding="utf-8"?>
+<p:sld xmlns:a="http://schemas.openxmlformats.org/drawingml/2006/main" xmlns:r="http://schemas.openxmlformats.org/officeDocument/2006/relationships" xmlns:p="http://schemas.openxmlformats.org/presentationml/2006/main">
+  <p:cSld>
+    <p:spTree>
+      <p:nvGrpSpPr>
+        <p:cNvPr id="1" name=""/>
+        <p:cNvGrpSpPr/>
+        <p:nvPr/>
+      </p:nvGrpSpPr>
+      <p:grpSpPr>
+        <a:xfrm>
+          <a:off x="0" y="0"/>
+          <a:ext cx="0" cy="0"/>
+          <a:chOff x="0" y="0"/>
+          <a:chExt cx="0" cy="0"/>
+        </a:xfrm>
+      </p:grpSpPr>
+      <p:sp>
+        <p:nvSpPr>
           <p:cNvPr id="3" name="Content Placeholder 2"/>
           <p:cNvSpPr>
             <a:spLocks noGrp="1"/>
@@ -8371,7 +11090,7 @@
           <a:p>
             <a:r>
               <a:rPr lang="de-DE" dirty="0"/>
-              <a:t>Remember the path where you download the zip file:</a:t>
+              <a:t>Remember the PATH where you download the zip file:</a:t>
             </a:r>
           </a:p>
           <a:p>
@@ -8379,8 +11098,12 @@
           </a:p>
           <a:p>
             <a:r>
+              <a:rPr lang="de-DE" b="1" dirty="0"/>
+              <a:t>This will be your working directory in RStudio</a:t>
+            </a:r>
+            <a:r>
               <a:rPr lang="de-DE" dirty="0"/>
-              <a:t>This will be your working directory!</a:t>
+              <a:t>!</a:t>
             </a:r>
             <a:endParaRPr lang="en-US" dirty="0"/>
           </a:p>
@@ -8406,8 +11129,23 @@
           <a:prstGeom prst="rect">
             <a:avLst/>
           </a:prstGeom>
-          <a:noFill/>
         </p:spPr>
+        <p:style>
+          <a:lnRef idx="2">
+            <a:schemeClr val="dk1">
+              <a:shade val="50000"/>
+            </a:schemeClr>
+          </a:lnRef>
+          <a:fillRef idx="1">
+            <a:schemeClr val="dk1"/>
+          </a:fillRef>
+          <a:effectRef idx="0">
+            <a:schemeClr val="dk1"/>
+          </a:effectRef>
+          <a:fontRef idx="minor">
+            <a:schemeClr val="lt1"/>
+          </a:fontRef>
+        </p:style>
         <p:txBody>
           <a:bodyPr wrap="square" rtlCol="0">
             <a:spAutoFit/>
@@ -8416,7 +11154,7 @@
           <a:p>
             <a:r>
               <a:rPr lang="de-DE" b="1" dirty="0"/>
-              <a:t>If havent already,</a:t>
+              <a:t>If haven´t already,</a:t>
             </a:r>
           </a:p>
           <a:p>
@@ -8428,99 +11166,22 @@
           </a:p>
         </p:txBody>
       </p:sp>
-    </p:spTree>
-    <p:extLst>
-      <p:ext uri="{BB962C8B-B14F-4D97-AF65-F5344CB8AC3E}">
-        <p14:creationId xmlns:p14="http://schemas.microsoft.com/office/powerpoint/2010/main" val="2540469347"/>
-      </p:ext>
-    </p:extLst>
-  </p:cSld>
-  <p:clrMapOvr>
-    <a:masterClrMapping/>
-  </p:clrMapOvr>
-</p:sld>
-</file>
-
-<file path=ppt/slides/slide6.xml><?xml version="1.0" encoding="utf-8"?>
-<p:sld xmlns:a="http://schemas.openxmlformats.org/drawingml/2006/main" xmlns:r="http://schemas.openxmlformats.org/officeDocument/2006/relationships" xmlns:p="http://schemas.openxmlformats.org/presentationml/2006/main">
-  <p:cSld>
-    <p:spTree>
-      <p:nvGrpSpPr>
-        <p:cNvPr id="1" name=""/>
-        <p:cNvGrpSpPr/>
-        <p:nvPr/>
-      </p:nvGrpSpPr>
-      <p:grpSpPr>
-        <a:xfrm>
-          <a:off x="0" y="0"/>
-          <a:ext cx="0" cy="0"/>
-          <a:chOff x="0" y="0"/>
-          <a:chExt cx="0" cy="0"/>
-        </a:xfrm>
-      </p:grpSpPr>
-      <p:sp>
-        <p:nvSpPr>
-          <p:cNvPr id="4" name="Shape 83"/>
-          <p:cNvSpPr txBox="1"/>
-          <p:nvPr/>
-        </p:nvSpPr>
-        <p:spPr>
-          <a:xfrm>
-            <a:off x="576300" y="231475"/>
-            <a:ext cx="7991400" cy="911400"/>
-          </a:xfrm>
-          <a:prstGeom prst="rect">
-            <a:avLst/>
-          </a:prstGeom>
-          <a:noFill/>
-          <a:ln>
-            <a:noFill/>
-          </a:ln>
-        </p:spPr>
-        <p:txBody>
-          <a:bodyPr spcFirstLastPara="1" wrap="square" lIns="91425" tIns="45700" rIns="91425" bIns="45700" anchor="ctr" anchorCtr="0">
-            <a:noAutofit/>
-          </a:bodyPr>
-          <a:lstStyle/>
-          <a:p>
-            <a:pPr marL="0" lvl="0" indent="0" algn="ctr" rtl="0">
-              <a:spcBef>
-                <a:spcPts val="0"/>
-              </a:spcBef>
-              <a:spcAft>
-                <a:spcPts val="0"/>
-              </a:spcAft>
-              <a:buNone/>
-            </a:pPr>
-            <a:r>
-              <a:rPr lang="en-GB" sz="4400" dirty="0">
-                <a:latin typeface="Calibri"/>
-                <a:ea typeface="Calibri"/>
-                <a:cs typeface="Calibri"/>
-                <a:sym typeface="Calibri"/>
-              </a:rPr>
-              <a:t>Watching vs Doing</a:t>
-            </a:r>
-            <a:endParaRPr sz="4400" dirty="0">
-              <a:solidFill>
-                <a:srgbClr val="000000"/>
-              </a:solidFill>
-              <a:latin typeface="Calibri"/>
-              <a:ea typeface="Calibri"/>
-              <a:cs typeface="Calibri"/>
-              <a:sym typeface="Calibri"/>
-            </a:endParaRPr>
-          </a:p>
-        </p:txBody>
-      </p:sp>
       <p:pic>
         <p:nvPicPr>
-          <p:cNvPr id="5" name="Shape 84"/>
-          <p:cNvPicPr preferRelativeResize="0"/>
+          <p:cNvPr id="9" name="Shape 84">
+            <a:extLst>
+              <a:ext uri="{FF2B5EF4-FFF2-40B4-BE49-F238E27FC236}">
+                <a16:creationId xmlns:a16="http://schemas.microsoft.com/office/drawing/2014/main" id="{58A5ABF9-89CC-49FF-9B06-2050E3253BE4}"/>
+              </a:ext>
+            </a:extLst>
+          </p:cNvPr>
+          <p:cNvPicPr preferRelativeResize="0">
+            <a:picLocks noChangeAspect="1"/>
+          </p:cNvPicPr>
           <p:nvPr/>
         </p:nvPicPr>
         <p:blipFill>
-          <a:blip r:embed="rId2">
+          <a:blip r:embed="rId4" cstate="print">
             <a:alphaModFix/>
             <a:extLst>
               <a:ext uri="{28A0092B-C50C-407E-A947-70E740481C1C}">
@@ -8534,263 +11195,8 @@
         </p:blipFill>
         <p:spPr>
           <a:xfrm>
-            <a:off x="5533837" y="2140693"/>
-            <a:ext cx="2793225" cy="1935100"/>
-          </a:xfrm>
-          <a:prstGeom prst="rect">
-            <a:avLst/>
-          </a:prstGeom>
-          <a:noFill/>
-          <a:ln>
-            <a:noFill/>
-          </a:ln>
-        </p:spPr>
-      </p:pic>
-      <p:pic>
-        <p:nvPicPr>
-          <p:cNvPr id="6" name="Shape 85"/>
-          <p:cNvPicPr preferRelativeResize="0"/>
-          <p:nvPr/>
-        </p:nvPicPr>
-        <p:blipFill>
-          <a:blip r:embed="rId3" cstate="print">
-            <a:alphaModFix/>
-            <a:extLst>
-              <a:ext uri="{28A0092B-C50C-407E-A947-70E740481C1C}">
-                <a14:useLocalDpi xmlns:a14="http://schemas.microsoft.com/office/drawing/2010/main"/>
-              </a:ext>
-            </a:extLst>
-          </a:blip>
-          <a:stretch>
-            <a:fillRect/>
-          </a:stretch>
-        </p:blipFill>
-        <p:spPr>
-          <a:xfrm>
-            <a:off x="816937" y="2140693"/>
-            <a:ext cx="2979675" cy="1984124"/>
-          </a:xfrm>
-          <a:prstGeom prst="rect">
-            <a:avLst/>
-          </a:prstGeom>
-          <a:noFill/>
-          <a:ln>
-            <a:noFill/>
-          </a:ln>
-        </p:spPr>
-      </p:pic>
-      <p:sp>
-        <p:nvSpPr>
-          <p:cNvPr id="7" name="Shape 86"/>
-          <p:cNvSpPr txBox="1"/>
-          <p:nvPr/>
-        </p:nvSpPr>
-        <p:spPr>
-          <a:xfrm>
-            <a:off x="985375" y="4245418"/>
-            <a:ext cx="2877000" cy="417300"/>
-          </a:xfrm>
-          <a:prstGeom prst="rect">
-            <a:avLst/>
-          </a:prstGeom>
-          <a:noFill/>
-          <a:ln>
-            <a:noFill/>
-          </a:ln>
-        </p:spPr>
-        <p:txBody>
-          <a:bodyPr spcFirstLastPara="1" wrap="square" lIns="91425" tIns="91425" rIns="91425" bIns="91425" anchor="t" anchorCtr="0">
-            <a:noAutofit/>
-          </a:bodyPr>
-          <a:lstStyle/>
-          <a:p>
-            <a:pPr marL="0" lvl="0" indent="0" algn="ctr">
-              <a:spcBef>
-                <a:spcPts val="0"/>
-              </a:spcBef>
-              <a:spcAft>
-                <a:spcPts val="0"/>
-              </a:spcAft>
-              <a:buNone/>
-            </a:pPr>
-            <a:r>
-              <a:rPr lang="en-GB" sz="1600"/>
-              <a:t>Listen when you see this cat</a:t>
-            </a:r>
-            <a:endParaRPr sz="1600"/>
-          </a:p>
-        </p:txBody>
-      </p:sp>
-      <p:sp>
-        <p:nvSpPr>
-          <p:cNvPr id="8" name="Shape 87"/>
-          <p:cNvSpPr txBox="1"/>
-          <p:nvPr/>
-        </p:nvSpPr>
-        <p:spPr>
-          <a:xfrm>
-            <a:off x="5579700" y="4245418"/>
-            <a:ext cx="2701500" cy="417300"/>
-          </a:xfrm>
-          <a:prstGeom prst="rect">
-            <a:avLst/>
-          </a:prstGeom>
-          <a:noFill/>
-          <a:ln>
-            <a:noFill/>
-          </a:ln>
-        </p:spPr>
-        <p:txBody>
-          <a:bodyPr spcFirstLastPara="1" wrap="square" lIns="91425" tIns="91425" rIns="91425" bIns="91425" anchor="t" anchorCtr="0">
-            <a:noAutofit/>
-          </a:bodyPr>
-          <a:lstStyle/>
-          <a:p>
-            <a:pPr marL="0" lvl="0" indent="0" algn="ctr" rtl="0">
-              <a:spcBef>
-                <a:spcPts val="0"/>
-              </a:spcBef>
-              <a:spcAft>
-                <a:spcPts val="0"/>
-              </a:spcAft>
-              <a:buNone/>
-            </a:pPr>
-            <a:r>
-              <a:rPr lang="en-GB" sz="1600"/>
-              <a:t>Do when you see this cat</a:t>
-            </a:r>
-            <a:endParaRPr sz="1600"/>
-          </a:p>
-        </p:txBody>
-      </p:sp>
-    </p:spTree>
-    <p:extLst>
-      <p:ext uri="{BB962C8B-B14F-4D97-AF65-F5344CB8AC3E}">
-        <p14:creationId xmlns:p14="http://schemas.microsoft.com/office/powerpoint/2010/main" val="2656301899"/>
-      </p:ext>
-    </p:extLst>
-  </p:cSld>
-  <p:clrMapOvr>
-    <a:masterClrMapping/>
-  </p:clrMapOvr>
-</p:sld>
-</file>
-
-<file path=ppt/slides/slide7.xml><?xml version="1.0" encoding="utf-8"?>
-<p:sld xmlns:a="http://schemas.openxmlformats.org/drawingml/2006/main" xmlns:r="http://schemas.openxmlformats.org/officeDocument/2006/relationships" xmlns:p="http://schemas.openxmlformats.org/presentationml/2006/main">
-  <p:cSld>
-    <p:spTree>
-      <p:nvGrpSpPr>
-        <p:cNvPr id="1" name=""/>
-        <p:cNvGrpSpPr/>
-        <p:nvPr/>
-      </p:nvGrpSpPr>
-      <p:grpSpPr>
-        <a:xfrm>
-          <a:off x="0" y="0"/>
-          <a:ext cx="0" cy="0"/>
-          <a:chOff x="0" y="0"/>
-          <a:chExt cx="0" cy="0"/>
-        </a:xfrm>
-      </p:grpSpPr>
-      <p:sp>
-        <p:nvSpPr>
-          <p:cNvPr id="2" name="Title 1">
-            <a:extLst>
-              <a:ext uri="{FF2B5EF4-FFF2-40B4-BE49-F238E27FC236}">
-                <a16:creationId xmlns:a16="http://schemas.microsoft.com/office/drawing/2014/main" id="{19B7083E-7566-4235-8D64-70E0E86AFC54}"/>
-              </a:ext>
-            </a:extLst>
-          </p:cNvPr>
-          <p:cNvSpPr>
-            <a:spLocks noGrp="1"/>
-          </p:cNvSpPr>
-          <p:nvPr>
-            <p:ph type="title"/>
-          </p:nvPr>
-        </p:nvSpPr>
-        <p:spPr/>
-        <p:txBody>
-          <a:bodyPr/>
-          <a:lstStyle/>
-          <a:p>
-            <a:r>
-              <a:rPr lang="de-DE" dirty="0"/>
-              <a:t>R and RStudio</a:t>
-            </a:r>
-            <a:endParaRPr lang="en-US" dirty="0"/>
-          </a:p>
-        </p:txBody>
-      </p:sp>
-      <p:sp>
-        <p:nvSpPr>
-          <p:cNvPr id="3" name="Content Placeholder 2">
-            <a:extLst>
-              <a:ext uri="{FF2B5EF4-FFF2-40B4-BE49-F238E27FC236}">
-                <a16:creationId xmlns:a16="http://schemas.microsoft.com/office/drawing/2014/main" id="{C49C87AF-FCCE-41B9-9E5F-2855CAB08EB7}"/>
-              </a:ext>
-            </a:extLst>
-          </p:cNvPr>
-          <p:cNvSpPr>
-            <a:spLocks noGrp="1"/>
-          </p:cNvSpPr>
-          <p:nvPr>
-            <p:ph idx="1"/>
-          </p:nvPr>
-        </p:nvSpPr>
-        <p:spPr/>
-        <p:txBody>
-          <a:bodyPr/>
-          <a:lstStyle/>
-          <a:p>
-            <a:r>
-              <a:rPr lang="en-US" dirty="0"/>
-              <a:t>- R: free software environment for statistical computing and graphics</a:t>
-            </a:r>
-          </a:p>
-          <a:p>
-            <a:endParaRPr lang="en-US" dirty="0"/>
-          </a:p>
-          <a:p>
-            <a:endParaRPr lang="en-US" dirty="0"/>
-          </a:p>
-          <a:p>
-            <a:r>
-              <a:rPr lang="en-US" dirty="0"/>
-              <a:t>- RStudio: integrated development environment (IDE) for R</a:t>
-            </a:r>
-          </a:p>
-        </p:txBody>
-      </p:sp>
-      <p:pic>
-        <p:nvPicPr>
-          <p:cNvPr id="4" name="Shape 85">
-            <a:extLst>
-              <a:ext uri="{FF2B5EF4-FFF2-40B4-BE49-F238E27FC236}">
-                <a16:creationId xmlns:a16="http://schemas.microsoft.com/office/drawing/2014/main" id="{FE6CF498-397A-4710-8C33-D9094B926218}"/>
-              </a:ext>
-            </a:extLst>
-          </p:cNvPr>
-          <p:cNvPicPr preferRelativeResize="0"/>
-          <p:nvPr/>
-        </p:nvPicPr>
-        <p:blipFill>
-          <a:blip r:embed="rId2" cstate="print">
-            <a:alphaModFix/>
-            <a:extLst>
-              <a:ext uri="{28A0092B-C50C-407E-A947-70E740481C1C}">
-                <a14:useLocalDpi xmlns:a14="http://schemas.microsoft.com/office/drawing/2010/main"/>
-              </a:ext>
-            </a:extLst>
-          </a:blip>
-          <a:stretch>
-            <a:fillRect/>
-          </a:stretch>
-        </p:blipFill>
-        <p:spPr>
-          <a:xfrm>
-            <a:off x="7981025" y="0"/>
-            <a:ext cx="1918855" cy="1290918"/>
+            <a:off x="7962105" y="-1"/>
+            <a:ext cx="1901895" cy="1325563"/>
           </a:xfrm>
           <a:prstGeom prst="rect">
             <a:avLst/>
@@ -8804,7 +11210,7 @@
     </p:spTree>
     <p:extLst>
       <p:ext uri="{BB962C8B-B14F-4D97-AF65-F5344CB8AC3E}">
-        <p14:creationId xmlns:p14="http://schemas.microsoft.com/office/powerpoint/2010/main" val="619764294"/>
+        <p14:creationId xmlns:p14="http://schemas.microsoft.com/office/powerpoint/2010/main" val="2403092057"/>
       </p:ext>
     </p:extLst>
   </p:cSld>
@@ -8836,7 +11242,7 @@
           <p:cNvPr id="2" name="Title 1">
             <a:extLst>
               <a:ext uri="{FF2B5EF4-FFF2-40B4-BE49-F238E27FC236}">
-                <a16:creationId xmlns:a16="http://schemas.microsoft.com/office/drawing/2014/main" id="{89F07FD9-35BF-4590-9A52-07791015FCFE}"/>
+                <a16:creationId xmlns:a16="http://schemas.microsoft.com/office/drawing/2014/main" id="{344E30C5-16AF-4E15-94B7-B778E050CE24}"/>
               </a:ext>
             </a:extLst>
           </p:cNvPr>
@@ -8844,31 +11250,33 @@
             <a:spLocks noGrp="1"/>
           </p:cNvSpPr>
           <p:nvPr>
-            <p:ph type="title"/>
-          </p:nvPr>
-        </p:nvSpPr>
-        <p:spPr/>
+            <p:ph type="ctrTitle"/>
+          </p:nvPr>
+        </p:nvSpPr>
+        <p:spPr>
+          <a:xfrm>
+            <a:off x="1259765" y="562965"/>
+            <a:ext cx="7429500" cy="2387600"/>
+          </a:xfrm>
+        </p:spPr>
         <p:txBody>
           <a:bodyPr/>
           <a:lstStyle/>
           <a:p>
             <a:r>
-              <a:rPr lang="en-US" b="1" dirty="0"/>
-              <a:t>Why R? </a:t>
-            </a:r>
-            <a:br>
-              <a:rPr lang="en-US" b="1" dirty="0"/>
-            </a:br>
-            <a:endParaRPr lang="en-US" dirty="0"/>
-          </a:p>
-        </p:txBody>
-      </p:sp>
-      <p:sp>
-        <p:nvSpPr>
-          <p:cNvPr id="3" name="Content Placeholder 2">
-            <a:extLst>
-              <a:ext uri="{FF2B5EF4-FFF2-40B4-BE49-F238E27FC236}">
-                <a16:creationId xmlns:a16="http://schemas.microsoft.com/office/drawing/2014/main" id="{3FEC0165-4AAC-4E0F-B9DE-2721E351E6B9}"/>
+              <a:rPr lang="de-DE" b="1" dirty="0"/>
+              <a:t>Introduction to R</a:t>
+            </a:r>
+            <a:endParaRPr lang="en-US" b="1" dirty="0"/>
+          </a:p>
+        </p:txBody>
+      </p:sp>
+      <p:sp>
+        <p:nvSpPr>
+          <p:cNvPr id="3" name="Subtitle 2">
+            <a:extLst>
+              <a:ext uri="{FF2B5EF4-FFF2-40B4-BE49-F238E27FC236}">
+                <a16:creationId xmlns:a16="http://schemas.microsoft.com/office/drawing/2014/main" id="{09381DAC-9290-4F68-B6B6-E74F620D3961}"/>
               </a:ext>
             </a:extLst>
           </p:cNvPr>
@@ -8876,77 +11284,43 @@
             <a:spLocks noGrp="1"/>
           </p:cNvSpPr>
           <p:nvPr>
-            <p:ph idx="1"/>
+            <p:ph type="subTitle" idx="1"/>
           </p:nvPr>
         </p:nvSpPr>
         <p:spPr/>
         <p:txBody>
-          <a:bodyPr/>
+          <a:bodyPr>
+            <a:normAutofit lnSpcReduction="10000"/>
+          </a:bodyPr>
           <a:lstStyle/>
           <a:p>
             <a:r>
+              <a:rPr lang="de-DE" dirty="0"/>
+              <a:t>Ramsy Agha</a:t>
+            </a:r>
+          </a:p>
+          <a:p>
+            <a:r>
               <a:rPr lang="en-US" dirty="0"/>
-              <a:t>powerful, flexible/customizable</a:t>
-            </a:r>
-          </a:p>
-          <a:p>
-            <a:r>
-              <a:rPr lang="en-US" dirty="0"/>
-              <a:t>easy for sharing and developing</a:t>
-            </a:r>
-          </a:p>
-          <a:p>
-            <a:r>
-              <a:rPr lang="en-US" b="1" dirty="0"/>
-              <a:t>reproducible science</a:t>
-            </a:r>
-            <a:r>
-              <a:rPr lang="en-US" dirty="0"/>
-              <a:t>: scripts and markdowns</a:t>
-            </a:r>
-          </a:p>
-          <a:p>
+              <a:t>Feb 2020</a:t>
+            </a:r>
+          </a:p>
+          <a:p>
+            <a:endParaRPr lang="de-DE" dirty="0"/>
+          </a:p>
+          <a:p>
+            <a:r>
+              <a:rPr lang="de-DE" dirty="0"/>
+              <a:t>Disease Eco-Evo Lab</a:t>
+            </a:r>
             <a:endParaRPr lang="en-US" dirty="0"/>
           </a:p>
         </p:txBody>
       </p:sp>
-      <p:pic>
-        <p:nvPicPr>
-          <p:cNvPr id="4" name="Shape 85"/>
-          <p:cNvPicPr preferRelativeResize="0"/>
-          <p:nvPr/>
-        </p:nvPicPr>
-        <p:blipFill>
-          <a:blip r:embed="rId2" cstate="print">
-            <a:alphaModFix/>
-            <a:extLst>
-              <a:ext uri="{28A0092B-C50C-407E-A947-70E740481C1C}">
-                <a14:useLocalDpi xmlns:a14="http://schemas.microsoft.com/office/drawing/2010/main"/>
-              </a:ext>
-            </a:extLst>
-          </a:blip>
-          <a:stretch>
-            <a:fillRect/>
-          </a:stretch>
-        </p:blipFill>
-        <p:spPr>
-          <a:xfrm>
-            <a:off x="7981025" y="0"/>
-            <a:ext cx="1918855" cy="1290918"/>
-          </a:xfrm>
-          <a:prstGeom prst="rect">
-            <a:avLst/>
-          </a:prstGeom>
-          <a:noFill/>
-          <a:ln>
-            <a:noFill/>
-          </a:ln>
-        </p:spPr>
-      </p:pic>
     </p:spTree>
     <p:extLst>
       <p:ext uri="{BB962C8B-B14F-4D97-AF65-F5344CB8AC3E}">
-        <p14:creationId xmlns:p14="http://schemas.microsoft.com/office/powerpoint/2010/main" val="2971829959"/>
+        <p14:creationId xmlns:p14="http://schemas.microsoft.com/office/powerpoint/2010/main" val="3199113078"/>
       </p:ext>
     </p:extLst>
   </p:cSld>
@@ -8975,7 +11349,13 @@
       </p:grpSpPr>
       <p:sp>
         <p:nvSpPr>
-          <p:cNvPr id="2" name="Title 1"/>
+          <p:cNvPr id="2" name="Title 1">
+            <a:extLst>
+              <a:ext uri="{FF2B5EF4-FFF2-40B4-BE49-F238E27FC236}">
+                <a16:creationId xmlns:a16="http://schemas.microsoft.com/office/drawing/2014/main" id="{19B7083E-7566-4235-8D64-70E0E86AFC54}"/>
+              </a:ext>
+            </a:extLst>
+          </p:cNvPr>
           <p:cNvSpPr>
             <a:spLocks noGrp="1"/>
           </p:cNvSpPr>
@@ -8983,343 +11363,65 @@
             <p:ph type="title"/>
           </p:nvPr>
         </p:nvSpPr>
-        <p:spPr>
-          <a:xfrm>
-            <a:off x="272665" y="164931"/>
-            <a:ext cx="8543925" cy="1325563"/>
-          </a:xfrm>
-        </p:spPr>
+        <p:spPr/>
         <p:txBody>
           <a:bodyPr/>
           <a:lstStyle/>
           <a:p>
             <a:r>
-              <a:rPr lang="de-DE" dirty="0"/>
-              <a:t>What is RStudio</a:t>
-            </a:r>
-            <a:endParaRPr lang="fr-FR" dirty="0"/>
+              <a:rPr lang="de-DE" b="1" dirty="0"/>
+              <a:t>R and RStudio</a:t>
+            </a:r>
+            <a:endParaRPr lang="en-US" b="1" dirty="0"/>
+          </a:p>
+        </p:txBody>
+      </p:sp>
+      <p:sp>
+        <p:nvSpPr>
+          <p:cNvPr id="3" name="Content Placeholder 2">
+            <a:extLst>
+              <a:ext uri="{FF2B5EF4-FFF2-40B4-BE49-F238E27FC236}">
+                <a16:creationId xmlns:a16="http://schemas.microsoft.com/office/drawing/2014/main" id="{C49C87AF-FCCE-41B9-9E5F-2855CAB08EB7}"/>
+              </a:ext>
+            </a:extLst>
+          </p:cNvPr>
+          <p:cNvSpPr>
+            <a:spLocks noGrp="1"/>
+          </p:cNvSpPr>
+          <p:nvPr>
+            <p:ph idx="1"/>
+          </p:nvPr>
+        </p:nvSpPr>
+        <p:spPr/>
+        <p:txBody>
+          <a:bodyPr/>
+          <a:lstStyle/>
+          <a:p>
+            <a:r>
+              <a:rPr lang="en-US" dirty="0"/>
+              <a:t>- R: free software environment for statistical computing and graphics</a:t>
+            </a:r>
+          </a:p>
+          <a:p>
+            <a:endParaRPr lang="en-US" dirty="0"/>
+          </a:p>
+          <a:p>
+            <a:endParaRPr lang="en-US" dirty="0"/>
+          </a:p>
+          <a:p>
+            <a:r>
+              <a:rPr lang="en-US" dirty="0"/>
+              <a:t>- RStudio: integrated development environment (IDE) for R</a:t>
+            </a:r>
           </a:p>
         </p:txBody>
       </p:sp>
       <p:pic>
         <p:nvPicPr>
-          <p:cNvPr id="4" name="Picture 3">
-            <a:extLst>
-              <a:ext uri="{FF2B5EF4-FFF2-40B4-BE49-F238E27FC236}">
-                <a16:creationId xmlns:a16="http://schemas.microsoft.com/office/drawing/2014/main" id="{86DEE0CA-A87C-4CB6-8442-36A9321B9F95}"/>
-              </a:ext>
-            </a:extLst>
-          </p:cNvPr>
-          <p:cNvPicPr>
-            <a:picLocks noChangeAspect="1"/>
-          </p:cNvPicPr>
-          <p:nvPr/>
-        </p:nvPicPr>
-        <p:blipFill>
-          <a:blip r:embed="rId2"/>
-          <a:stretch>
-            <a:fillRect/>
-          </a:stretch>
-        </p:blipFill>
-        <p:spPr>
-          <a:xfrm>
-            <a:off x="340519" y="1286566"/>
-            <a:ext cx="9224962" cy="5222430"/>
-          </a:xfrm>
-          <a:prstGeom prst="rect">
-            <a:avLst/>
-          </a:prstGeom>
-        </p:spPr>
-      </p:pic>
-      <p:sp>
-        <p:nvSpPr>
-          <p:cNvPr id="5" name="TextBox 4">
-            <a:extLst>
-              <a:ext uri="{FF2B5EF4-FFF2-40B4-BE49-F238E27FC236}">
-                <a16:creationId xmlns:a16="http://schemas.microsoft.com/office/drawing/2014/main" id="{3249FA46-E419-4EA7-A947-1022B5AD131E}"/>
-              </a:ext>
-            </a:extLst>
-          </p:cNvPr>
-          <p:cNvSpPr txBox="1"/>
-          <p:nvPr/>
-        </p:nvSpPr>
-        <p:spPr>
-          <a:xfrm>
-            <a:off x="1882066" y="1926448"/>
-            <a:ext cx="3320249" cy="2585323"/>
-          </a:xfrm>
-          <a:prstGeom prst="rect">
-            <a:avLst/>
-          </a:prstGeom>
-          <a:solidFill>
-            <a:schemeClr val="bg2">
-              <a:lumMod val="75000"/>
-            </a:schemeClr>
-          </a:solidFill>
-        </p:spPr>
-        <p:txBody>
-          <a:bodyPr wrap="square" rtlCol="0">
-            <a:spAutoFit/>
-          </a:bodyPr>
-          <a:lstStyle/>
-          <a:p>
-            <a:pPr marL="342900" indent="-342900">
-              <a:buFontTx/>
-              <a:buAutoNum type="arabicPeriod"/>
-            </a:pPr>
-            <a:r>
-              <a:rPr lang="de-DE" b="1" dirty="0">
-                <a:solidFill>
-                  <a:schemeClr val="bg1"/>
-                </a:solidFill>
-              </a:rPr>
-              <a:t>SOURCE (</a:t>
-            </a:r>
-            <a:r>
-              <a:rPr lang="en-US" b="1" dirty="0">
-                <a:solidFill>
-                  <a:schemeClr val="bg1"/>
-                </a:solidFill>
-              </a:rPr>
-              <a:t>Your notepad for code)</a:t>
-            </a:r>
-            <a:endParaRPr lang="de-DE" b="1" dirty="0">
-              <a:solidFill>
-                <a:schemeClr val="bg1"/>
-              </a:solidFill>
-            </a:endParaRPr>
-          </a:p>
-          <a:p>
-            <a:r>
-              <a:rPr lang="de-DE" dirty="0">
-                <a:solidFill>
-                  <a:schemeClr val="bg1"/>
-                </a:solidFill>
-              </a:rPr>
-              <a:t>This is where  you write your code</a:t>
-            </a:r>
-          </a:p>
-          <a:p>
-            <a:endParaRPr lang="de-DE" dirty="0">
-              <a:solidFill>
-                <a:schemeClr val="bg1"/>
-              </a:solidFill>
-            </a:endParaRPr>
-          </a:p>
-          <a:p>
-            <a:r>
-              <a:rPr lang="de-DE" dirty="0">
-                <a:solidFill>
-                  <a:schemeClr val="bg1"/>
-                </a:solidFill>
-              </a:rPr>
-              <a:t>Your code will not be evaluated until you run it</a:t>
-            </a:r>
-          </a:p>
-          <a:p>
-            <a:r>
-              <a:rPr lang="de-DE" dirty="0">
-                <a:solidFill>
-                  <a:schemeClr val="bg1"/>
-                </a:solidFill>
-              </a:rPr>
-              <a:t>(use „run“ button or Ctrl+Enter to run individual lines of code</a:t>
-            </a:r>
-            <a:endParaRPr lang="en-US" dirty="0">
-              <a:solidFill>
-                <a:schemeClr val="bg1"/>
-              </a:solidFill>
-            </a:endParaRPr>
-          </a:p>
-        </p:txBody>
-      </p:sp>
-      <p:sp>
-        <p:nvSpPr>
-          <p:cNvPr id="6" name="TextBox 5">
-            <a:extLst>
-              <a:ext uri="{FF2B5EF4-FFF2-40B4-BE49-F238E27FC236}">
-                <a16:creationId xmlns:a16="http://schemas.microsoft.com/office/drawing/2014/main" id="{389C7FD8-B787-4BF5-85BD-9862447BDD7D}"/>
-              </a:ext>
-            </a:extLst>
-          </p:cNvPr>
-          <p:cNvSpPr txBox="1"/>
-          <p:nvPr/>
-        </p:nvSpPr>
-        <p:spPr>
-          <a:xfrm>
-            <a:off x="681038" y="4901952"/>
-            <a:ext cx="4350059" cy="1477328"/>
-          </a:xfrm>
-          <a:prstGeom prst="rect">
-            <a:avLst/>
-          </a:prstGeom>
-          <a:solidFill>
-            <a:schemeClr val="bg2">
-              <a:lumMod val="75000"/>
-            </a:schemeClr>
-          </a:solidFill>
-        </p:spPr>
-        <p:txBody>
-          <a:bodyPr wrap="square" rtlCol="0">
-            <a:spAutoFit/>
-          </a:bodyPr>
-          <a:lstStyle/>
-          <a:p>
-            <a:r>
-              <a:rPr lang="de-DE" b="1" dirty="0">
-                <a:solidFill>
-                  <a:schemeClr val="bg1"/>
-                </a:solidFill>
-              </a:rPr>
-              <a:t>2. CONSOLE (R´s heart)</a:t>
-            </a:r>
-          </a:p>
-          <a:p>
-            <a:r>
-              <a:rPr lang="de-DE" dirty="0">
-                <a:solidFill>
-                  <a:schemeClr val="bg1"/>
-                </a:solidFill>
-              </a:rPr>
-              <a:t>This is where your code from the source will be evaluated by R</a:t>
-            </a:r>
-          </a:p>
-          <a:p>
-            <a:r>
-              <a:rPr lang="de-DE" dirty="0">
-                <a:solidFill>
-                  <a:schemeClr val="bg1"/>
-                </a:solidFill>
-              </a:rPr>
-              <a:t>You can also perform quick calculations that you dont need to save</a:t>
-            </a:r>
-            <a:endParaRPr lang="en-US" dirty="0">
-              <a:solidFill>
-                <a:schemeClr val="bg1"/>
-              </a:solidFill>
-            </a:endParaRPr>
-          </a:p>
-        </p:txBody>
-      </p:sp>
-      <p:sp>
-        <p:nvSpPr>
-          <p:cNvPr id="7" name="TextBox 6">
-            <a:extLst>
-              <a:ext uri="{FF2B5EF4-FFF2-40B4-BE49-F238E27FC236}">
-                <a16:creationId xmlns:a16="http://schemas.microsoft.com/office/drawing/2014/main" id="{813BE99D-1563-4DB0-ACAC-E1162E7D5660}"/>
-              </a:ext>
-            </a:extLst>
-          </p:cNvPr>
-          <p:cNvSpPr txBox="1"/>
-          <p:nvPr/>
-        </p:nvSpPr>
-        <p:spPr>
-          <a:xfrm>
-            <a:off x="6257277" y="1951672"/>
-            <a:ext cx="3107185" cy="1477328"/>
-          </a:xfrm>
-          <a:prstGeom prst="rect">
-            <a:avLst/>
-          </a:prstGeom>
-          <a:solidFill>
-            <a:schemeClr val="bg2">
-              <a:lumMod val="75000"/>
-            </a:schemeClr>
-          </a:solidFill>
-        </p:spPr>
-        <p:txBody>
-          <a:bodyPr wrap="square" rtlCol="0">
-            <a:spAutoFit/>
-          </a:bodyPr>
-          <a:lstStyle/>
-          <a:p>
-            <a:r>
-              <a:rPr lang="de-DE" dirty="0">
-                <a:solidFill>
-                  <a:schemeClr val="bg1"/>
-                </a:solidFill>
-              </a:rPr>
-              <a:t>3. ENVIRONMENT / HISTORY</a:t>
-            </a:r>
-          </a:p>
-          <a:p>
-            <a:r>
-              <a:rPr lang="de-DE" dirty="0">
-                <a:solidFill>
-                  <a:schemeClr val="bg1"/>
-                </a:solidFill>
-              </a:rPr>
-              <a:t>Here you can see what objects are loaded into your working space and see your command history</a:t>
-            </a:r>
-          </a:p>
-        </p:txBody>
-      </p:sp>
-      <p:sp>
-        <p:nvSpPr>
-          <p:cNvPr id="8" name="TextBox 7">
-            <a:extLst>
-              <a:ext uri="{FF2B5EF4-FFF2-40B4-BE49-F238E27FC236}">
-                <a16:creationId xmlns:a16="http://schemas.microsoft.com/office/drawing/2014/main" id="{C82CDE30-5E84-4AD4-9886-CC07CD26D000}"/>
-              </a:ext>
-            </a:extLst>
-          </p:cNvPr>
-          <p:cNvSpPr txBox="1"/>
-          <p:nvPr/>
-        </p:nvSpPr>
-        <p:spPr>
-          <a:xfrm>
-            <a:off x="5810851" y="4527735"/>
-            <a:ext cx="3543253" cy="1477328"/>
-          </a:xfrm>
-          <a:prstGeom prst="rect">
-            <a:avLst/>
-          </a:prstGeom>
-          <a:solidFill>
-            <a:schemeClr val="bg2">
-              <a:lumMod val="75000"/>
-            </a:schemeClr>
-          </a:solidFill>
-        </p:spPr>
-        <p:txBody>
-          <a:bodyPr wrap="square" rtlCol="0">
-            <a:spAutoFit/>
-          </a:bodyPr>
-          <a:lstStyle/>
-          <a:p>
-            <a:r>
-              <a:rPr lang="de-DE" dirty="0">
-                <a:solidFill>
-                  <a:schemeClr val="bg1"/>
-                </a:solidFill>
-              </a:rPr>
-              <a:t>4. FILES/PLOTS/PACKAGES/HELP</a:t>
-            </a:r>
-          </a:p>
-          <a:p>
-            <a:endParaRPr lang="de-DE" dirty="0">
-              <a:solidFill>
-                <a:schemeClr val="bg1"/>
-              </a:solidFill>
-            </a:endParaRPr>
-          </a:p>
-          <a:p>
-            <a:r>
-              <a:rPr lang="de-DE" dirty="0">
-                <a:solidFill>
-                  <a:schemeClr val="bg1"/>
-                </a:solidFill>
-              </a:rPr>
-              <a:t>Here you can see file, directories, packages and help documentation (R help).</a:t>
-            </a:r>
-          </a:p>
-        </p:txBody>
-      </p:sp>
-      <p:pic>
-        <p:nvPicPr>
-          <p:cNvPr id="9" name="Shape 85">
-            <a:extLst>
-              <a:ext uri="{FF2B5EF4-FFF2-40B4-BE49-F238E27FC236}">
-                <a16:creationId xmlns:a16="http://schemas.microsoft.com/office/drawing/2014/main" id="{4EE92382-0D9D-4474-92DD-A738889990D2}"/>
+          <p:cNvPr id="4" name="Shape 85">
+            <a:extLst>
+              <a:ext uri="{FF2B5EF4-FFF2-40B4-BE49-F238E27FC236}">
+                <a16:creationId xmlns:a16="http://schemas.microsoft.com/office/drawing/2014/main" id="{FE6CF498-397A-4710-8C33-D9094B926218}"/>
               </a:ext>
             </a:extLst>
           </p:cNvPr>
@@ -9327,7 +11429,7 @@
           <p:nvPr/>
         </p:nvPicPr>
         <p:blipFill>
-          <a:blip r:embed="rId3" cstate="print">
+          <a:blip r:embed="rId2" cstate="print">
             <a:alphaModFix/>
             <a:extLst>
               <a:ext uri="{28A0092B-C50C-407E-A947-70E740481C1C}">
@@ -9356,7 +11458,7 @@
     </p:spTree>
     <p:extLst>
       <p:ext uri="{BB962C8B-B14F-4D97-AF65-F5344CB8AC3E}">
-        <p14:creationId xmlns:p14="http://schemas.microsoft.com/office/powerpoint/2010/main" val="975522773"/>
+        <p14:creationId xmlns:p14="http://schemas.microsoft.com/office/powerpoint/2010/main" val="619764294"/>
       </p:ext>
     </p:extLst>
   </p:cSld>

--- a/Lectures/1_Introduction to R.pptx
+++ b/Lectures/1_Introduction to R.pptx
@@ -6140,7 +6140,12 @@
             <p:ph type="title"/>
           </p:nvPr>
         </p:nvSpPr>
-        <p:spPr/>
+        <p:spPr>
+          <a:xfrm>
+            <a:off x="668338" y="0"/>
+            <a:ext cx="8543925" cy="1325563"/>
+          </a:xfrm>
+        </p:spPr>
         <p:txBody>
           <a:bodyPr>
             <a:normAutofit/>
@@ -6170,14 +6175,14 @@
           <p:nvPr>
             <p:extLst>
               <p:ext uri="{D42A27DB-BD31-4B8C-83A1-F6EECF244321}">
-                <p14:modId xmlns:p14="http://schemas.microsoft.com/office/powerpoint/2010/main" val="1555504112"/>
+                <p14:modId xmlns:p14="http://schemas.microsoft.com/office/powerpoint/2010/main" val="3635084315"/>
               </p:ext>
             </p:extLst>
           </p:nvPr>
         </p:nvGraphicFramePr>
         <p:xfrm>
-          <a:off x="681037" y="1600549"/>
-          <a:ext cx="8194089" cy="5076569"/>
+          <a:off x="681037" y="1333500"/>
+          <a:ext cx="9047164" cy="5003800"/>
         </p:xfrm>
         <a:graphic>
           <a:graphicData uri="http://schemas.openxmlformats.org/drawingml/2006/table">
@@ -6186,21 +6191,21 @@
                 <a:tableStyleId>{5C22544A-7EE6-4342-B048-85BDC9FD1C3A}</a:tableStyleId>
               </a:tblPr>
               <a:tblGrid>
-                <a:gridCol w="1729060">
+                <a:gridCol w="1909070">
                   <a:extLst>
                     <a:ext uri="{9D8B030D-6E8A-4147-A177-3AD203B41FA5}">
                       <a16:colId xmlns="" xmlns:a16="http://schemas.microsoft.com/office/drawing/2014/main" val="2634341366"/>
                     </a:ext>
                   </a:extLst>
                 </a:gridCol>
-                <a:gridCol w="1530718">
+                <a:gridCol w="1690079">
                   <a:extLst>
                     <a:ext uri="{9D8B030D-6E8A-4147-A177-3AD203B41FA5}">
                       <a16:colId xmlns="" xmlns:a16="http://schemas.microsoft.com/office/drawing/2014/main" val="3815064481"/>
                     </a:ext>
                   </a:extLst>
                 </a:gridCol>
-                <a:gridCol w="4934311">
+                <a:gridCol w="5448015">
                   <a:extLst>
                     <a:ext uri="{9D8B030D-6E8A-4147-A177-3AD203B41FA5}">
                       <a16:colId xmlns="" xmlns:a16="http://schemas.microsoft.com/office/drawing/2014/main" val="1164892729"/>
@@ -6208,7 +6213,7 @@
                   </a:extLst>
                 </a:gridCol>
               </a:tblGrid>
-              <a:tr h="337352">
+              <a:tr h="385001">
                 <a:tc>
                   <a:txBody>
                     <a:bodyPr/>
@@ -6257,7 +6262,7 @@
                   </a:ext>
                 </a:extLst>
               </a:tr>
-              <a:tr h="439539">
+              <a:tr h="673751">
                 <a:tc>
                   <a:txBody>
                     <a:bodyPr/>
@@ -6285,8 +6290,8 @@
                     <a:lstStyle/>
                     <a:p>
                       <a:r>
-                        <a:rPr lang="de-DE" dirty="0"/>
-                        <a:t>9h</a:t>
+                        <a:rPr lang="de-DE" dirty="0" smtClean="0"/>
+                        <a:t>10.00-11.00</a:t>
                       </a:r>
                       <a:endParaRPr lang="en-US" dirty="0"/>
                     </a:p>
@@ -6341,7 +6346,7 @@
                   </a:ext>
                 </a:extLst>
               </a:tr>
-              <a:tr h="433269">
+              <a:tr h="456061">
                 <a:tc>
                   <a:txBody>
                     <a:bodyPr/>
@@ -6358,8 +6363,8 @@
                     <a:lstStyle/>
                     <a:p>
                       <a:r>
-                        <a:rPr lang="de-DE" dirty="0"/>
-                        <a:t>10.30h</a:t>
+                        <a:rPr lang="de-DE" dirty="0" smtClean="0"/>
+                        <a:t>11.00-12.30</a:t>
                       </a:r>
                       <a:endParaRPr lang="en-US" dirty="0"/>
                     </a:p>
@@ -6394,17 +6399,7 @@
                   </a:ext>
                 </a:extLst>
               </a:tr>
-              <a:tr h="338223">
-                <a:tc>
-                  <a:txBody>
-                    <a:bodyPr/>
-                    <a:lstStyle/>
-                    <a:p>
-                      <a:endParaRPr lang="en-US" dirty="0"/>
-                    </a:p>
-                  </a:txBody>
-                  <a:tcPr/>
-                </a:tc>
+              <a:tr h="688761">
                 <a:tc>
                   <a:txBody>
                     <a:bodyPr/>
@@ -6421,39 +6416,8 @@
                     <a:lstStyle/>
                     <a:p>
                       <a:r>
-                        <a:rPr lang="de-DE" i="1" dirty="0"/>
-                        <a:t>Lunch break</a:t>
-                      </a:r>
-                      <a:endParaRPr lang="en-US" i="1" dirty="0"/>
-                    </a:p>
-                  </a:txBody>
-                  <a:tcPr/>
-                </a:tc>
-                <a:extLst>
-                  <a:ext uri="{0D108BD9-81ED-4DB2-BD59-A6C34878D82A}">
-                    <a16:rowId xmlns="" xmlns:a16="http://schemas.microsoft.com/office/drawing/2014/main" val="2051273036"/>
-                  </a:ext>
-                </a:extLst>
-              </a:tr>
-              <a:tr h="654340">
-                <a:tc>
-                  <a:txBody>
-                    <a:bodyPr/>
-                    <a:lstStyle/>
-                    <a:p>
-                      <a:endParaRPr lang="en-US" dirty="0"/>
-                    </a:p>
-                  </a:txBody>
-                  <a:tcPr/>
-                </a:tc>
-                <a:tc>
-                  <a:txBody>
-                    <a:bodyPr/>
-                    <a:lstStyle/>
-                    <a:p>
-                      <a:r>
-                        <a:rPr lang="de-DE" dirty="0"/>
-                        <a:t>13h</a:t>
+                        <a:rPr lang="de-DE" baseline="0" dirty="0" smtClean="0"/>
+                        <a:t>12.30 -13.30</a:t>
                       </a:r>
                       <a:endParaRPr lang="en-US" dirty="0"/>
                     </a:p>
@@ -6514,56 +6478,7 @@
                   </a:ext>
                 </a:extLst>
               </a:tr>
-              <a:tr h="654340">
-                <a:tc>
-                  <a:txBody>
-                    <a:bodyPr/>
-                    <a:lstStyle/>
-                    <a:p>
-                      <a:endParaRPr lang="en-US"/>
-                    </a:p>
-                  </a:txBody>
-                  <a:tcPr/>
-                </a:tc>
-                <a:tc>
-                  <a:txBody>
-                    <a:bodyPr/>
-                    <a:lstStyle/>
-                    <a:p>
-                      <a:r>
-                        <a:rPr lang="de-DE" dirty="0"/>
-                        <a:t>14h</a:t>
-                      </a:r>
-                      <a:endParaRPr lang="en-US" dirty="0"/>
-                    </a:p>
-                  </a:txBody>
-                  <a:tcPr/>
-                </a:tc>
-                <a:tc>
-                  <a:txBody>
-                    <a:bodyPr/>
-                    <a:lstStyle/>
-                    <a:p>
-                      <a:r>
-                        <a:rPr lang="de-DE" dirty="0"/>
-                        <a:t>Visualization with ggplot2 (</a:t>
-                      </a:r>
-                      <a:r>
-                        <a:rPr lang="de-DE" i="1" dirty="0"/>
-                        <a:t>Guided tutorial)</a:t>
-                      </a:r>
-                      <a:endParaRPr lang="en-US" dirty="0"/>
-                    </a:p>
-                  </a:txBody>
-                  <a:tcPr/>
-                </a:tc>
-                <a:extLst>
-                  <a:ext uri="{0D108BD9-81ED-4DB2-BD59-A6C34878D82A}">
-                    <a16:rowId xmlns="" xmlns:a16="http://schemas.microsoft.com/office/drawing/2014/main" val="1233215090"/>
-                  </a:ext>
-                </a:extLst>
-              </a:tr>
-              <a:tr h="654340">
+              <a:tr h="399926">
                 <a:tc>
                   <a:txBody>
                     <a:bodyPr/>
@@ -6580,8 +6495,8 @@
                     <a:lstStyle/>
                     <a:p>
                       <a:r>
-                        <a:rPr lang="de-DE" dirty="0"/>
-                        <a:t>15.30 – 17.30</a:t>
+                        <a:rPr lang="en-US" dirty="0" smtClean="0"/>
+                        <a:t>13.30</a:t>
                       </a:r>
                       <a:endParaRPr lang="en-US" dirty="0"/>
                     </a:p>
@@ -6594,10 +6509,137 @@
                     <a:lstStyle/>
                     <a:p>
                       <a:r>
-                        <a:rPr lang="de-DE" dirty="0"/>
-                        <a:t>ggplot2 challenge</a:t>
+                        <a:rPr lang="de-DE" i="1" dirty="0"/>
+                        <a:t>Lunch break</a:t>
+                      </a:r>
+                      <a:endParaRPr lang="en-US" i="1" dirty="0"/>
+                    </a:p>
+                  </a:txBody>
+                  <a:tcPr/>
+                </a:tc>
+              </a:tr>
+              <a:tr h="355600">
+                <a:tc>
+                  <a:txBody>
+                    <a:bodyPr/>
+                    <a:lstStyle/>
+                    <a:p>
+                      <a:endParaRPr lang="en-US" dirty="0"/>
+                    </a:p>
+                  </a:txBody>
+                  <a:tcPr/>
+                </a:tc>
+                <a:tc>
+                  <a:txBody>
+                    <a:bodyPr/>
+                    <a:lstStyle/>
+                    <a:p>
+                      <a:pPr marL="0" marR="0" indent="0" algn="l" defTabSz="914400" rtl="0" eaLnBrk="1" fontAlgn="auto" latinLnBrk="0" hangingPunct="1">
+                        <a:lnSpc>
+                          <a:spcPct val="100000"/>
+                        </a:lnSpc>
+                        <a:spcBef>
+                          <a:spcPts val="0"/>
+                        </a:spcBef>
+                        <a:spcAft>
+                          <a:spcPts val="0"/>
+                        </a:spcAft>
+                        <a:buClrTx/>
+                        <a:buSzTx/>
+                        <a:buFontTx/>
+                        <a:buNone/>
+                        <a:tabLst/>
+                        <a:defRPr/>
+                      </a:pPr>
+                      <a:r>
+                        <a:rPr lang="de-DE" dirty="0" smtClean="0"/>
+                        <a:t>14.00-15.00</a:t>
+                      </a:r>
+                      <a:endParaRPr lang="en-US" dirty="0" smtClean="0"/>
+                    </a:p>
+                  </a:txBody>
+                  <a:tcPr/>
+                </a:tc>
+                <a:tc>
+                  <a:txBody>
+                    <a:bodyPr/>
+                    <a:lstStyle/>
+                    <a:p>
+                      <a:r>
+                        <a:rPr lang="en-US" i="1" dirty="0" smtClean="0"/>
+                        <a:t>Break for IGB </a:t>
+                      </a:r>
+                      <a:r>
+                        <a:rPr lang="en-US" i="1" dirty="0" err="1" smtClean="0"/>
+                        <a:t>Kolloquium</a:t>
+                      </a:r>
+                      <a:endParaRPr lang="en-US" i="1" dirty="0"/>
+                    </a:p>
+                  </a:txBody>
+                  <a:tcPr/>
+                </a:tc>
+                <a:extLst>
+                  <a:ext uri="{0D108BD9-81ED-4DB2-BD59-A6C34878D82A}">
+                    <a16:rowId xmlns="" xmlns:a16="http://schemas.microsoft.com/office/drawing/2014/main" val="1233215090"/>
+                  </a:ext>
+                </a:extLst>
+              </a:tr>
+              <a:tr h="421640">
+                <a:tc>
+                  <a:txBody>
+                    <a:bodyPr/>
+                    <a:lstStyle/>
+                    <a:p>
+                      <a:endParaRPr lang="en-US" dirty="0"/>
+                    </a:p>
+                  </a:txBody>
+                  <a:tcPr/>
+                </a:tc>
+                <a:tc>
+                  <a:txBody>
+                    <a:bodyPr/>
+                    <a:lstStyle/>
+                    <a:p>
+                      <a:r>
+                        <a:rPr lang="en-US" dirty="0" smtClean="0"/>
+                        <a:t>15.00 – 17.00</a:t>
                       </a:r>
                       <a:endParaRPr lang="en-US" dirty="0"/>
+                    </a:p>
+                  </a:txBody>
+                  <a:tcPr/>
+                </a:tc>
+                <a:tc>
+                  <a:txBody>
+                    <a:bodyPr/>
+                    <a:lstStyle/>
+                    <a:p>
+                      <a:pPr marL="0" marR="0" indent="0" algn="l" defTabSz="914400" rtl="0" eaLnBrk="1" fontAlgn="auto" latinLnBrk="0" hangingPunct="1">
+                        <a:lnSpc>
+                          <a:spcPct val="100000"/>
+                        </a:lnSpc>
+                        <a:spcBef>
+                          <a:spcPts val="0"/>
+                        </a:spcBef>
+                        <a:spcAft>
+                          <a:spcPts val="0"/>
+                        </a:spcAft>
+                        <a:buClrTx/>
+                        <a:buSzTx/>
+                        <a:buFontTx/>
+                        <a:buNone/>
+                        <a:tabLst/>
+                        <a:defRPr/>
+                      </a:pPr>
+                      <a:r>
+                        <a:rPr lang="de-DE" dirty="0" smtClean="0"/>
+                        <a:t>Visualization with ggplot2 (</a:t>
+                      </a:r>
+                      <a:r>
+                        <a:rPr lang="de-DE" i="1" dirty="0" smtClean="0"/>
+                        <a:t>Guided tutorial)</a:t>
+                      </a:r>
+                      <a:endParaRPr lang="en-US" dirty="0" smtClean="0"/>
                     </a:p>
                   </a:txBody>
                   <a:tcPr/>
@@ -6608,7 +6650,51 @@
                   </a:ext>
                 </a:extLst>
               </a:tr>
-              <a:tr h="654340">
+              <a:tr h="444500">
+                <a:tc>
+                  <a:txBody>
+                    <a:bodyPr/>
+                    <a:lstStyle/>
+                    <a:p>
+                      <a:endParaRPr lang="en-US" dirty="0"/>
+                    </a:p>
+                  </a:txBody>
+                  <a:tcPr/>
+                </a:tc>
+                <a:tc>
+                  <a:txBody>
+                    <a:bodyPr/>
+                    <a:lstStyle/>
+                    <a:p>
+                      <a:r>
+                        <a:rPr lang="de-DE" dirty="0" smtClean="0"/>
+                        <a:t>17.00 </a:t>
+                      </a:r>
+                      <a:r>
+                        <a:rPr lang="de-DE" dirty="0"/>
+                        <a:t>– 17.30</a:t>
+                      </a:r>
+                      <a:endParaRPr lang="en-US" dirty="0"/>
+                    </a:p>
+                  </a:txBody>
+                  <a:tcPr/>
+                </a:tc>
+                <a:tc>
+                  <a:txBody>
+                    <a:bodyPr/>
+                    <a:lstStyle/>
+                    <a:p>
+                      <a:r>
+                        <a:rPr lang="en-US" dirty="0" smtClean="0"/>
+                        <a:t>Q&amp;As</a:t>
+                      </a:r>
+                      <a:endParaRPr lang="en-US" dirty="0"/>
+                    </a:p>
+                  </a:txBody>
+                  <a:tcPr/>
+                </a:tc>
+              </a:tr>
+              <a:tr h="685800">
                 <a:tc>
                   <a:txBody>
                     <a:bodyPr/>
@@ -6634,6 +6720,10 @@
                     <a:bodyPr/>
                     <a:lstStyle/>
                     <a:p>
+                      <a:r>
+                        <a:rPr lang="en-US" dirty="0" smtClean="0"/>
+                        <a:t>morning</a:t>
+                      </a:r>
                       <a:endParaRPr lang="en-US" dirty="0"/>
                     </a:p>
                   </a:txBody>
@@ -6659,17 +6749,7 @@
                   </a:ext>
                 </a:extLst>
               </a:tr>
-              <a:tr h="654340">
-                <a:tc>
-                  <a:txBody>
-                    <a:bodyPr/>
-                    <a:lstStyle/>
-                    <a:p>
-                      <a:endParaRPr lang="en-US" dirty="0"/>
-                    </a:p>
-                  </a:txBody>
-                  <a:tcPr/>
-                </a:tc>
+              <a:tr h="482600">
                 <a:tc>
                   <a:txBody>
                     <a:bodyPr/>
@@ -6686,8 +6766,34 @@
                     <a:lstStyle/>
                     <a:p>
                       <a:r>
+                        <a:rPr lang="en-US" dirty="0" smtClean="0"/>
+                        <a:t>afternoon</a:t>
+                      </a:r>
+                      <a:endParaRPr lang="en-US" dirty="0"/>
+                    </a:p>
+                  </a:txBody>
+                  <a:tcPr/>
+                </a:tc>
+                <a:tc>
+                  <a:txBody>
+                    <a:bodyPr/>
+                    <a:lstStyle/>
+                    <a:p>
+                      <a:r>
+                        <a:rPr lang="de-DE" dirty="0" smtClean="0"/>
+                        <a:t>Group Challenge</a:t>
+                      </a:r>
+                      <a:r>
+                        <a:rPr lang="de-DE" baseline="0" dirty="0" smtClean="0"/>
+                        <a:t> and </a:t>
+                      </a:r>
+                      <a:r>
+                        <a:rPr lang="de-DE" dirty="0" smtClean="0"/>
+                        <a:t>Open </a:t>
+                      </a:r>
+                      <a:r>
                         <a:rPr lang="de-DE" dirty="0"/>
-                        <a:t>Open lab (work with your data)</a:t>
+                        <a:t>lab (work with your data)</a:t>
                       </a:r>
                       <a:endParaRPr lang="en-US" dirty="0"/>
                     </a:p>
@@ -9618,7 +9724,7 @@
 </file>
 
 <file path=ppt/slides/slide28.xml><?xml version="1.0" encoding="utf-8"?>
-<p:sld xmlns:a="http://schemas.openxmlformats.org/drawingml/2006/main" xmlns:r="http://schemas.openxmlformats.org/officeDocument/2006/relationships" xmlns:p="http://schemas.openxmlformats.org/presentationml/2006/main">
+<p:sld xmlns:a="http://schemas.openxmlformats.org/drawingml/2006/main" xmlns:r="http://schemas.openxmlformats.org/officeDocument/2006/relationships" xmlns:p="http://schemas.openxmlformats.org/presentationml/2006/main" show="0">
   <p:cSld>
     <p:spTree>
       <p:nvGrpSpPr>
@@ -9861,6 +9967,14 @@
   <p:clrMapOvr>
     <a:masterClrMapping/>
   </p:clrMapOvr>
+  <mc:AlternateContent xmlns:mc="http://schemas.openxmlformats.org/markup-compatibility/2006">
+    <mc:Choice xmlns:p14="http://schemas.microsoft.com/office/powerpoint/2010/main" Requires="p14">
+      <p:transition spd="slow" p14:dur="2000"/>
+    </mc:Choice>
+    <mc:Fallback>
+      <p:transition spd="slow"/>
+    </mc:Fallback>
+  </mc:AlternateContent>
   <p:timing>
     <p:tnLst>
       <p:par>
@@ -10943,6 +11057,54 @@
           </a:p>
         </p:txBody>
       </p:sp>
+      <p:sp>
+        <p:nvSpPr>
+          <p:cNvPr id="4" name="Rectangle 3"/>
+          <p:cNvSpPr/>
+          <p:nvPr/>
+        </p:nvSpPr>
+        <p:spPr>
+          <a:xfrm>
+            <a:off x="2349500" y="4029165"/>
+            <a:ext cx="4953000" cy="1200329"/>
+          </a:xfrm>
+          <a:prstGeom prst="rect">
+            <a:avLst/>
+          </a:prstGeom>
+        </p:spPr>
+        <p:txBody>
+          <a:bodyPr>
+            <a:spAutoFit/>
+          </a:bodyPr>
+          <a:lstStyle/>
+          <a:p>
+            <a:pPr algn="ctr"/>
+            <a:r>
+              <a:rPr lang="de-DE" dirty="0"/>
+              <a:t>Ramsy Agha</a:t>
+            </a:r>
+          </a:p>
+          <a:p>
+            <a:pPr algn="ctr"/>
+            <a:r>
+              <a:rPr lang="en-US" dirty="0"/>
+              <a:t>Feb 2020</a:t>
+            </a:r>
+          </a:p>
+          <a:p>
+            <a:pPr algn="ctr"/>
+            <a:endParaRPr lang="de-DE" dirty="0"/>
+          </a:p>
+          <a:p>
+            <a:pPr algn="ctr"/>
+            <a:r>
+              <a:rPr lang="de-DE" dirty="0"/>
+              <a:t>Disease Eco-Evo Lab</a:t>
+            </a:r>
+            <a:endParaRPr lang="en-US" dirty="0"/>
+          </a:p>
+        </p:txBody>
+      </p:sp>
     </p:spTree>
     <p:extLst>
       <p:ext uri="{BB962C8B-B14F-4D97-AF65-F5344CB8AC3E}">
@@ -12024,17 +12186,17 @@
           <a:lstStyle/>
           <a:p>
             <a:r>
-              <a:rPr lang="de-DE" dirty="0" smtClean="0"/>
+              <a:rPr lang="de-DE" b="1" dirty="0" smtClean="0"/>
               <a:t>Tutorial 3: </a:t>
             </a:r>
             <a:br>
-              <a:rPr lang="de-DE" dirty="0" smtClean="0"/>
+              <a:rPr lang="de-DE" b="1" dirty="0" smtClean="0"/>
             </a:br>
             <a:r>
-              <a:rPr lang="de-DE" dirty="0" smtClean="0"/>
+              <a:rPr lang="de-DE" b="1" dirty="0" smtClean="0"/>
               <a:t>Data manipulation – the apply funtions</a:t>
             </a:r>
-            <a:endParaRPr lang="fr-FR" dirty="0"/>
+            <a:endParaRPr lang="fr-FR" b="1" dirty="0"/>
           </a:p>
         </p:txBody>
       </p:sp>
@@ -12050,8 +12212,32 @@
         </p:nvSpPr>
         <p:spPr/>
         <p:txBody>
-          <a:bodyPr/>
+          <a:bodyPr>
+            <a:normAutofit lnSpcReduction="10000"/>
+          </a:bodyPr>
           <a:lstStyle/>
+          <a:p>
+            <a:r>
+              <a:rPr lang="de-DE" dirty="0"/>
+              <a:t>Ramsy Agha</a:t>
+            </a:r>
+          </a:p>
+          <a:p>
+            <a:r>
+              <a:rPr lang="en-US" dirty="0"/>
+              <a:t>Feb 2020</a:t>
+            </a:r>
+          </a:p>
+          <a:p>
+            <a:endParaRPr lang="de-DE" dirty="0"/>
+          </a:p>
+          <a:p>
+            <a:r>
+              <a:rPr lang="de-DE" dirty="0"/>
+              <a:t>Disease Eco-Evo Lab</a:t>
+            </a:r>
+            <a:endParaRPr lang="en-US" dirty="0"/>
+          </a:p>
           <a:p>
             <a:endParaRPr lang="fr-FR" dirty="0"/>
           </a:p>
@@ -12110,10 +12296,10 @@
           <a:lstStyle/>
           <a:p>
             <a:r>
-              <a:rPr lang="de-DE" dirty="0" smtClean="0"/>
+              <a:rPr lang="de-DE" b="1" dirty="0" smtClean="0"/>
               <a:t>Apply functions</a:t>
             </a:r>
-            <a:endParaRPr lang="fr-FR" dirty="0"/>
+            <a:endParaRPr lang="fr-FR" b="1" dirty="0"/>
           </a:p>
         </p:txBody>
       </p:sp>
@@ -12600,10 +12786,10 @@
           </a:lstStyle>
           <a:p>
             <a:r>
-              <a:rPr lang="de-DE" dirty="0" smtClean="0"/>
+              <a:rPr lang="de-DE" b="1" dirty="0" smtClean="0"/>
               <a:t>Apply functions</a:t>
             </a:r>
-            <a:endParaRPr lang="fr-FR" dirty="0"/>
+            <a:endParaRPr lang="fr-FR" b="1" dirty="0"/>
           </a:p>
         </p:txBody>
       </p:sp>
@@ -13148,7 +13334,7 @@
               <a:rPr lang="es-ES" b="1" dirty="0" err="1" smtClean="0"/>
               <a:t>strategy</a:t>
             </a:r>
-            <a:endParaRPr lang="en-US" dirty="0"/>
+            <a:endParaRPr lang="en-US" b="1" dirty="0"/>
           </a:p>
         </p:txBody>
       </p:sp>
@@ -14569,8 +14755,32 @@
         </p:nvSpPr>
         <p:spPr/>
         <p:txBody>
-          <a:bodyPr/>
+          <a:bodyPr>
+            <a:normAutofit lnSpcReduction="10000"/>
+          </a:bodyPr>
           <a:lstStyle/>
+          <a:p>
+            <a:r>
+              <a:rPr lang="de-DE" dirty="0"/>
+              <a:t>Ramsy Agha</a:t>
+            </a:r>
+          </a:p>
+          <a:p>
+            <a:r>
+              <a:rPr lang="en-US" dirty="0"/>
+              <a:t>Feb 2020</a:t>
+            </a:r>
+          </a:p>
+          <a:p>
+            <a:endParaRPr lang="de-DE" dirty="0"/>
+          </a:p>
+          <a:p>
+            <a:r>
+              <a:rPr lang="de-DE" dirty="0"/>
+              <a:t>Disease Eco-Evo Lab</a:t>
+            </a:r>
+            <a:endParaRPr lang="en-US" dirty="0"/>
+          </a:p>
           <a:p>
             <a:endParaRPr lang="fr-FR" dirty="0"/>
           </a:p>
@@ -15600,7 +15810,7 @@
                 <a:cs typeface="Calibri"/>
                 <a:sym typeface="Calibri"/>
               </a:rPr>
-              <a:t>Mind the cats:</a:t>
+              <a:t>Mind the cats!</a:t>
             </a:r>
           </a:p>
           <a:p>
